--- a/Docker.pptx
+++ b/Docker.pptx
@@ -212,7 +212,7 @@
           <a:p>
             <a:fld id="{8AEB01C6-6B3C-41D0-B117-4B374110165A}" type="datetimeFigureOut">
               <a:rPr lang="en-IN" smtClean="0"/>
-              <a:t>07-06-2019</a:t>
+              <a:t>19-06-2019</a:t>
             </a:fld>
             <a:endParaRPr lang="en-IN"/>
           </a:p>
@@ -830,7 +830,7 @@
           <a:p>
             <a:fld id="{CB158643-3471-4F8B-8B0B-D1F88C0D88D4}" type="datetimeFigureOut">
               <a:rPr lang="en-IN" smtClean="0"/>
-              <a:t>07-06-2019</a:t>
+              <a:t>19-06-2019</a:t>
             </a:fld>
             <a:endParaRPr lang="en-IN"/>
           </a:p>
@@ -1030,7 +1030,7 @@
           <a:p>
             <a:fld id="{CB158643-3471-4F8B-8B0B-D1F88C0D88D4}" type="datetimeFigureOut">
               <a:rPr lang="en-IN" smtClean="0"/>
-              <a:t>07-06-2019</a:t>
+              <a:t>19-06-2019</a:t>
             </a:fld>
             <a:endParaRPr lang="en-IN"/>
           </a:p>
@@ -1240,7 +1240,7 @@
           <a:p>
             <a:fld id="{CB158643-3471-4F8B-8B0B-D1F88C0D88D4}" type="datetimeFigureOut">
               <a:rPr lang="en-IN" smtClean="0"/>
-              <a:t>07-06-2019</a:t>
+              <a:t>19-06-2019</a:t>
             </a:fld>
             <a:endParaRPr lang="en-IN"/>
           </a:p>
@@ -1440,7 +1440,7 @@
           <a:p>
             <a:fld id="{CB158643-3471-4F8B-8B0B-D1F88C0D88D4}" type="datetimeFigureOut">
               <a:rPr lang="en-IN" smtClean="0"/>
-              <a:t>07-06-2019</a:t>
+              <a:t>19-06-2019</a:t>
             </a:fld>
             <a:endParaRPr lang="en-IN"/>
           </a:p>
@@ -1716,7 +1716,7 @@
           <a:p>
             <a:fld id="{CB158643-3471-4F8B-8B0B-D1F88C0D88D4}" type="datetimeFigureOut">
               <a:rPr lang="en-IN" smtClean="0"/>
-              <a:t>07-06-2019</a:t>
+              <a:t>19-06-2019</a:t>
             </a:fld>
             <a:endParaRPr lang="en-IN"/>
           </a:p>
@@ -1984,7 +1984,7 @@
           <a:p>
             <a:fld id="{CB158643-3471-4F8B-8B0B-D1F88C0D88D4}" type="datetimeFigureOut">
               <a:rPr lang="en-IN" smtClean="0"/>
-              <a:t>07-06-2019</a:t>
+              <a:t>19-06-2019</a:t>
             </a:fld>
             <a:endParaRPr lang="en-IN"/>
           </a:p>
@@ -2399,7 +2399,7 @@
           <a:p>
             <a:fld id="{CB158643-3471-4F8B-8B0B-D1F88C0D88D4}" type="datetimeFigureOut">
               <a:rPr lang="en-IN" smtClean="0"/>
-              <a:t>07-06-2019</a:t>
+              <a:t>19-06-2019</a:t>
             </a:fld>
             <a:endParaRPr lang="en-IN"/>
           </a:p>
@@ -2541,7 +2541,7 @@
           <a:p>
             <a:fld id="{CB158643-3471-4F8B-8B0B-D1F88C0D88D4}" type="datetimeFigureOut">
               <a:rPr lang="en-IN" smtClean="0"/>
-              <a:t>07-06-2019</a:t>
+              <a:t>19-06-2019</a:t>
             </a:fld>
             <a:endParaRPr lang="en-IN"/>
           </a:p>
@@ -2654,7 +2654,7 @@
           <a:p>
             <a:fld id="{CB158643-3471-4F8B-8B0B-D1F88C0D88D4}" type="datetimeFigureOut">
               <a:rPr lang="en-IN" smtClean="0"/>
-              <a:t>07-06-2019</a:t>
+              <a:t>19-06-2019</a:t>
             </a:fld>
             <a:endParaRPr lang="en-IN"/>
           </a:p>
@@ -2967,7 +2967,7 @@
           <a:p>
             <a:fld id="{CB158643-3471-4F8B-8B0B-D1F88C0D88D4}" type="datetimeFigureOut">
               <a:rPr lang="en-IN" smtClean="0"/>
-              <a:t>07-06-2019</a:t>
+              <a:t>19-06-2019</a:t>
             </a:fld>
             <a:endParaRPr lang="en-IN"/>
           </a:p>
@@ -3256,7 +3256,7 @@
           <a:p>
             <a:fld id="{CB158643-3471-4F8B-8B0B-D1F88C0D88D4}" type="datetimeFigureOut">
               <a:rPr lang="en-IN" smtClean="0"/>
-              <a:t>07-06-2019</a:t>
+              <a:t>19-06-2019</a:t>
             </a:fld>
             <a:endParaRPr lang="en-IN"/>
           </a:p>
@@ -3499,7 +3499,7 @@
           <a:p>
             <a:fld id="{CB158643-3471-4F8B-8B0B-D1F88C0D88D4}" type="datetimeFigureOut">
               <a:rPr lang="en-IN" smtClean="0"/>
-              <a:t>07-06-2019</a:t>
+              <a:t>19-06-2019</a:t>
             </a:fld>
             <a:endParaRPr lang="en-IN"/>
           </a:p>
@@ -3937,7 +3937,10 @@
           <a:bodyPr/>
           <a:lstStyle/>
           <a:p>
-            <a:endParaRPr lang="en-IN"/>
+            <a:r>
+              <a:rPr lang="en-IN"/>
+              <a:t>Docker</a:t>
+            </a:r>
           </a:p>
         </p:txBody>
       </p:sp>

--- a/Docker.pptx
+++ b/Docker.pptx
@@ -212,7 +212,7 @@
           <a:p>
             <a:fld id="{8AEB01C6-6B3C-41D0-B117-4B374110165A}" type="datetimeFigureOut">
               <a:rPr lang="en-IN" smtClean="0"/>
-              <a:t>19-06-2019</a:t>
+              <a:t>29-07-2019</a:t>
             </a:fld>
             <a:endParaRPr lang="en-IN"/>
           </a:p>
@@ -830,7 +830,7 @@
           <a:p>
             <a:fld id="{CB158643-3471-4F8B-8B0B-D1F88C0D88D4}" type="datetimeFigureOut">
               <a:rPr lang="en-IN" smtClean="0"/>
-              <a:t>19-06-2019</a:t>
+              <a:t>29-07-2019</a:t>
             </a:fld>
             <a:endParaRPr lang="en-IN"/>
           </a:p>
@@ -1030,7 +1030,7 @@
           <a:p>
             <a:fld id="{CB158643-3471-4F8B-8B0B-D1F88C0D88D4}" type="datetimeFigureOut">
               <a:rPr lang="en-IN" smtClean="0"/>
-              <a:t>19-06-2019</a:t>
+              <a:t>29-07-2019</a:t>
             </a:fld>
             <a:endParaRPr lang="en-IN"/>
           </a:p>
@@ -1240,7 +1240,7 @@
           <a:p>
             <a:fld id="{CB158643-3471-4F8B-8B0B-D1F88C0D88D4}" type="datetimeFigureOut">
               <a:rPr lang="en-IN" smtClean="0"/>
-              <a:t>19-06-2019</a:t>
+              <a:t>29-07-2019</a:t>
             </a:fld>
             <a:endParaRPr lang="en-IN"/>
           </a:p>
@@ -1440,7 +1440,7 @@
           <a:p>
             <a:fld id="{CB158643-3471-4F8B-8B0B-D1F88C0D88D4}" type="datetimeFigureOut">
               <a:rPr lang="en-IN" smtClean="0"/>
-              <a:t>19-06-2019</a:t>
+              <a:t>29-07-2019</a:t>
             </a:fld>
             <a:endParaRPr lang="en-IN"/>
           </a:p>
@@ -1716,7 +1716,7 @@
           <a:p>
             <a:fld id="{CB158643-3471-4F8B-8B0B-D1F88C0D88D4}" type="datetimeFigureOut">
               <a:rPr lang="en-IN" smtClean="0"/>
-              <a:t>19-06-2019</a:t>
+              <a:t>29-07-2019</a:t>
             </a:fld>
             <a:endParaRPr lang="en-IN"/>
           </a:p>
@@ -1984,7 +1984,7 @@
           <a:p>
             <a:fld id="{CB158643-3471-4F8B-8B0B-D1F88C0D88D4}" type="datetimeFigureOut">
               <a:rPr lang="en-IN" smtClean="0"/>
-              <a:t>19-06-2019</a:t>
+              <a:t>29-07-2019</a:t>
             </a:fld>
             <a:endParaRPr lang="en-IN"/>
           </a:p>
@@ -2399,7 +2399,7 @@
           <a:p>
             <a:fld id="{CB158643-3471-4F8B-8B0B-D1F88C0D88D4}" type="datetimeFigureOut">
               <a:rPr lang="en-IN" smtClean="0"/>
-              <a:t>19-06-2019</a:t>
+              <a:t>29-07-2019</a:t>
             </a:fld>
             <a:endParaRPr lang="en-IN"/>
           </a:p>
@@ -2541,7 +2541,7 @@
           <a:p>
             <a:fld id="{CB158643-3471-4F8B-8B0B-D1F88C0D88D4}" type="datetimeFigureOut">
               <a:rPr lang="en-IN" smtClean="0"/>
-              <a:t>19-06-2019</a:t>
+              <a:t>29-07-2019</a:t>
             </a:fld>
             <a:endParaRPr lang="en-IN"/>
           </a:p>
@@ -2654,7 +2654,7 @@
           <a:p>
             <a:fld id="{CB158643-3471-4F8B-8B0B-D1F88C0D88D4}" type="datetimeFigureOut">
               <a:rPr lang="en-IN" smtClean="0"/>
-              <a:t>19-06-2019</a:t>
+              <a:t>29-07-2019</a:t>
             </a:fld>
             <a:endParaRPr lang="en-IN"/>
           </a:p>
@@ -2967,7 +2967,7 @@
           <a:p>
             <a:fld id="{CB158643-3471-4F8B-8B0B-D1F88C0D88D4}" type="datetimeFigureOut">
               <a:rPr lang="en-IN" smtClean="0"/>
-              <a:t>19-06-2019</a:t>
+              <a:t>29-07-2019</a:t>
             </a:fld>
             <a:endParaRPr lang="en-IN"/>
           </a:p>
@@ -3256,7 +3256,7 @@
           <a:p>
             <a:fld id="{CB158643-3471-4F8B-8B0B-D1F88C0D88D4}" type="datetimeFigureOut">
               <a:rPr lang="en-IN" smtClean="0"/>
-              <a:t>19-06-2019</a:t>
+              <a:t>29-07-2019</a:t>
             </a:fld>
             <a:endParaRPr lang="en-IN"/>
           </a:p>
@@ -3499,7 +3499,7 @@
           <a:p>
             <a:fld id="{CB158643-3471-4F8B-8B0B-D1F88C0D88D4}" type="datetimeFigureOut">
               <a:rPr lang="en-IN" smtClean="0"/>
-              <a:t>19-06-2019</a:t>
+              <a:t>29-07-2019</a:t>
             </a:fld>
             <a:endParaRPr lang="en-IN"/>
           </a:p>
@@ -6041,6 +6041,27 @@
               <a:t>Run all containers using a single command “docker-compose up”</a:t>
             </a:r>
           </a:p>
+          <a:p>
+            <a:pPr lvl="1"/>
+            <a:r>
+              <a:rPr lang="en-IN" dirty="0"/>
+              <a:t>“up” command build the images and run the containers (build + start)</a:t>
+            </a:r>
+          </a:p>
+          <a:p>
+            <a:pPr lvl="1"/>
+            <a:r>
+              <a:rPr lang="en-IN" dirty="0"/>
+              <a:t>“build” is used to build the images only.</a:t>
+            </a:r>
+          </a:p>
+          <a:p>
+            <a:pPr lvl="1"/>
+            <a:r>
+              <a:rPr lang="en-IN" dirty="0"/>
+              <a:t>“start” is used to run the images as containers</a:t>
+            </a:r>
+          </a:p>
         </p:txBody>
       </p:sp>
     </p:spTree>
@@ -6169,7 +6190,7 @@
         </p:nvSpPr>
         <p:spPr>
           <a:xfrm>
-            <a:off x="696163" y="542259"/>
+            <a:off x="696163" y="513684"/>
             <a:ext cx="10402455" cy="2698845"/>
           </a:xfrm>
           <a:prstGeom prst="roundRect">
@@ -6221,8 +6242,8 @@
         </p:nvSpPr>
         <p:spPr>
           <a:xfrm>
-            <a:off x="4314014" y="742130"/>
-            <a:ext cx="2190736" cy="600364"/>
+            <a:off x="4841434" y="742130"/>
+            <a:ext cx="1663316" cy="600364"/>
           </a:xfrm>
           <a:prstGeom prst="rect">
             <a:avLst/>
@@ -6325,7 +6346,7 @@
         </p:nvCxnSpPr>
         <p:spPr>
           <a:xfrm flipV="1">
-            <a:off x="6180953" y="3241104"/>
+            <a:off x="4123553" y="3241104"/>
             <a:ext cx="0" cy="2327564"/>
           </a:xfrm>
           <a:prstGeom prst="straightConnector1">
@@ -6357,10 +6378,10 @@
       </p:cxnSp>
       <p:sp>
         <p:nvSpPr>
-          <p:cNvPr id="10" name="TextBox 9">
-            <a:extLst>
-              <a:ext uri="{FF2B5EF4-FFF2-40B4-BE49-F238E27FC236}">
-                <a16:creationId xmlns:a16="http://schemas.microsoft.com/office/drawing/2014/main" id="{9AF1C649-F42F-4819-B044-0B923443CBE1}"/>
+          <p:cNvPr id="11" name="TextBox 10">
+            <a:extLst>
+              <a:ext uri="{FF2B5EF4-FFF2-40B4-BE49-F238E27FC236}">
+                <a16:creationId xmlns:a16="http://schemas.microsoft.com/office/drawing/2014/main" id="{B70CC69A-98A7-4397-857E-FCA31ACC3881}"/>
               </a:ext>
             </a:extLst>
           </p:cNvPr>
@@ -6369,8 +6390,8 @@
         </p:nvSpPr>
         <p:spPr>
           <a:xfrm>
-            <a:off x="4731368" y="1288748"/>
-            <a:ext cx="1773382" cy="369332"/>
+            <a:off x="8284451" y="444204"/>
+            <a:ext cx="2623127" cy="369332"/>
           </a:xfrm>
           <a:prstGeom prst="rect">
             <a:avLst/>
@@ -6384,19 +6405,18 @@
           <a:lstStyle/>
           <a:p>
             <a:r>
-              <a:rPr lang="en-IN" dirty="0" err="1"/>
-              <a:t>identitysvc</a:t>
-            </a:r>
-            <a:endParaRPr lang="en-IN" dirty="0"/>
-          </a:p>
-        </p:txBody>
-      </p:sp>
-      <p:sp>
-        <p:nvSpPr>
-          <p:cNvPr id="11" name="TextBox 10">
-            <a:extLst>
-              <a:ext uri="{FF2B5EF4-FFF2-40B4-BE49-F238E27FC236}">
-                <a16:creationId xmlns:a16="http://schemas.microsoft.com/office/drawing/2014/main" id="{B70CC69A-98A7-4397-857E-FCA31ACC3881}"/>
+              <a:rPr lang="en-IN" dirty="0"/>
+              <a:t>Docker Bridge network</a:t>
+            </a:r>
+          </a:p>
+        </p:txBody>
+      </p:sp>
+      <p:sp>
+        <p:nvSpPr>
+          <p:cNvPr id="12" name="TextBox 11">
+            <a:extLst>
+              <a:ext uri="{FF2B5EF4-FFF2-40B4-BE49-F238E27FC236}">
+                <a16:creationId xmlns:a16="http://schemas.microsoft.com/office/drawing/2014/main" id="{E045C2E5-8DAD-4E20-95E7-FEAC995E7A58}"/>
               </a:ext>
             </a:extLst>
           </p:cNvPr>
@@ -6405,42 +6425,7 @@
         </p:nvSpPr>
         <p:spPr>
           <a:xfrm>
-            <a:off x="8284451" y="444204"/>
-            <a:ext cx="2623127" cy="369332"/>
-          </a:xfrm>
-          <a:prstGeom prst="rect">
-            <a:avLst/>
-          </a:prstGeom>
-          <a:noFill/>
-        </p:spPr>
-        <p:txBody>
-          <a:bodyPr wrap="square" rtlCol="0">
-            <a:spAutoFit/>
-          </a:bodyPr>
-          <a:lstStyle/>
-          <a:p>
-            <a:r>
-              <a:rPr lang="en-IN" dirty="0"/>
-              <a:t>Docker Bridge network</a:t>
-            </a:r>
-          </a:p>
-        </p:txBody>
-      </p:sp>
-      <p:sp>
-        <p:nvSpPr>
-          <p:cNvPr id="12" name="TextBox 11">
-            <a:extLst>
-              <a:ext uri="{FF2B5EF4-FFF2-40B4-BE49-F238E27FC236}">
-                <a16:creationId xmlns:a16="http://schemas.microsoft.com/office/drawing/2014/main" id="{E045C2E5-8DAD-4E20-95E7-FEAC995E7A58}"/>
-              </a:ext>
-            </a:extLst>
-          </p:cNvPr>
-          <p:cNvSpPr txBox="1"/>
-          <p:nvPr/>
-        </p:nvSpPr>
-        <p:spPr>
-          <a:xfrm>
-            <a:off x="5790716" y="2950282"/>
+            <a:off x="3733316" y="2950282"/>
             <a:ext cx="780473" cy="369332"/>
           </a:xfrm>
           <a:prstGeom prst="rect">
@@ -6522,14 +6507,14 @@
           <p:cNvCxnSpPr>
             <a:cxnSpLocks/>
             <a:stCxn id="7" idx="3"/>
-            <a:endCxn id="18" idx="1"/>
+            <a:endCxn id="50" idx="1"/>
           </p:cNvCxnSpPr>
           <p:nvPr/>
         </p:nvCxnSpPr>
         <p:spPr>
           <a:xfrm>
             <a:off x="6504750" y="1042312"/>
-            <a:ext cx="1220058" cy="195938"/>
+            <a:ext cx="1559950" cy="333083"/>
           </a:xfrm>
           <a:prstGeom prst="straightConnector1">
             <a:avLst/>
@@ -6570,8 +6555,8 @@
         </p:nvSpPr>
         <p:spPr>
           <a:xfrm>
-            <a:off x="7724808" y="938068"/>
-            <a:ext cx="2578653" cy="600364"/>
+            <a:off x="9791612" y="1057172"/>
+            <a:ext cx="1249768" cy="600364"/>
           </a:xfrm>
           <a:prstGeom prst="rect">
             <a:avLst/>
@@ -6605,42 +6590,6 @@
           </a:p>
         </p:txBody>
       </p:sp>
-      <p:sp>
-        <p:nvSpPr>
-          <p:cNvPr id="19" name="TextBox 18">
-            <a:extLst>
-              <a:ext uri="{FF2B5EF4-FFF2-40B4-BE49-F238E27FC236}">
-                <a16:creationId xmlns:a16="http://schemas.microsoft.com/office/drawing/2014/main" id="{E800D166-A909-4ECF-B152-2CE33E9E4497}"/>
-              </a:ext>
-            </a:extLst>
-          </p:cNvPr>
-          <p:cNvSpPr txBox="1"/>
-          <p:nvPr/>
-        </p:nvSpPr>
-        <p:spPr>
-          <a:xfrm>
-            <a:off x="8709323" y="1492532"/>
-            <a:ext cx="1773382" cy="369332"/>
-          </a:xfrm>
-          <a:prstGeom prst="rect">
-            <a:avLst/>
-          </a:prstGeom>
-          <a:noFill/>
-        </p:spPr>
-        <p:txBody>
-          <a:bodyPr wrap="square" rtlCol="0">
-            <a:spAutoFit/>
-          </a:bodyPr>
-          <a:lstStyle/>
-          <a:p>
-            <a:r>
-              <a:rPr lang="en-IN" dirty="0" err="1"/>
-              <a:t>sqlsvc</a:t>
-            </a:r>
-            <a:endParaRPr lang="en-IN" dirty="0"/>
-          </a:p>
-        </p:txBody>
-      </p:sp>
       <p:cxnSp>
         <p:nvCxnSpPr>
           <p:cNvPr id="20" name="Straight Arrow Connector 19">
@@ -6657,7 +6606,7 @@
         </p:nvCxnSpPr>
         <p:spPr>
           <a:xfrm flipV="1">
-            <a:off x="9674994" y="2992943"/>
+            <a:off x="8379594" y="3011993"/>
             <a:ext cx="0" cy="2327564"/>
           </a:xfrm>
           <a:prstGeom prst="straightConnector1">
@@ -6701,7 +6650,7 @@
         </p:nvSpPr>
         <p:spPr>
           <a:xfrm>
-            <a:off x="9315071" y="2683111"/>
+            <a:off x="8019671" y="2702161"/>
             <a:ext cx="780473" cy="369332"/>
           </a:xfrm>
           <a:prstGeom prst="rect">
@@ -6717,17 +6666,151 @@
           <a:p>
             <a:r>
               <a:rPr lang="en-IN" dirty="0"/>
-              <a:t>1455</a:t>
+              <a:t>1434</a:t>
+            </a:r>
+          </a:p>
+        </p:txBody>
+      </p:sp>
+      <p:sp>
+        <p:nvSpPr>
+          <p:cNvPr id="35" name="Rectangle 34">
+            <a:extLst>
+              <a:ext uri="{FF2B5EF4-FFF2-40B4-BE49-F238E27FC236}">
+                <a16:creationId xmlns:a16="http://schemas.microsoft.com/office/drawing/2014/main" id="{105CC905-1E6F-4B23-9073-6988150581EA}"/>
+              </a:ext>
+            </a:extLst>
+          </p:cNvPr>
+          <p:cNvSpPr/>
+          <p:nvPr/>
+        </p:nvSpPr>
+        <p:spPr>
+          <a:xfrm>
+            <a:off x="4853677" y="1873990"/>
+            <a:ext cx="1636939" cy="600364"/>
+          </a:xfrm>
+          <a:prstGeom prst="rect">
+            <a:avLst/>
+          </a:prstGeom>
+        </p:spPr>
+        <p:style>
+          <a:lnRef idx="2">
+            <a:schemeClr val="accent1">
+              <a:shade val="50000"/>
+            </a:schemeClr>
+          </a:lnRef>
+          <a:fillRef idx="1">
+            <a:schemeClr val="accent1"/>
+          </a:fillRef>
+          <a:effectRef idx="0">
+            <a:schemeClr val="accent1"/>
+          </a:effectRef>
+          <a:fontRef idx="minor">
+            <a:schemeClr val="lt1"/>
+          </a:fontRef>
+        </p:style>
+        <p:txBody>
+          <a:bodyPr rtlCol="0" anchor="ctr"/>
+          <a:lstStyle/>
+          <a:p>
+            <a:pPr algn="ctr"/>
+            <a:r>
+              <a:rPr lang="en-IN" dirty="0" err="1"/>
+              <a:t>EventAPI</a:t>
+            </a:r>
+            <a:r>
+              <a:rPr lang="en-IN" dirty="0"/>
+              <a:t> :80</a:t>
             </a:r>
           </a:p>
         </p:txBody>
       </p:sp>
       <p:cxnSp>
         <p:nvCxnSpPr>
-          <p:cNvPr id="22" name="Straight Arrow Connector 21">
-            <a:extLst>
-              <a:ext uri="{FF2B5EF4-FFF2-40B4-BE49-F238E27FC236}">
-                <a16:creationId xmlns:a16="http://schemas.microsoft.com/office/drawing/2014/main" id="{F2527278-9D9E-4F04-B718-0A3B65E731CD}"/>
+          <p:cNvPr id="37" name="Straight Arrow Connector 36">
+            <a:extLst>
+              <a:ext uri="{FF2B5EF4-FFF2-40B4-BE49-F238E27FC236}">
+                <a16:creationId xmlns:a16="http://schemas.microsoft.com/office/drawing/2014/main" id="{773D8453-741B-4A60-996B-EA2144EEC3B1}"/>
+              </a:ext>
+            </a:extLst>
+          </p:cNvPr>
+          <p:cNvCxnSpPr>
+            <a:cxnSpLocks/>
+            <a:stCxn id="35" idx="3"/>
+            <a:endCxn id="50" idx="1"/>
+          </p:cNvCxnSpPr>
+          <p:nvPr/>
+        </p:nvCxnSpPr>
+        <p:spPr>
+          <a:xfrm flipV="1">
+            <a:off x="6490616" y="1375395"/>
+            <a:ext cx="1574084" cy="798777"/>
+          </a:xfrm>
+          <a:prstGeom prst="straightConnector1">
+            <a:avLst/>
+          </a:prstGeom>
+          <a:ln w="38100">
+            <a:solidFill>
+              <a:srgbClr val="00B050"/>
+            </a:solidFill>
+            <a:tailEnd type="triangle"/>
+          </a:ln>
+        </p:spPr>
+        <p:style>
+          <a:lnRef idx="1">
+            <a:schemeClr val="accent1"/>
+          </a:lnRef>
+          <a:fillRef idx="0">
+            <a:schemeClr val="accent1"/>
+          </a:fillRef>
+          <a:effectRef idx="0">
+            <a:schemeClr val="accent1"/>
+          </a:effectRef>
+          <a:fontRef idx="minor">
+            <a:schemeClr val="tx1"/>
+          </a:fontRef>
+        </p:style>
+      </p:cxnSp>
+      <p:sp>
+        <p:nvSpPr>
+          <p:cNvPr id="43" name="TextBox 42">
+            <a:extLst>
+              <a:ext uri="{FF2B5EF4-FFF2-40B4-BE49-F238E27FC236}">
+                <a16:creationId xmlns:a16="http://schemas.microsoft.com/office/drawing/2014/main" id="{DFF2860F-02FE-4868-8179-66226C78CC7F}"/>
+              </a:ext>
+            </a:extLst>
+          </p:cNvPr>
+          <p:cNvSpPr txBox="1"/>
+          <p:nvPr/>
+        </p:nvSpPr>
+        <p:spPr>
+          <a:xfrm>
+            <a:off x="3110529" y="2950282"/>
+            <a:ext cx="780473" cy="369332"/>
+          </a:xfrm>
+          <a:prstGeom prst="rect">
+            <a:avLst/>
+          </a:prstGeom>
+          <a:noFill/>
+        </p:spPr>
+        <p:txBody>
+          <a:bodyPr wrap="square" rtlCol="0">
+            <a:spAutoFit/>
+          </a:bodyPr>
+          <a:lstStyle/>
+          <a:p>
+            <a:r>
+              <a:rPr lang="en-IN" dirty="0"/>
+              <a:t>5000</a:t>
+            </a:r>
+          </a:p>
+        </p:txBody>
+      </p:sp>
+      <p:cxnSp>
+        <p:nvCxnSpPr>
+          <p:cNvPr id="44" name="Straight Arrow Connector 43">
+            <a:extLst>
+              <a:ext uri="{FF2B5EF4-FFF2-40B4-BE49-F238E27FC236}">
+                <a16:creationId xmlns:a16="http://schemas.microsoft.com/office/drawing/2014/main" id="{58514686-E6CB-4C4B-8832-A8B3242469EF}"/>
               </a:ext>
             </a:extLst>
           </p:cNvPr>
@@ -6738,8 +6821,8 @@
         </p:nvCxnSpPr>
         <p:spPr>
           <a:xfrm flipV="1">
-            <a:off x="9674994" y="1357354"/>
-            <a:ext cx="0" cy="1346600"/>
+            <a:off x="3538910" y="3241104"/>
+            <a:ext cx="0" cy="2327564"/>
           </a:xfrm>
           <a:prstGeom prst="straightConnector1">
             <a:avLst/>
@@ -6770,10 +6853,10 @@
       </p:cxnSp>
       <p:sp>
         <p:nvSpPr>
-          <p:cNvPr id="35" name="Rectangle 34">
-            <a:extLst>
-              <a:ext uri="{FF2B5EF4-FFF2-40B4-BE49-F238E27FC236}">
-                <a16:creationId xmlns:a16="http://schemas.microsoft.com/office/drawing/2014/main" id="{105CC905-1E6F-4B23-9073-6988150581EA}"/>
+          <p:cNvPr id="45" name="Rectangle 44">
+            <a:extLst>
+              <a:ext uri="{FF2B5EF4-FFF2-40B4-BE49-F238E27FC236}">
+                <a16:creationId xmlns:a16="http://schemas.microsoft.com/office/drawing/2014/main" id="{629CE896-1C46-4140-8793-2012DE493886}"/>
               </a:ext>
             </a:extLst>
           </p:cNvPr>
@@ -6782,8 +6865,8 @@
         </p:nvSpPr>
         <p:spPr>
           <a:xfrm>
-            <a:off x="4314014" y="1877650"/>
-            <a:ext cx="2190736" cy="600364"/>
+            <a:off x="1124630" y="1475273"/>
+            <a:ext cx="1395706" cy="600364"/>
           </a:xfrm>
           <a:prstGeom prst="rect">
             <a:avLst/>
@@ -6811,22 +6894,156 @@
           <a:p>
             <a:pPr algn="ctr"/>
             <a:r>
-              <a:rPr lang="en-IN" dirty="0" err="1"/>
-              <a:t>EventAPI</a:t>
-            </a:r>
-            <a:r>
-              <a:rPr lang="en-IN" dirty="0"/>
-              <a:t> :80</a:t>
-            </a:r>
-          </a:p>
-        </p:txBody>
-      </p:sp>
-      <p:sp>
-        <p:nvSpPr>
-          <p:cNvPr id="36" name="TextBox 35">
-            <a:extLst>
-              <a:ext uri="{FF2B5EF4-FFF2-40B4-BE49-F238E27FC236}">
-                <a16:creationId xmlns:a16="http://schemas.microsoft.com/office/drawing/2014/main" id="{A329FF94-780F-4C0A-A7F0-0F7BE21E8EA1}"/>
+              <a:rPr lang="en-IN" dirty="0"/>
+              <a:t>Event UI :80</a:t>
+            </a:r>
+          </a:p>
+        </p:txBody>
+      </p:sp>
+      <p:cxnSp>
+        <p:nvCxnSpPr>
+          <p:cNvPr id="46" name="Straight Arrow Connector 45">
+            <a:extLst>
+              <a:ext uri="{FF2B5EF4-FFF2-40B4-BE49-F238E27FC236}">
+                <a16:creationId xmlns:a16="http://schemas.microsoft.com/office/drawing/2014/main" id="{E4BE3D4C-F51B-4E91-897F-1593B0A499CA}"/>
+              </a:ext>
+            </a:extLst>
+          </p:cNvPr>
+          <p:cNvCxnSpPr>
+            <a:cxnSpLocks/>
+            <a:stCxn id="45" idx="3"/>
+            <a:endCxn id="65" idx="1"/>
+          </p:cNvCxnSpPr>
+          <p:nvPr/>
+        </p:nvCxnSpPr>
+        <p:spPr>
+          <a:xfrm flipV="1">
+            <a:off x="2520336" y="1046100"/>
+            <a:ext cx="980429" cy="729355"/>
+          </a:xfrm>
+          <a:prstGeom prst="straightConnector1">
+            <a:avLst/>
+          </a:prstGeom>
+          <a:ln w="38100">
+            <a:solidFill>
+              <a:srgbClr val="00B050"/>
+            </a:solidFill>
+            <a:tailEnd type="triangle"/>
+          </a:ln>
+        </p:spPr>
+        <p:style>
+          <a:lnRef idx="1">
+            <a:schemeClr val="accent1"/>
+          </a:lnRef>
+          <a:fillRef idx="0">
+            <a:schemeClr val="accent1"/>
+          </a:fillRef>
+          <a:effectRef idx="0">
+            <a:schemeClr val="accent1"/>
+          </a:effectRef>
+          <a:fontRef idx="minor">
+            <a:schemeClr val="tx1"/>
+          </a:fontRef>
+        </p:style>
+      </p:cxnSp>
+      <p:cxnSp>
+        <p:nvCxnSpPr>
+          <p:cNvPr id="49" name="Straight Arrow Connector 48">
+            <a:extLst>
+              <a:ext uri="{FF2B5EF4-FFF2-40B4-BE49-F238E27FC236}">
+                <a16:creationId xmlns:a16="http://schemas.microsoft.com/office/drawing/2014/main" id="{2E5A304A-6F96-4A8D-B890-018939EFC13A}"/>
+              </a:ext>
+            </a:extLst>
+          </p:cNvPr>
+          <p:cNvCxnSpPr>
+            <a:cxnSpLocks/>
+            <a:stCxn id="45" idx="3"/>
+            <a:endCxn id="66" idx="1"/>
+          </p:cNvCxnSpPr>
+          <p:nvPr/>
+        </p:nvCxnSpPr>
+        <p:spPr>
+          <a:xfrm>
+            <a:off x="2520336" y="1775455"/>
+            <a:ext cx="955055" cy="398717"/>
+          </a:xfrm>
+          <a:prstGeom prst="straightConnector1">
+            <a:avLst/>
+          </a:prstGeom>
+          <a:ln w="38100">
+            <a:solidFill>
+              <a:srgbClr val="00B050"/>
+            </a:solidFill>
+            <a:tailEnd type="triangle"/>
+          </a:ln>
+        </p:spPr>
+        <p:style>
+          <a:lnRef idx="1">
+            <a:schemeClr val="accent1"/>
+          </a:lnRef>
+          <a:fillRef idx="0">
+            <a:schemeClr val="accent1"/>
+          </a:fillRef>
+          <a:effectRef idx="0">
+            <a:schemeClr val="accent1"/>
+          </a:effectRef>
+          <a:fontRef idx="minor">
+            <a:schemeClr val="tx1"/>
+          </a:fontRef>
+        </p:style>
+      </p:cxnSp>
+      <p:cxnSp>
+        <p:nvCxnSpPr>
+          <p:cNvPr id="52" name="Straight Arrow Connector 51">
+            <a:extLst>
+              <a:ext uri="{FF2B5EF4-FFF2-40B4-BE49-F238E27FC236}">
+                <a16:creationId xmlns:a16="http://schemas.microsoft.com/office/drawing/2014/main" id="{48EF8FBB-13F0-464F-B24B-23633D510B8D}"/>
+              </a:ext>
+            </a:extLst>
+          </p:cNvPr>
+          <p:cNvCxnSpPr>
+            <a:cxnSpLocks/>
+          </p:cNvCxnSpPr>
+          <p:nvPr/>
+        </p:nvCxnSpPr>
+        <p:spPr>
+          <a:xfrm flipV="1">
+            <a:off x="1995860" y="3300818"/>
+            <a:ext cx="0" cy="2327564"/>
+          </a:xfrm>
+          <a:prstGeom prst="straightConnector1">
+            <a:avLst/>
+          </a:prstGeom>
+          <a:ln w="57150">
+            <a:solidFill>
+              <a:schemeClr val="accent2">
+                <a:lumMod val="75000"/>
+              </a:schemeClr>
+            </a:solidFill>
+            <a:tailEnd type="triangle"/>
+          </a:ln>
+        </p:spPr>
+        <p:style>
+          <a:lnRef idx="1">
+            <a:schemeClr val="accent1"/>
+          </a:lnRef>
+          <a:fillRef idx="0">
+            <a:schemeClr val="accent1"/>
+          </a:fillRef>
+          <a:effectRef idx="0">
+            <a:schemeClr val="accent1"/>
+          </a:effectRef>
+          <a:fontRef idx="minor">
+            <a:schemeClr val="tx1"/>
+          </a:fontRef>
+        </p:style>
+      </p:cxnSp>
+      <p:sp>
+        <p:nvSpPr>
+          <p:cNvPr id="53" name="TextBox 52">
+            <a:extLst>
+              <a:ext uri="{FF2B5EF4-FFF2-40B4-BE49-F238E27FC236}">
+                <a16:creationId xmlns:a16="http://schemas.microsoft.com/office/drawing/2014/main" id="{18888B7B-B0D7-492C-9E02-763FDE6C058B}"/>
               </a:ext>
             </a:extLst>
           </p:cNvPr>
@@ -6835,8 +7052,8 @@
         </p:nvSpPr>
         <p:spPr>
           <a:xfrm>
-            <a:off x="4807217" y="2448338"/>
-            <a:ext cx="1267983" cy="369332"/>
+            <a:off x="1685604" y="2992854"/>
+            <a:ext cx="780473" cy="369332"/>
           </a:xfrm>
           <a:prstGeom prst="rect">
             <a:avLst/>
@@ -6850,6 +7067,441 @@
           <a:lstStyle/>
           <a:p>
             <a:r>
+              <a:rPr lang="en-IN" dirty="0"/>
+              <a:t>5002</a:t>
+            </a:r>
+          </a:p>
+        </p:txBody>
+      </p:sp>
+      <p:cxnSp>
+        <p:nvCxnSpPr>
+          <p:cNvPr id="54" name="Straight Arrow Connector 53">
+            <a:extLst>
+              <a:ext uri="{FF2B5EF4-FFF2-40B4-BE49-F238E27FC236}">
+                <a16:creationId xmlns:a16="http://schemas.microsoft.com/office/drawing/2014/main" id="{85AFEF94-A5AC-43F7-8E22-A423A125B5E5}"/>
+              </a:ext>
+            </a:extLst>
+          </p:cNvPr>
+          <p:cNvCxnSpPr>
+            <a:cxnSpLocks/>
+          </p:cNvCxnSpPr>
+          <p:nvPr/>
+        </p:nvCxnSpPr>
+        <p:spPr>
+          <a:xfrm flipV="1">
+            <a:off x="1991457" y="1982710"/>
+            <a:ext cx="4403" cy="1025942"/>
+          </a:xfrm>
+          <a:prstGeom prst="straightConnector1">
+            <a:avLst/>
+          </a:prstGeom>
+          <a:ln w="57150">
+            <a:solidFill>
+              <a:schemeClr val="accent2">
+                <a:lumMod val="75000"/>
+              </a:schemeClr>
+            </a:solidFill>
+            <a:tailEnd type="triangle"/>
+          </a:ln>
+        </p:spPr>
+        <p:style>
+          <a:lnRef idx="1">
+            <a:schemeClr val="accent1"/>
+          </a:lnRef>
+          <a:fillRef idx="0">
+            <a:schemeClr val="accent1"/>
+          </a:fillRef>
+          <a:effectRef idx="0">
+            <a:schemeClr val="accent1"/>
+          </a:effectRef>
+          <a:fontRef idx="minor">
+            <a:schemeClr val="tx1"/>
+          </a:fontRef>
+        </p:style>
+      </p:cxnSp>
+      <p:sp>
+        <p:nvSpPr>
+          <p:cNvPr id="57" name="TextBox 56">
+            <a:extLst>
+              <a:ext uri="{FF2B5EF4-FFF2-40B4-BE49-F238E27FC236}">
+                <a16:creationId xmlns:a16="http://schemas.microsoft.com/office/drawing/2014/main" id="{7CED20B1-D03E-4A50-BB61-A3861F033D45}"/>
+              </a:ext>
+            </a:extLst>
+          </p:cNvPr>
+          <p:cNvSpPr txBox="1"/>
+          <p:nvPr/>
+        </p:nvSpPr>
+        <p:spPr>
+          <a:xfrm>
+            <a:off x="1991457" y="1995551"/>
+            <a:ext cx="758411" cy="369332"/>
+          </a:xfrm>
+          <a:prstGeom prst="rect">
+            <a:avLst/>
+          </a:prstGeom>
+          <a:noFill/>
+        </p:spPr>
+        <p:txBody>
+          <a:bodyPr wrap="square" rtlCol="0">
+            <a:spAutoFit/>
+          </a:bodyPr>
+          <a:lstStyle/>
+          <a:p>
+            <a:r>
+              <a:rPr lang="en-IN" dirty="0" err="1"/>
+              <a:t>uisvc</a:t>
+            </a:r>
+            <a:endParaRPr lang="en-IN" dirty="0"/>
+          </a:p>
+        </p:txBody>
+      </p:sp>
+      <p:sp>
+        <p:nvSpPr>
+          <p:cNvPr id="58" name="TextBox 57">
+            <a:extLst>
+              <a:ext uri="{FF2B5EF4-FFF2-40B4-BE49-F238E27FC236}">
+                <a16:creationId xmlns:a16="http://schemas.microsoft.com/office/drawing/2014/main" id="{51B96CAF-40FF-40E3-95F6-B27335BC9406}"/>
+              </a:ext>
+            </a:extLst>
+          </p:cNvPr>
+          <p:cNvSpPr txBox="1"/>
+          <p:nvPr/>
+        </p:nvSpPr>
+        <p:spPr>
+          <a:xfrm>
+            <a:off x="5568440" y="-9688"/>
+            <a:ext cx="4204752" cy="369332"/>
+          </a:xfrm>
+          <a:prstGeom prst="rect">
+            <a:avLst/>
+          </a:prstGeom>
+          <a:noFill/>
+          <a:ln>
+            <a:solidFill>
+              <a:schemeClr val="accent2">
+                <a:lumMod val="75000"/>
+              </a:schemeClr>
+            </a:solidFill>
+          </a:ln>
+        </p:spPr>
+        <p:txBody>
+          <a:bodyPr wrap="square" rtlCol="0">
+            <a:spAutoFit/>
+          </a:bodyPr>
+          <a:lstStyle/>
+          <a:p>
+            <a:r>
+              <a:rPr lang="en-IN" dirty="0"/>
+              <a:t>http://identitysvc/api/identity/register</a:t>
+            </a:r>
+          </a:p>
+        </p:txBody>
+      </p:sp>
+      <p:sp>
+        <p:nvSpPr>
+          <p:cNvPr id="59" name="TextBox 58">
+            <a:extLst>
+              <a:ext uri="{FF2B5EF4-FFF2-40B4-BE49-F238E27FC236}">
+                <a16:creationId xmlns:a16="http://schemas.microsoft.com/office/drawing/2014/main" id="{E1D9D3AF-108E-48C7-9D78-1D72A466F064}"/>
+              </a:ext>
+            </a:extLst>
+          </p:cNvPr>
+          <p:cNvSpPr txBox="1"/>
+          <p:nvPr/>
+        </p:nvSpPr>
+        <p:spPr>
+          <a:xfrm>
+            <a:off x="1039025" y="-22373"/>
+            <a:ext cx="4204752" cy="369332"/>
+          </a:xfrm>
+          <a:prstGeom prst="rect">
+            <a:avLst/>
+          </a:prstGeom>
+          <a:noFill/>
+        </p:spPr>
+        <p:txBody>
+          <a:bodyPr wrap="square" rtlCol="0">
+            <a:spAutoFit/>
+          </a:bodyPr>
+          <a:lstStyle/>
+          <a:p>
+            <a:r>
+              <a:rPr lang="en-IN" dirty="0"/>
+              <a:t>http://localhost:5000/api/identity/register</a:t>
+            </a:r>
+          </a:p>
+        </p:txBody>
+      </p:sp>
+      <p:sp>
+        <p:nvSpPr>
+          <p:cNvPr id="50" name="Rectangle 49">
+            <a:extLst>
+              <a:ext uri="{FF2B5EF4-FFF2-40B4-BE49-F238E27FC236}">
+                <a16:creationId xmlns:a16="http://schemas.microsoft.com/office/drawing/2014/main" id="{2FE8D181-C547-4834-AFCE-3B1900DDFC84}"/>
+              </a:ext>
+            </a:extLst>
+          </p:cNvPr>
+          <p:cNvSpPr/>
+          <p:nvPr/>
+        </p:nvSpPr>
+        <p:spPr>
+          <a:xfrm>
+            <a:off x="8064700" y="1075213"/>
+            <a:ext cx="931945" cy="600364"/>
+          </a:xfrm>
+          <a:prstGeom prst="rect">
+            <a:avLst/>
+          </a:prstGeom>
+        </p:spPr>
+        <p:style>
+          <a:lnRef idx="2">
+            <a:schemeClr val="accent1">
+              <a:shade val="50000"/>
+            </a:schemeClr>
+          </a:lnRef>
+          <a:fillRef idx="1">
+            <a:schemeClr val="accent1"/>
+          </a:fillRef>
+          <a:effectRef idx="0">
+            <a:schemeClr val="accent1"/>
+          </a:effectRef>
+          <a:fontRef idx="minor">
+            <a:schemeClr val="lt1"/>
+          </a:fontRef>
+        </p:style>
+        <p:txBody>
+          <a:bodyPr rtlCol="0" anchor="ctr"/>
+          <a:lstStyle/>
+          <a:p>
+            <a:pPr algn="ctr"/>
+            <a:r>
+              <a:rPr lang="en-IN" dirty="0" err="1"/>
+              <a:t>sqlsvc</a:t>
+            </a:r>
+            <a:endParaRPr lang="en-IN" dirty="0"/>
+          </a:p>
+        </p:txBody>
+      </p:sp>
+      <p:cxnSp>
+        <p:nvCxnSpPr>
+          <p:cNvPr id="55" name="Straight Arrow Connector 54">
+            <a:extLst>
+              <a:ext uri="{FF2B5EF4-FFF2-40B4-BE49-F238E27FC236}">
+                <a16:creationId xmlns:a16="http://schemas.microsoft.com/office/drawing/2014/main" id="{69F6C02D-AD0C-4B7F-9DE2-621F24E5773B}"/>
+              </a:ext>
+            </a:extLst>
+          </p:cNvPr>
+          <p:cNvCxnSpPr>
+            <a:cxnSpLocks/>
+            <a:stCxn id="50" idx="3"/>
+            <a:endCxn id="18" idx="1"/>
+          </p:cNvCxnSpPr>
+          <p:nvPr/>
+        </p:nvCxnSpPr>
+        <p:spPr>
+          <a:xfrm flipV="1">
+            <a:off x="8996645" y="1357354"/>
+            <a:ext cx="794967" cy="18041"/>
+          </a:xfrm>
+          <a:prstGeom prst="straightConnector1">
+            <a:avLst/>
+          </a:prstGeom>
+          <a:ln w="38100">
+            <a:solidFill>
+              <a:srgbClr val="00B050"/>
+            </a:solidFill>
+            <a:tailEnd type="triangle"/>
+          </a:ln>
+        </p:spPr>
+        <p:style>
+          <a:lnRef idx="1">
+            <a:schemeClr val="accent1"/>
+          </a:lnRef>
+          <a:fillRef idx="0">
+            <a:schemeClr val="accent1"/>
+          </a:fillRef>
+          <a:effectRef idx="0">
+            <a:schemeClr val="accent1"/>
+          </a:effectRef>
+          <a:fontRef idx="minor">
+            <a:schemeClr val="tx1"/>
+          </a:fontRef>
+        </p:style>
+      </p:cxnSp>
+      <p:cxnSp>
+        <p:nvCxnSpPr>
+          <p:cNvPr id="22" name="Straight Arrow Connector 21">
+            <a:extLst>
+              <a:ext uri="{FF2B5EF4-FFF2-40B4-BE49-F238E27FC236}">
+                <a16:creationId xmlns:a16="http://schemas.microsoft.com/office/drawing/2014/main" id="{F2527278-9D9E-4F04-B718-0A3B65E731CD}"/>
+              </a:ext>
+            </a:extLst>
+          </p:cNvPr>
+          <p:cNvCxnSpPr>
+            <a:cxnSpLocks/>
+          </p:cNvCxnSpPr>
+          <p:nvPr/>
+        </p:nvCxnSpPr>
+        <p:spPr>
+          <a:xfrm flipV="1">
+            <a:off x="8379594" y="1552575"/>
+            <a:ext cx="0" cy="1170429"/>
+          </a:xfrm>
+          <a:prstGeom prst="straightConnector1">
+            <a:avLst/>
+          </a:prstGeom>
+          <a:ln w="57150">
+            <a:solidFill>
+              <a:schemeClr val="accent2">
+                <a:lumMod val="75000"/>
+              </a:schemeClr>
+            </a:solidFill>
+            <a:tailEnd type="triangle"/>
+          </a:ln>
+        </p:spPr>
+        <p:style>
+          <a:lnRef idx="1">
+            <a:schemeClr val="accent1"/>
+          </a:lnRef>
+          <a:fillRef idx="0">
+            <a:schemeClr val="accent1"/>
+          </a:fillRef>
+          <a:effectRef idx="0">
+            <a:schemeClr val="accent1"/>
+          </a:effectRef>
+          <a:fontRef idx="minor">
+            <a:schemeClr val="tx1"/>
+          </a:fontRef>
+        </p:style>
+      </p:cxnSp>
+      <p:sp>
+        <p:nvSpPr>
+          <p:cNvPr id="47" name="TextBox 46">
+            <a:extLst>
+              <a:ext uri="{FF2B5EF4-FFF2-40B4-BE49-F238E27FC236}">
+                <a16:creationId xmlns:a16="http://schemas.microsoft.com/office/drawing/2014/main" id="{5ABD5636-C2B1-4354-B47A-5CF14D5FE3E2}"/>
+              </a:ext>
+            </a:extLst>
+          </p:cNvPr>
+          <p:cNvSpPr txBox="1"/>
+          <p:nvPr/>
+        </p:nvSpPr>
+        <p:spPr>
+          <a:xfrm>
+            <a:off x="9791675" y="1668170"/>
+            <a:ext cx="1199467" cy="369332"/>
+          </a:xfrm>
+          <a:prstGeom prst="rect">
+            <a:avLst/>
+          </a:prstGeom>
+          <a:noFill/>
+        </p:spPr>
+        <p:txBody>
+          <a:bodyPr wrap="square" rtlCol="0">
+            <a:spAutoFit/>
+          </a:bodyPr>
+          <a:lstStyle/>
+          <a:p>
+            <a:r>
+              <a:rPr lang="en-IN" dirty="0"/>
+              <a:t>172.17.0.5</a:t>
+            </a:r>
+          </a:p>
+        </p:txBody>
+      </p:sp>
+      <p:sp>
+        <p:nvSpPr>
+          <p:cNvPr id="65" name="Rectangle 64">
+            <a:extLst>
+              <a:ext uri="{FF2B5EF4-FFF2-40B4-BE49-F238E27FC236}">
+                <a16:creationId xmlns:a16="http://schemas.microsoft.com/office/drawing/2014/main" id="{D41E20BD-FD77-4765-A266-75831696EE22}"/>
+              </a:ext>
+            </a:extLst>
+          </p:cNvPr>
+          <p:cNvSpPr/>
+          <p:nvPr/>
+        </p:nvSpPr>
+        <p:spPr>
+          <a:xfrm>
+            <a:off x="3500765" y="745918"/>
+            <a:ext cx="931945" cy="600364"/>
+          </a:xfrm>
+          <a:prstGeom prst="rect">
+            <a:avLst/>
+          </a:prstGeom>
+        </p:spPr>
+        <p:style>
+          <a:lnRef idx="2">
+            <a:schemeClr val="accent1">
+              <a:shade val="50000"/>
+            </a:schemeClr>
+          </a:lnRef>
+          <a:fillRef idx="1">
+            <a:schemeClr val="accent1"/>
+          </a:fillRef>
+          <a:effectRef idx="0">
+            <a:schemeClr val="accent1"/>
+          </a:effectRef>
+          <a:fontRef idx="minor">
+            <a:schemeClr val="lt1"/>
+          </a:fontRef>
+        </p:style>
+        <p:txBody>
+          <a:bodyPr rtlCol="0" anchor="ctr"/>
+          <a:lstStyle/>
+          <a:p>
+            <a:pPr algn="ctr"/>
+            <a:r>
+              <a:rPr lang="en-IN" dirty="0" err="1"/>
+              <a:t>identitysvc</a:t>
+            </a:r>
+            <a:endParaRPr lang="en-IN" dirty="0"/>
+          </a:p>
+        </p:txBody>
+      </p:sp>
+      <p:sp>
+        <p:nvSpPr>
+          <p:cNvPr id="66" name="Rectangle 65">
+            <a:extLst>
+              <a:ext uri="{FF2B5EF4-FFF2-40B4-BE49-F238E27FC236}">
+                <a16:creationId xmlns:a16="http://schemas.microsoft.com/office/drawing/2014/main" id="{0E5D7CCE-DA72-4F33-85F4-3A38623D83B9}"/>
+              </a:ext>
+            </a:extLst>
+          </p:cNvPr>
+          <p:cNvSpPr/>
+          <p:nvPr/>
+        </p:nvSpPr>
+        <p:spPr>
+          <a:xfrm>
+            <a:off x="3475391" y="1873990"/>
+            <a:ext cx="931945" cy="600364"/>
+          </a:xfrm>
+          <a:prstGeom prst="rect">
+            <a:avLst/>
+          </a:prstGeom>
+        </p:spPr>
+        <p:style>
+          <a:lnRef idx="2">
+            <a:schemeClr val="accent1">
+              <a:shade val="50000"/>
+            </a:schemeClr>
+          </a:lnRef>
+          <a:fillRef idx="1">
+            <a:schemeClr val="accent1"/>
+          </a:fillRef>
+          <a:effectRef idx="0">
+            <a:schemeClr val="accent1"/>
+          </a:effectRef>
+          <a:fontRef idx="minor">
+            <a:schemeClr val="lt1"/>
+          </a:fontRef>
+        </p:style>
+        <p:txBody>
+          <a:bodyPr rtlCol="0" anchor="ctr"/>
+          <a:lstStyle/>
+          <a:p>
+            <a:pPr algn="ctr"/>
+            <a:r>
               <a:rPr lang="en-IN" dirty="0" err="1"/>
               <a:t>eventsvc</a:t>
             </a:r>
@@ -6859,24 +7511,70 @@
       </p:sp>
       <p:cxnSp>
         <p:nvCxnSpPr>
-          <p:cNvPr id="37" name="Straight Arrow Connector 36">
-            <a:extLst>
-              <a:ext uri="{FF2B5EF4-FFF2-40B4-BE49-F238E27FC236}">
-                <a16:creationId xmlns:a16="http://schemas.microsoft.com/office/drawing/2014/main" id="{773D8453-741B-4A60-996B-EA2144EEC3B1}"/>
+          <p:cNvPr id="67" name="Straight Arrow Connector 66">
+            <a:extLst>
+              <a:ext uri="{FF2B5EF4-FFF2-40B4-BE49-F238E27FC236}">
+                <a16:creationId xmlns:a16="http://schemas.microsoft.com/office/drawing/2014/main" id="{D51681E0-50A7-4D7B-A9B4-CB1FD9B8B551}"/>
               </a:ext>
             </a:extLst>
           </p:cNvPr>
           <p:cNvCxnSpPr>
             <a:cxnSpLocks/>
-            <a:stCxn id="35" idx="3"/>
-            <a:endCxn id="18" idx="1"/>
+            <a:stCxn id="65" idx="3"/>
+            <a:endCxn id="7" idx="1"/>
           </p:cNvCxnSpPr>
           <p:nvPr/>
         </p:nvCxnSpPr>
         <p:spPr>
           <a:xfrm flipV="1">
-            <a:off x="6504750" y="1238250"/>
-            <a:ext cx="1220058" cy="939582"/>
+            <a:off x="4432710" y="1042312"/>
+            <a:ext cx="408724" cy="3788"/>
+          </a:xfrm>
+          <a:prstGeom prst="straightConnector1">
+            <a:avLst/>
+          </a:prstGeom>
+          <a:ln w="38100">
+            <a:solidFill>
+              <a:srgbClr val="00B050"/>
+            </a:solidFill>
+            <a:tailEnd type="triangle"/>
+          </a:ln>
+        </p:spPr>
+        <p:style>
+          <a:lnRef idx="1">
+            <a:schemeClr val="accent1"/>
+          </a:lnRef>
+          <a:fillRef idx="0">
+            <a:schemeClr val="accent1"/>
+          </a:fillRef>
+          <a:effectRef idx="0">
+            <a:schemeClr val="accent1"/>
+          </a:effectRef>
+          <a:fontRef idx="minor">
+            <a:schemeClr val="tx1"/>
+          </a:fontRef>
+        </p:style>
+      </p:cxnSp>
+      <p:cxnSp>
+        <p:nvCxnSpPr>
+          <p:cNvPr id="73" name="Straight Arrow Connector 72">
+            <a:extLst>
+              <a:ext uri="{FF2B5EF4-FFF2-40B4-BE49-F238E27FC236}">
+                <a16:creationId xmlns:a16="http://schemas.microsoft.com/office/drawing/2014/main" id="{F7C41A01-E553-430B-BA4D-42D83B00A64D}"/>
+              </a:ext>
+            </a:extLst>
+          </p:cNvPr>
+          <p:cNvCxnSpPr>
+            <a:cxnSpLocks/>
+            <a:stCxn id="66" idx="3"/>
+            <a:endCxn id="35" idx="1"/>
+          </p:cNvCxnSpPr>
+          <p:nvPr/>
+        </p:nvCxnSpPr>
+        <p:spPr>
+          <a:xfrm>
+            <a:off x="4407336" y="2174172"/>
+            <a:ext cx="446341" cy="0"/>
           </a:xfrm>
           <a:prstGeom prst="straightConnector1">
             <a:avLst/>
@@ -6919,8 +7617,8 @@
         </p:nvCxnSpPr>
         <p:spPr>
           <a:xfrm flipH="1" flipV="1">
-            <a:off x="4558414" y="1153579"/>
-            <a:ext cx="12244" cy="1898611"/>
+            <a:off x="3575456" y="1208853"/>
+            <a:ext cx="13478" cy="1827174"/>
           </a:xfrm>
           <a:prstGeom prst="straightConnector1">
             <a:avLst/>
@@ -6949,47 +7647,12 @@
           </a:fontRef>
         </p:style>
       </p:cxnSp>
-      <p:sp>
-        <p:nvSpPr>
-          <p:cNvPr id="43" name="TextBox 42">
-            <a:extLst>
-              <a:ext uri="{FF2B5EF4-FFF2-40B4-BE49-F238E27FC236}">
-                <a16:creationId xmlns:a16="http://schemas.microsoft.com/office/drawing/2014/main" id="{DFF2860F-02FE-4868-8179-66226C78CC7F}"/>
-              </a:ext>
-            </a:extLst>
-          </p:cNvPr>
-          <p:cNvSpPr txBox="1"/>
-          <p:nvPr/>
-        </p:nvSpPr>
-        <p:spPr>
-          <a:xfrm>
-            <a:off x="4263054" y="2950282"/>
-            <a:ext cx="780473" cy="369332"/>
-          </a:xfrm>
-          <a:prstGeom prst="rect">
-            <a:avLst/>
-          </a:prstGeom>
-          <a:noFill/>
-        </p:spPr>
-        <p:txBody>
-          <a:bodyPr wrap="square" rtlCol="0">
-            <a:spAutoFit/>
-          </a:bodyPr>
-          <a:lstStyle/>
-          <a:p>
-            <a:r>
-              <a:rPr lang="en-IN" dirty="0"/>
-              <a:t>5000</a:t>
-            </a:r>
-          </a:p>
-        </p:txBody>
-      </p:sp>
       <p:cxnSp>
         <p:nvCxnSpPr>
-          <p:cNvPr id="44" name="Straight Arrow Connector 43">
-            <a:extLst>
-              <a:ext uri="{FF2B5EF4-FFF2-40B4-BE49-F238E27FC236}">
-                <a16:creationId xmlns:a16="http://schemas.microsoft.com/office/drawing/2014/main" id="{58514686-E6CB-4C4B-8832-A8B3242469EF}"/>
+          <p:cNvPr id="13" name="Straight Arrow Connector 12">
+            <a:extLst>
+              <a:ext uri="{FF2B5EF4-FFF2-40B4-BE49-F238E27FC236}">
+                <a16:creationId xmlns:a16="http://schemas.microsoft.com/office/drawing/2014/main" id="{B4438416-CCD7-4453-BF92-FC3EAAB09374}"/>
               </a:ext>
             </a:extLst>
           </p:cNvPr>
@@ -7000,8 +7663,8 @@
         </p:nvCxnSpPr>
         <p:spPr>
           <a:xfrm flipV="1">
-            <a:off x="4586660" y="3241104"/>
-            <a:ext cx="0" cy="2327564"/>
+            <a:off x="4119149" y="2275367"/>
+            <a:ext cx="4403" cy="717487"/>
           </a:xfrm>
           <a:prstGeom prst="straightConnector1">
             <a:avLst/>
@@ -7032,196 +7695,10 @@
       </p:cxnSp>
       <p:sp>
         <p:nvSpPr>
-          <p:cNvPr id="45" name="Rectangle 44">
-            <a:extLst>
-              <a:ext uri="{FF2B5EF4-FFF2-40B4-BE49-F238E27FC236}">
-                <a16:creationId xmlns:a16="http://schemas.microsoft.com/office/drawing/2014/main" id="{629CE896-1C46-4140-8793-2012DE493886}"/>
-              </a:ext>
-            </a:extLst>
-          </p:cNvPr>
-          <p:cNvSpPr/>
-          <p:nvPr/>
-        </p:nvSpPr>
-        <p:spPr>
-          <a:xfrm>
-            <a:off x="1124630" y="1475273"/>
-            <a:ext cx="2190736" cy="600364"/>
-          </a:xfrm>
-          <a:prstGeom prst="rect">
-            <a:avLst/>
-          </a:prstGeom>
-        </p:spPr>
-        <p:style>
-          <a:lnRef idx="2">
-            <a:schemeClr val="accent1">
-              <a:shade val="50000"/>
-            </a:schemeClr>
-          </a:lnRef>
-          <a:fillRef idx="1">
-            <a:schemeClr val="accent1"/>
-          </a:fillRef>
-          <a:effectRef idx="0">
-            <a:schemeClr val="accent1"/>
-          </a:effectRef>
-          <a:fontRef idx="minor">
-            <a:schemeClr val="lt1"/>
-          </a:fontRef>
-        </p:style>
-        <p:txBody>
-          <a:bodyPr rtlCol="0" anchor="ctr"/>
-          <a:lstStyle/>
-          <a:p>
-            <a:pPr algn="ctr"/>
-            <a:r>
-              <a:rPr lang="en-IN" dirty="0"/>
-              <a:t>MVC UI :80</a:t>
-            </a:r>
-          </a:p>
-        </p:txBody>
-      </p:sp>
-      <p:cxnSp>
-        <p:nvCxnSpPr>
-          <p:cNvPr id="46" name="Straight Arrow Connector 45">
-            <a:extLst>
-              <a:ext uri="{FF2B5EF4-FFF2-40B4-BE49-F238E27FC236}">
-                <a16:creationId xmlns:a16="http://schemas.microsoft.com/office/drawing/2014/main" id="{E4BE3D4C-F51B-4E91-897F-1593B0A499CA}"/>
-              </a:ext>
-            </a:extLst>
-          </p:cNvPr>
-          <p:cNvCxnSpPr>
-            <a:cxnSpLocks/>
-            <a:stCxn id="45" idx="3"/>
-            <a:endCxn id="7" idx="1"/>
-          </p:cNvCxnSpPr>
-          <p:nvPr/>
-        </p:nvCxnSpPr>
-        <p:spPr>
-          <a:xfrm flipV="1">
-            <a:off x="3315366" y="1042312"/>
-            <a:ext cx="998648" cy="733143"/>
-          </a:xfrm>
-          <a:prstGeom prst="straightConnector1">
-            <a:avLst/>
-          </a:prstGeom>
-          <a:ln w="38100">
-            <a:solidFill>
-              <a:srgbClr val="00B050"/>
-            </a:solidFill>
-            <a:tailEnd type="triangle"/>
-          </a:ln>
-        </p:spPr>
-        <p:style>
-          <a:lnRef idx="1">
-            <a:schemeClr val="accent1"/>
-          </a:lnRef>
-          <a:fillRef idx="0">
-            <a:schemeClr val="accent1"/>
-          </a:fillRef>
-          <a:effectRef idx="0">
-            <a:schemeClr val="accent1"/>
-          </a:effectRef>
-          <a:fontRef idx="minor">
-            <a:schemeClr val="tx1"/>
-          </a:fontRef>
-        </p:style>
-      </p:cxnSp>
-      <p:cxnSp>
-        <p:nvCxnSpPr>
-          <p:cNvPr id="49" name="Straight Arrow Connector 48">
-            <a:extLst>
-              <a:ext uri="{FF2B5EF4-FFF2-40B4-BE49-F238E27FC236}">
-                <a16:creationId xmlns:a16="http://schemas.microsoft.com/office/drawing/2014/main" id="{2E5A304A-6F96-4A8D-B890-018939EFC13A}"/>
-              </a:ext>
-            </a:extLst>
-          </p:cNvPr>
-          <p:cNvCxnSpPr>
-            <a:cxnSpLocks/>
-            <a:endCxn id="35" idx="1"/>
-          </p:cNvCxnSpPr>
-          <p:nvPr/>
-        </p:nvCxnSpPr>
-        <p:spPr>
-          <a:xfrm>
-            <a:off x="3329499" y="1799141"/>
-            <a:ext cx="984515" cy="378691"/>
-          </a:xfrm>
-          <a:prstGeom prst="straightConnector1">
-            <a:avLst/>
-          </a:prstGeom>
-          <a:ln w="38100">
-            <a:solidFill>
-              <a:srgbClr val="00B050"/>
-            </a:solidFill>
-            <a:tailEnd type="triangle"/>
-          </a:ln>
-        </p:spPr>
-        <p:style>
-          <a:lnRef idx="1">
-            <a:schemeClr val="accent1"/>
-          </a:lnRef>
-          <a:fillRef idx="0">
-            <a:schemeClr val="accent1"/>
-          </a:fillRef>
-          <a:effectRef idx="0">
-            <a:schemeClr val="accent1"/>
-          </a:effectRef>
-          <a:fontRef idx="minor">
-            <a:schemeClr val="tx1"/>
-          </a:fontRef>
-        </p:style>
-      </p:cxnSp>
-      <p:cxnSp>
-        <p:nvCxnSpPr>
-          <p:cNvPr id="52" name="Straight Arrow Connector 51">
-            <a:extLst>
-              <a:ext uri="{FF2B5EF4-FFF2-40B4-BE49-F238E27FC236}">
-                <a16:creationId xmlns:a16="http://schemas.microsoft.com/office/drawing/2014/main" id="{48EF8FBB-13F0-464F-B24B-23633D510B8D}"/>
-              </a:ext>
-            </a:extLst>
-          </p:cNvPr>
-          <p:cNvCxnSpPr>
-            <a:cxnSpLocks/>
-          </p:cNvCxnSpPr>
-          <p:nvPr/>
-        </p:nvCxnSpPr>
-        <p:spPr>
-          <a:xfrm flipV="1">
-            <a:off x="1995860" y="3300818"/>
-            <a:ext cx="0" cy="2327564"/>
-          </a:xfrm>
-          <a:prstGeom prst="straightConnector1">
-            <a:avLst/>
-          </a:prstGeom>
-          <a:ln w="57150">
-            <a:solidFill>
-              <a:schemeClr val="accent2">
-                <a:lumMod val="75000"/>
-              </a:schemeClr>
-            </a:solidFill>
-            <a:tailEnd type="triangle"/>
-          </a:ln>
-        </p:spPr>
-        <p:style>
-          <a:lnRef idx="1">
-            <a:schemeClr val="accent1"/>
-          </a:lnRef>
-          <a:fillRef idx="0">
-            <a:schemeClr val="accent1"/>
-          </a:fillRef>
-          <a:effectRef idx="0">
-            <a:schemeClr val="accent1"/>
-          </a:effectRef>
-          <a:fontRef idx="minor">
-            <a:schemeClr val="tx1"/>
-          </a:fontRef>
-        </p:style>
-      </p:cxnSp>
-      <p:sp>
-        <p:nvSpPr>
-          <p:cNvPr id="53" name="TextBox 52">
-            <a:extLst>
-              <a:ext uri="{FF2B5EF4-FFF2-40B4-BE49-F238E27FC236}">
-                <a16:creationId xmlns:a16="http://schemas.microsoft.com/office/drawing/2014/main" id="{18888B7B-B0D7-492C-9E02-763FDE6C058B}"/>
+          <p:cNvPr id="86" name="TextBox 85">
+            <a:extLst>
+              <a:ext uri="{FF2B5EF4-FFF2-40B4-BE49-F238E27FC236}">
+                <a16:creationId xmlns:a16="http://schemas.microsoft.com/office/drawing/2014/main" id="{505D393F-7723-4DD7-938D-F76FC833B986}"/>
               </a:ext>
             </a:extLst>
           </p:cNvPr>
@@ -7230,8 +7707,8 @@
         </p:nvSpPr>
         <p:spPr>
           <a:xfrm>
-            <a:off x="1685604" y="2992854"/>
-            <a:ext cx="780473" cy="369332"/>
+            <a:off x="5020687" y="1326989"/>
+            <a:ext cx="1199467" cy="369332"/>
           </a:xfrm>
           <a:prstGeom prst="rect">
             <a:avLst/>
@@ -7246,109 +7723,17 @@
           <a:p>
             <a:r>
               <a:rPr lang="en-IN" dirty="0"/>
-              <a:t>5002</a:t>
-            </a:r>
-          </a:p>
-        </p:txBody>
-      </p:sp>
-      <p:cxnSp>
-        <p:nvCxnSpPr>
-          <p:cNvPr id="13" name="Straight Arrow Connector 12">
-            <a:extLst>
-              <a:ext uri="{FF2B5EF4-FFF2-40B4-BE49-F238E27FC236}">
-                <a16:creationId xmlns:a16="http://schemas.microsoft.com/office/drawing/2014/main" id="{B4438416-CCD7-4453-BF92-FC3EAAB09374}"/>
-              </a:ext>
-            </a:extLst>
-          </p:cNvPr>
-          <p:cNvCxnSpPr>
-            <a:cxnSpLocks/>
-          </p:cNvCxnSpPr>
-          <p:nvPr/>
-        </p:nvCxnSpPr>
-        <p:spPr>
-          <a:xfrm flipV="1">
-            <a:off x="6176549" y="2275367"/>
-            <a:ext cx="4403" cy="717487"/>
-          </a:xfrm>
-          <a:prstGeom prst="straightConnector1">
-            <a:avLst/>
-          </a:prstGeom>
-          <a:ln w="57150">
-            <a:solidFill>
-              <a:schemeClr val="accent2">
-                <a:lumMod val="75000"/>
-              </a:schemeClr>
-            </a:solidFill>
-            <a:tailEnd type="triangle"/>
-          </a:ln>
-        </p:spPr>
-        <p:style>
-          <a:lnRef idx="1">
-            <a:schemeClr val="accent1"/>
-          </a:lnRef>
-          <a:fillRef idx="0">
-            <a:schemeClr val="accent1"/>
-          </a:fillRef>
-          <a:effectRef idx="0">
-            <a:schemeClr val="accent1"/>
-          </a:effectRef>
-          <a:fontRef idx="minor">
-            <a:schemeClr val="tx1"/>
-          </a:fontRef>
-        </p:style>
-      </p:cxnSp>
-      <p:cxnSp>
-        <p:nvCxnSpPr>
-          <p:cNvPr id="54" name="Straight Arrow Connector 53">
-            <a:extLst>
-              <a:ext uri="{FF2B5EF4-FFF2-40B4-BE49-F238E27FC236}">
-                <a16:creationId xmlns:a16="http://schemas.microsoft.com/office/drawing/2014/main" id="{85AFEF94-A5AC-43F7-8E22-A423A125B5E5}"/>
-              </a:ext>
-            </a:extLst>
-          </p:cNvPr>
-          <p:cNvCxnSpPr>
-            <a:cxnSpLocks/>
-          </p:cNvCxnSpPr>
-          <p:nvPr/>
-        </p:nvCxnSpPr>
-        <p:spPr>
-          <a:xfrm flipV="1">
-            <a:off x="1991457" y="1982710"/>
-            <a:ext cx="4403" cy="1025942"/>
-          </a:xfrm>
-          <a:prstGeom prst="straightConnector1">
-            <a:avLst/>
-          </a:prstGeom>
-          <a:ln w="57150">
-            <a:solidFill>
-              <a:schemeClr val="accent2">
-                <a:lumMod val="75000"/>
-              </a:schemeClr>
-            </a:solidFill>
-            <a:tailEnd type="triangle"/>
-          </a:ln>
-        </p:spPr>
-        <p:style>
-          <a:lnRef idx="1">
-            <a:schemeClr val="accent1"/>
-          </a:lnRef>
-          <a:fillRef idx="0">
-            <a:schemeClr val="accent1"/>
-          </a:fillRef>
-          <a:effectRef idx="0">
-            <a:schemeClr val="accent1"/>
-          </a:effectRef>
-          <a:fontRef idx="minor">
-            <a:schemeClr val="tx1"/>
-          </a:fontRef>
-        </p:style>
-      </p:cxnSp>
-      <p:sp>
-        <p:nvSpPr>
-          <p:cNvPr id="57" name="TextBox 56">
-            <a:extLst>
-              <a:ext uri="{FF2B5EF4-FFF2-40B4-BE49-F238E27FC236}">
-                <a16:creationId xmlns:a16="http://schemas.microsoft.com/office/drawing/2014/main" id="{7CED20B1-D03E-4A50-BB61-A3861F033D45}"/>
+              <a:t>172.17.0.6</a:t>
+            </a:r>
+          </a:p>
+        </p:txBody>
+      </p:sp>
+      <p:sp>
+        <p:nvSpPr>
+          <p:cNvPr id="87" name="TextBox 86">
+            <a:extLst>
+              <a:ext uri="{FF2B5EF4-FFF2-40B4-BE49-F238E27FC236}">
+                <a16:creationId xmlns:a16="http://schemas.microsoft.com/office/drawing/2014/main" id="{80525209-379A-4DB6-9B4A-45A0D26A2C48}"/>
               </a:ext>
             </a:extLst>
           </p:cNvPr>
@@ -7357,8 +7742,8 @@
         </p:nvSpPr>
         <p:spPr>
           <a:xfrm>
-            <a:off x="1991457" y="1995551"/>
-            <a:ext cx="758411" cy="369332"/>
+            <a:off x="5015088" y="2421410"/>
+            <a:ext cx="1199467" cy="369332"/>
           </a:xfrm>
           <a:prstGeom prst="rect">
             <a:avLst/>
@@ -7372,176 +7757,12 @@
           <a:lstStyle/>
           <a:p>
             <a:r>
-              <a:rPr lang="en-IN" dirty="0" err="1"/>
-              <a:t>uisvc</a:t>
-            </a:r>
-            <a:endParaRPr lang="en-IN" dirty="0"/>
-          </a:p>
-        </p:txBody>
-      </p:sp>
-      <p:sp>
-        <p:nvSpPr>
-          <p:cNvPr id="58" name="TextBox 57">
-            <a:extLst>
-              <a:ext uri="{FF2B5EF4-FFF2-40B4-BE49-F238E27FC236}">
-                <a16:creationId xmlns:a16="http://schemas.microsoft.com/office/drawing/2014/main" id="{51B96CAF-40FF-40E3-95F6-B27335BC9406}"/>
-              </a:ext>
-            </a:extLst>
-          </p:cNvPr>
-          <p:cNvSpPr txBox="1"/>
-          <p:nvPr/>
-        </p:nvSpPr>
-        <p:spPr>
-          <a:xfrm>
-            <a:off x="5568440" y="-9688"/>
-            <a:ext cx="4204752" cy="369332"/>
-          </a:xfrm>
-          <a:prstGeom prst="rect">
-            <a:avLst/>
-          </a:prstGeom>
-          <a:noFill/>
-          <a:ln>
-            <a:solidFill>
-              <a:schemeClr val="accent2">
-                <a:lumMod val="75000"/>
-              </a:schemeClr>
-            </a:solidFill>
-          </a:ln>
-        </p:spPr>
-        <p:txBody>
-          <a:bodyPr wrap="square" rtlCol="0">
-            <a:spAutoFit/>
-          </a:bodyPr>
-          <a:lstStyle/>
-          <a:p>
-            <a:r>
-              <a:rPr lang="en-IN" dirty="0"/>
-              <a:t>http://identitysvc/api/identity/register</a:t>
-            </a:r>
-          </a:p>
-        </p:txBody>
-      </p:sp>
-      <p:sp>
-        <p:nvSpPr>
-          <p:cNvPr id="59" name="TextBox 58">
-            <a:extLst>
-              <a:ext uri="{FF2B5EF4-FFF2-40B4-BE49-F238E27FC236}">
-                <a16:creationId xmlns:a16="http://schemas.microsoft.com/office/drawing/2014/main" id="{E1D9D3AF-108E-48C7-9D78-1D72A466F064}"/>
-              </a:ext>
-            </a:extLst>
-          </p:cNvPr>
-          <p:cNvSpPr txBox="1"/>
-          <p:nvPr/>
-        </p:nvSpPr>
-        <p:spPr>
-          <a:xfrm>
-            <a:off x="1039025" y="-22373"/>
-            <a:ext cx="4204752" cy="369332"/>
-          </a:xfrm>
-          <a:prstGeom prst="rect">
-            <a:avLst/>
-          </a:prstGeom>
-          <a:noFill/>
-        </p:spPr>
-        <p:txBody>
-          <a:bodyPr wrap="square" rtlCol="0">
-            <a:spAutoFit/>
-          </a:bodyPr>
-          <a:lstStyle/>
-          <a:p>
-            <a:r>
-              <a:rPr lang="en-IN" dirty="0"/>
-              <a:t>http://localhost:5000/api/identity/register</a:t>
-            </a:r>
-          </a:p>
-        </p:txBody>
-      </p:sp>
-      <p:cxnSp>
-        <p:nvCxnSpPr>
-          <p:cNvPr id="68" name="Straight Arrow Connector 67">
-            <a:extLst>
-              <a:ext uri="{FF2B5EF4-FFF2-40B4-BE49-F238E27FC236}">
-                <a16:creationId xmlns:a16="http://schemas.microsoft.com/office/drawing/2014/main" id="{039778B5-B44A-49B4-B553-61A1509E9EF1}"/>
-              </a:ext>
-            </a:extLst>
-          </p:cNvPr>
-          <p:cNvCxnSpPr/>
-          <p:nvPr/>
-        </p:nvCxnSpPr>
-        <p:spPr>
-          <a:xfrm flipV="1">
-            <a:off x="2370662" y="1211253"/>
-            <a:ext cx="2053556" cy="4216696"/>
-          </a:xfrm>
-          <a:prstGeom prst="straightConnector1">
-            <a:avLst/>
-          </a:prstGeom>
-          <a:ln w="28575">
-            <a:solidFill>
-              <a:srgbClr val="FF0000"/>
-            </a:solidFill>
-            <a:tailEnd type="triangle"/>
-          </a:ln>
-        </p:spPr>
-        <p:style>
-          <a:lnRef idx="1">
-            <a:schemeClr val="accent1"/>
-          </a:lnRef>
-          <a:fillRef idx="0">
-            <a:schemeClr val="accent1"/>
-          </a:fillRef>
-          <a:effectRef idx="0">
-            <a:schemeClr val="accent1"/>
-          </a:effectRef>
-          <a:fontRef idx="minor">
-            <a:schemeClr val="tx1"/>
-          </a:fontRef>
-        </p:style>
-      </p:cxnSp>
-      <p:cxnSp>
-        <p:nvCxnSpPr>
-          <p:cNvPr id="69" name="Straight Arrow Connector 68">
-            <a:extLst>
-              <a:ext uri="{FF2B5EF4-FFF2-40B4-BE49-F238E27FC236}">
-                <a16:creationId xmlns:a16="http://schemas.microsoft.com/office/drawing/2014/main" id="{C396D61C-AE10-4F5B-912F-FA76154B9FAD}"/>
-              </a:ext>
-            </a:extLst>
-          </p:cNvPr>
-          <p:cNvCxnSpPr>
-            <a:cxnSpLocks/>
-          </p:cNvCxnSpPr>
-          <p:nvPr/>
-        </p:nvCxnSpPr>
-        <p:spPr>
-          <a:xfrm flipV="1">
-            <a:off x="2753441" y="2364883"/>
-            <a:ext cx="1670777" cy="3017844"/>
-          </a:xfrm>
-          <a:prstGeom prst="straightConnector1">
-            <a:avLst/>
-          </a:prstGeom>
-          <a:ln w="28575">
-            <a:solidFill>
-              <a:srgbClr val="FF0000"/>
-            </a:solidFill>
-            <a:tailEnd type="triangle"/>
-          </a:ln>
-        </p:spPr>
-        <p:style>
-          <a:lnRef idx="1">
-            <a:schemeClr val="accent1"/>
-          </a:lnRef>
-          <a:fillRef idx="0">
-            <a:schemeClr val="accent1"/>
-          </a:fillRef>
-          <a:effectRef idx="0">
-            <a:schemeClr val="accent1"/>
-          </a:effectRef>
-          <a:fontRef idx="minor">
-            <a:schemeClr val="tx1"/>
-          </a:fontRef>
-        </p:style>
-      </p:cxnSp>
+              <a:rPr lang="en-IN" dirty="0"/>
+              <a:t>172.17.0.7</a:t>
+            </a:r>
+          </a:p>
+        </p:txBody>
+      </p:sp>
     </p:spTree>
     <p:extLst>
       <p:ext uri="{BB962C8B-B14F-4D97-AF65-F5344CB8AC3E}">
@@ -12122,8 +12343,12 @@
           <a:p>
             <a:pPr algn="ctr"/>
             <a:r>
-              <a:rPr lang="en-IN" dirty="0"/>
-              <a:t>Nginx :80</a:t>
+              <a:rPr lang="en-IN" dirty="0" err="1"/>
+              <a:t>mvc</a:t>
+            </a:r>
+            <a:r>
+              <a:rPr lang="en-IN" dirty="0"/>
+              <a:t> :80</a:t>
             </a:r>
           </a:p>
         </p:txBody>
@@ -12567,8 +12792,12 @@
           <a:p>
             <a:pPr algn="ctr"/>
             <a:r>
-              <a:rPr lang="en-IN" dirty="0"/>
-              <a:t>Nginx :80</a:t>
+              <a:rPr lang="en-IN" dirty="0" err="1"/>
+              <a:t>sqlserver</a:t>
+            </a:r>
+            <a:r>
+              <a:rPr lang="en-IN" dirty="0"/>
+              <a:t> :1433</a:t>
             </a:r>
           </a:p>
         </p:txBody>
@@ -12749,7 +12978,7 @@
         </p:nvSpPr>
         <p:spPr>
           <a:xfrm>
-            <a:off x="6096000" y="2927927"/>
+            <a:off x="6086184" y="2927927"/>
             <a:ext cx="1579418" cy="600364"/>
           </a:xfrm>
           <a:prstGeom prst="rect">

--- a/Docker.pptx
+++ b/Docker.pptx
@@ -5,25 +5,26 @@
     <p:sldMasterId id="2147483648" r:id="rId1"/>
   </p:sldMasterIdLst>
   <p:notesMasterIdLst>
-    <p:notesMasterId r:id="rId18"/>
+    <p:notesMasterId r:id="rId19"/>
   </p:notesMasterIdLst>
   <p:sldIdLst>
     <p:sldId id="256" r:id="rId2"/>
     <p:sldId id="257" r:id="rId3"/>
     <p:sldId id="258" r:id="rId4"/>
     <p:sldId id="259" r:id="rId5"/>
-    <p:sldId id="260" r:id="rId6"/>
-    <p:sldId id="261" r:id="rId7"/>
-    <p:sldId id="262" r:id="rId8"/>
-    <p:sldId id="263" r:id="rId9"/>
-    <p:sldId id="264" r:id="rId10"/>
-    <p:sldId id="265" r:id="rId11"/>
-    <p:sldId id="266" r:id="rId12"/>
-    <p:sldId id="267" r:id="rId13"/>
-    <p:sldId id="268" r:id="rId14"/>
-    <p:sldId id="269" r:id="rId15"/>
-    <p:sldId id="270" r:id="rId16"/>
-    <p:sldId id="271" r:id="rId17"/>
+    <p:sldId id="272" r:id="rId6"/>
+    <p:sldId id="260" r:id="rId7"/>
+    <p:sldId id="261" r:id="rId8"/>
+    <p:sldId id="262" r:id="rId9"/>
+    <p:sldId id="263" r:id="rId10"/>
+    <p:sldId id="264" r:id="rId11"/>
+    <p:sldId id="265" r:id="rId12"/>
+    <p:sldId id="266" r:id="rId13"/>
+    <p:sldId id="267" r:id="rId14"/>
+    <p:sldId id="268" r:id="rId15"/>
+    <p:sldId id="269" r:id="rId16"/>
+    <p:sldId id="270" r:id="rId17"/>
+    <p:sldId id="271" r:id="rId18"/>
   </p:sldIdLst>
   <p:sldSz cx="12192000" cy="6858000"/>
   <p:notesSz cx="6858000" cy="9144000"/>
@@ -212,7 +213,7 @@
           <a:p>
             <a:fld id="{8AEB01C6-6B3C-41D0-B117-4B374110165A}" type="datetimeFigureOut">
               <a:rPr lang="en-IN" smtClean="0"/>
-              <a:t>29-07-2019</a:t>
+              <a:t>16-08-2019</a:t>
             </a:fld>
             <a:endParaRPr lang="en-IN"/>
           </a:p>
@@ -662,7 +663,7 @@
           <a:p>
             <a:fld id="{19E362C4-3AD3-4CF4-B2F8-826F0DE3A2D8}" type="slidenum">
               <a:rPr lang="en-IN" smtClean="0"/>
-              <a:t>9</a:t>
+              <a:t>10</a:t>
             </a:fld>
             <a:endParaRPr lang="en-IN"/>
           </a:p>
@@ -830,7 +831,7 @@
           <a:p>
             <a:fld id="{CB158643-3471-4F8B-8B0B-D1F88C0D88D4}" type="datetimeFigureOut">
               <a:rPr lang="en-IN" smtClean="0"/>
-              <a:t>29-07-2019</a:t>
+              <a:t>16-08-2019</a:t>
             </a:fld>
             <a:endParaRPr lang="en-IN"/>
           </a:p>
@@ -1030,7 +1031,7 @@
           <a:p>
             <a:fld id="{CB158643-3471-4F8B-8B0B-D1F88C0D88D4}" type="datetimeFigureOut">
               <a:rPr lang="en-IN" smtClean="0"/>
-              <a:t>29-07-2019</a:t>
+              <a:t>16-08-2019</a:t>
             </a:fld>
             <a:endParaRPr lang="en-IN"/>
           </a:p>
@@ -1240,7 +1241,7 @@
           <a:p>
             <a:fld id="{CB158643-3471-4F8B-8B0B-D1F88C0D88D4}" type="datetimeFigureOut">
               <a:rPr lang="en-IN" smtClean="0"/>
-              <a:t>29-07-2019</a:t>
+              <a:t>16-08-2019</a:t>
             </a:fld>
             <a:endParaRPr lang="en-IN"/>
           </a:p>
@@ -1440,7 +1441,7 @@
           <a:p>
             <a:fld id="{CB158643-3471-4F8B-8B0B-D1F88C0D88D4}" type="datetimeFigureOut">
               <a:rPr lang="en-IN" smtClean="0"/>
-              <a:t>29-07-2019</a:t>
+              <a:t>16-08-2019</a:t>
             </a:fld>
             <a:endParaRPr lang="en-IN"/>
           </a:p>
@@ -1716,7 +1717,7 @@
           <a:p>
             <a:fld id="{CB158643-3471-4F8B-8B0B-D1F88C0D88D4}" type="datetimeFigureOut">
               <a:rPr lang="en-IN" smtClean="0"/>
-              <a:t>29-07-2019</a:t>
+              <a:t>16-08-2019</a:t>
             </a:fld>
             <a:endParaRPr lang="en-IN"/>
           </a:p>
@@ -1984,7 +1985,7 @@
           <a:p>
             <a:fld id="{CB158643-3471-4F8B-8B0B-D1F88C0D88D4}" type="datetimeFigureOut">
               <a:rPr lang="en-IN" smtClean="0"/>
-              <a:t>29-07-2019</a:t>
+              <a:t>16-08-2019</a:t>
             </a:fld>
             <a:endParaRPr lang="en-IN"/>
           </a:p>
@@ -2399,7 +2400,7 @@
           <a:p>
             <a:fld id="{CB158643-3471-4F8B-8B0B-D1F88C0D88D4}" type="datetimeFigureOut">
               <a:rPr lang="en-IN" smtClean="0"/>
-              <a:t>29-07-2019</a:t>
+              <a:t>16-08-2019</a:t>
             </a:fld>
             <a:endParaRPr lang="en-IN"/>
           </a:p>
@@ -2541,7 +2542,7 @@
           <a:p>
             <a:fld id="{CB158643-3471-4F8B-8B0B-D1F88C0D88D4}" type="datetimeFigureOut">
               <a:rPr lang="en-IN" smtClean="0"/>
-              <a:t>29-07-2019</a:t>
+              <a:t>16-08-2019</a:t>
             </a:fld>
             <a:endParaRPr lang="en-IN"/>
           </a:p>
@@ -2654,7 +2655,7 @@
           <a:p>
             <a:fld id="{CB158643-3471-4F8B-8B0B-D1F88C0D88D4}" type="datetimeFigureOut">
               <a:rPr lang="en-IN" smtClean="0"/>
-              <a:t>29-07-2019</a:t>
+              <a:t>16-08-2019</a:t>
             </a:fld>
             <a:endParaRPr lang="en-IN"/>
           </a:p>
@@ -2967,7 +2968,7 @@
           <a:p>
             <a:fld id="{CB158643-3471-4F8B-8B0B-D1F88C0D88D4}" type="datetimeFigureOut">
               <a:rPr lang="en-IN" smtClean="0"/>
-              <a:t>29-07-2019</a:t>
+              <a:t>16-08-2019</a:t>
             </a:fld>
             <a:endParaRPr lang="en-IN"/>
           </a:p>
@@ -3256,7 +3257,7 @@
           <a:p>
             <a:fld id="{CB158643-3471-4F8B-8B0B-D1F88C0D88D4}" type="datetimeFigureOut">
               <a:rPr lang="en-IN" smtClean="0"/>
-              <a:t>29-07-2019</a:t>
+              <a:t>16-08-2019</a:t>
             </a:fld>
             <a:endParaRPr lang="en-IN"/>
           </a:p>
@@ -3499,7 +3500,7 @@
           <a:p>
             <a:fld id="{CB158643-3471-4F8B-8B0B-D1F88C0D88D4}" type="datetimeFigureOut">
               <a:rPr lang="en-IN" smtClean="0"/>
-              <a:t>29-07-2019</a:t>
+              <a:t>16-08-2019</a:t>
             </a:fld>
             <a:endParaRPr lang="en-IN"/>
           </a:p>
@@ -4004,7 +4005,7 @@
           <p:cNvPr id="2" name="Title 1">
             <a:extLst>
               <a:ext uri="{FF2B5EF4-FFF2-40B4-BE49-F238E27FC236}">
-                <a16:creationId xmlns:a16="http://schemas.microsoft.com/office/drawing/2014/main" id="{593D0B2A-DBAB-43F1-9163-36B5E6DE9907}"/>
+                <a16:creationId xmlns:a16="http://schemas.microsoft.com/office/drawing/2014/main" id="{E3B88EC3-CDDB-4A89-A5A4-E4CF978C48BF}"/>
               </a:ext>
             </a:extLst>
           </p:cNvPr>
@@ -4021,128 +4022,1187 @@
           <a:lstStyle/>
           <a:p>
             <a:r>
+              <a:rPr lang="en-IN" dirty="0"/>
+              <a:t>Docker Networking</a:t>
+            </a:r>
+          </a:p>
+        </p:txBody>
+      </p:sp>
+      <p:sp>
+        <p:nvSpPr>
+          <p:cNvPr id="4" name="Rectangle 3">
+            <a:extLst>
+              <a:ext uri="{FF2B5EF4-FFF2-40B4-BE49-F238E27FC236}">
+                <a16:creationId xmlns:a16="http://schemas.microsoft.com/office/drawing/2014/main" id="{9A9A5BE6-2409-4AFE-87BA-35EAC315A2E1}"/>
+              </a:ext>
+            </a:extLst>
+          </p:cNvPr>
+          <p:cNvSpPr/>
+          <p:nvPr/>
+        </p:nvSpPr>
+        <p:spPr>
+          <a:xfrm>
+            <a:off x="701964" y="1801092"/>
+            <a:ext cx="10898909" cy="3796144"/>
+          </a:xfrm>
+          <a:prstGeom prst="rect">
+            <a:avLst/>
+          </a:prstGeom>
+          <a:noFill/>
+        </p:spPr>
+        <p:style>
+          <a:lnRef idx="2">
+            <a:schemeClr val="accent1">
+              <a:shade val="50000"/>
+            </a:schemeClr>
+          </a:lnRef>
+          <a:fillRef idx="1">
+            <a:schemeClr val="accent1"/>
+          </a:fillRef>
+          <a:effectRef idx="0">
+            <a:schemeClr val="accent1"/>
+          </a:effectRef>
+          <a:fontRef idx="minor">
+            <a:schemeClr val="lt1"/>
+          </a:fontRef>
+        </p:style>
+        <p:txBody>
+          <a:bodyPr rtlCol="0" anchor="ctr"/>
+          <a:lstStyle/>
+          <a:p>
+            <a:pPr algn="ctr"/>
+            <a:endParaRPr lang="en-IN"/>
+          </a:p>
+        </p:txBody>
+      </p:sp>
+      <p:sp>
+        <p:nvSpPr>
+          <p:cNvPr id="5" name="TextBox 4">
+            <a:extLst>
+              <a:ext uri="{FF2B5EF4-FFF2-40B4-BE49-F238E27FC236}">
+                <a16:creationId xmlns:a16="http://schemas.microsoft.com/office/drawing/2014/main" id="{105A1314-4BF6-4222-960C-AD5CD80DE8D3}"/>
+              </a:ext>
+            </a:extLst>
+          </p:cNvPr>
+          <p:cNvSpPr txBox="1"/>
+          <p:nvPr/>
+        </p:nvSpPr>
+        <p:spPr>
+          <a:xfrm>
+            <a:off x="6326880" y="5537261"/>
+            <a:ext cx="1071447" cy="369332"/>
+          </a:xfrm>
+          <a:prstGeom prst="rect">
+            <a:avLst/>
+          </a:prstGeom>
+          <a:noFill/>
+        </p:spPr>
+        <p:txBody>
+          <a:bodyPr wrap="none" rtlCol="0">
+            <a:spAutoFit/>
+          </a:bodyPr>
+          <a:lstStyle/>
+          <a:p>
+            <a:r>
+              <a:rPr lang="en-IN" dirty="0"/>
+              <a:t>Localhost</a:t>
+            </a:r>
+          </a:p>
+        </p:txBody>
+      </p:sp>
+      <p:sp>
+        <p:nvSpPr>
+          <p:cNvPr id="6" name="Rectangle: Rounded Corners 5">
+            <a:extLst>
+              <a:ext uri="{FF2B5EF4-FFF2-40B4-BE49-F238E27FC236}">
+                <a16:creationId xmlns:a16="http://schemas.microsoft.com/office/drawing/2014/main" id="{9D3139C9-74DB-4668-AF60-72210195CE78}"/>
+              </a:ext>
+            </a:extLst>
+          </p:cNvPr>
+          <p:cNvSpPr/>
+          <p:nvPr/>
+        </p:nvSpPr>
+        <p:spPr>
+          <a:xfrm>
+            <a:off x="951344" y="2364509"/>
+            <a:ext cx="10402455" cy="1727200"/>
+          </a:xfrm>
+          <a:prstGeom prst="roundRect">
+            <a:avLst/>
+          </a:prstGeom>
+          <a:solidFill>
+            <a:schemeClr val="accent1">
+              <a:lumMod val="20000"/>
+              <a:lumOff val="80000"/>
+            </a:schemeClr>
+          </a:solidFill>
+        </p:spPr>
+        <p:style>
+          <a:lnRef idx="2">
+            <a:schemeClr val="accent1">
+              <a:shade val="50000"/>
+            </a:schemeClr>
+          </a:lnRef>
+          <a:fillRef idx="1">
+            <a:schemeClr val="accent1"/>
+          </a:fillRef>
+          <a:effectRef idx="0">
+            <a:schemeClr val="accent1"/>
+          </a:effectRef>
+          <a:fontRef idx="minor">
+            <a:schemeClr val="lt1"/>
+          </a:fontRef>
+        </p:style>
+        <p:txBody>
+          <a:bodyPr rtlCol="0" anchor="ctr"/>
+          <a:lstStyle/>
+          <a:p>
+            <a:pPr algn="ctr"/>
+            <a:endParaRPr lang="en-IN" dirty="0"/>
+          </a:p>
+        </p:txBody>
+      </p:sp>
+      <p:sp>
+        <p:nvSpPr>
+          <p:cNvPr id="7" name="Rectangle 6">
+            <a:extLst>
+              <a:ext uri="{FF2B5EF4-FFF2-40B4-BE49-F238E27FC236}">
+                <a16:creationId xmlns:a16="http://schemas.microsoft.com/office/drawing/2014/main" id="{762F9A23-6834-4814-AC27-0BB3F8E082AB}"/>
+              </a:ext>
+            </a:extLst>
+          </p:cNvPr>
+          <p:cNvSpPr/>
+          <p:nvPr/>
+        </p:nvSpPr>
+        <p:spPr>
+          <a:xfrm>
+            <a:off x="1008495" y="2896091"/>
+            <a:ext cx="1579418" cy="600364"/>
+          </a:xfrm>
+          <a:prstGeom prst="rect">
+            <a:avLst/>
+          </a:prstGeom>
+        </p:spPr>
+        <p:style>
+          <a:lnRef idx="2">
+            <a:schemeClr val="accent1">
+              <a:shade val="50000"/>
+            </a:schemeClr>
+          </a:lnRef>
+          <a:fillRef idx="1">
+            <a:schemeClr val="accent1"/>
+          </a:fillRef>
+          <a:effectRef idx="0">
+            <a:schemeClr val="accent1"/>
+          </a:effectRef>
+          <a:fontRef idx="minor">
+            <a:schemeClr val="lt1"/>
+          </a:fontRef>
+        </p:style>
+        <p:txBody>
+          <a:bodyPr rtlCol="0" anchor="ctr"/>
+          <a:lstStyle/>
+          <a:p>
+            <a:pPr algn="ctr"/>
+            <a:r>
               <a:rPr lang="en-IN" dirty="0" err="1"/>
-              <a:t>Dockerfile</a:t>
-            </a:r>
-            <a:endParaRPr lang="en-IN" dirty="0"/>
-          </a:p>
-        </p:txBody>
-      </p:sp>
-      <p:sp>
-        <p:nvSpPr>
-          <p:cNvPr id="3" name="Content Placeholder 2">
-            <a:extLst>
-              <a:ext uri="{FF2B5EF4-FFF2-40B4-BE49-F238E27FC236}">
-                <a16:creationId xmlns:a16="http://schemas.microsoft.com/office/drawing/2014/main" id="{687D9331-9128-43DB-9FC3-9C19F818F508}"/>
-              </a:ext>
-            </a:extLst>
-          </p:cNvPr>
-          <p:cNvSpPr>
-            <a:spLocks noGrp="1"/>
-          </p:cNvSpPr>
-          <p:nvPr>
-            <p:ph idx="1"/>
-          </p:nvPr>
-        </p:nvSpPr>
-        <p:spPr/>
-        <p:txBody>
-          <a:bodyPr/>
-          <a:lstStyle/>
-          <a:p>
+              <a:t>mvc</a:t>
+            </a:r>
+            <a:r>
+              <a:rPr lang="en-IN" dirty="0"/>
+              <a:t> :80</a:t>
+            </a:r>
+          </a:p>
+        </p:txBody>
+      </p:sp>
+      <p:sp>
+        <p:nvSpPr>
+          <p:cNvPr id="8" name="Rectangle 7">
+            <a:extLst>
+              <a:ext uri="{FF2B5EF4-FFF2-40B4-BE49-F238E27FC236}">
+                <a16:creationId xmlns:a16="http://schemas.microsoft.com/office/drawing/2014/main" id="{2E9EF1B2-F086-4CD2-82EA-B48EB2B9277D}"/>
+              </a:ext>
+            </a:extLst>
+          </p:cNvPr>
+          <p:cNvSpPr/>
+          <p:nvPr/>
+        </p:nvSpPr>
+        <p:spPr>
+          <a:xfrm>
+            <a:off x="4572000" y="4341091"/>
+            <a:ext cx="1681017" cy="757382"/>
+          </a:xfrm>
+          <a:prstGeom prst="rect">
+            <a:avLst/>
+          </a:prstGeom>
+        </p:spPr>
+        <p:style>
+          <a:lnRef idx="2">
+            <a:schemeClr val="accent1">
+              <a:shade val="50000"/>
+            </a:schemeClr>
+          </a:lnRef>
+          <a:fillRef idx="1">
+            <a:schemeClr val="accent1"/>
+          </a:fillRef>
+          <a:effectRef idx="0">
+            <a:schemeClr val="accent1"/>
+          </a:effectRef>
+          <a:fontRef idx="minor">
+            <a:schemeClr val="lt1"/>
+          </a:fontRef>
+        </p:style>
+        <p:txBody>
+          <a:bodyPr rtlCol="0" anchor="ctr"/>
+          <a:lstStyle/>
+          <a:p>
+            <a:pPr algn="ctr"/>
+            <a:r>
+              <a:rPr lang="en-IN" dirty="0"/>
+              <a:t>IIS:80</a:t>
+            </a:r>
+          </a:p>
+        </p:txBody>
+      </p:sp>
+      <p:sp>
+        <p:nvSpPr>
+          <p:cNvPr id="11" name="Rectangle 10">
+            <a:extLst>
+              <a:ext uri="{FF2B5EF4-FFF2-40B4-BE49-F238E27FC236}">
+                <a16:creationId xmlns:a16="http://schemas.microsoft.com/office/drawing/2014/main" id="{85DF8365-4679-4E37-A5EC-0074495540BC}"/>
+              </a:ext>
+            </a:extLst>
+          </p:cNvPr>
+          <p:cNvSpPr/>
+          <p:nvPr/>
+        </p:nvSpPr>
+        <p:spPr>
+          <a:xfrm>
+            <a:off x="2309091" y="6188364"/>
+            <a:ext cx="3713018" cy="387927"/>
+          </a:xfrm>
+          <a:prstGeom prst="rect">
+            <a:avLst/>
+          </a:prstGeom>
+        </p:spPr>
+        <p:style>
+          <a:lnRef idx="2">
+            <a:schemeClr val="accent1">
+              <a:shade val="50000"/>
+            </a:schemeClr>
+          </a:lnRef>
+          <a:fillRef idx="1">
+            <a:schemeClr val="accent1"/>
+          </a:fillRef>
+          <a:effectRef idx="0">
+            <a:schemeClr val="accent1"/>
+          </a:effectRef>
+          <a:fontRef idx="minor">
+            <a:schemeClr val="lt1"/>
+          </a:fontRef>
+        </p:style>
+        <p:txBody>
+          <a:bodyPr rtlCol="0" anchor="ctr"/>
+          <a:lstStyle/>
+          <a:p>
+            <a:pPr algn="ctr"/>
+            <a:r>
+              <a:rPr lang="en-IN" dirty="0"/>
+              <a:t>Chrome</a:t>
+            </a:r>
+          </a:p>
+        </p:txBody>
+      </p:sp>
+      <p:cxnSp>
+        <p:nvCxnSpPr>
+          <p:cNvPr id="10" name="Straight Arrow Connector 9">
+            <a:extLst>
+              <a:ext uri="{FF2B5EF4-FFF2-40B4-BE49-F238E27FC236}">
+                <a16:creationId xmlns:a16="http://schemas.microsoft.com/office/drawing/2014/main" id="{0D73CF2B-8A33-41E7-A6EE-0FCDE0E2DB30}"/>
+              </a:ext>
+            </a:extLst>
+          </p:cNvPr>
+          <p:cNvCxnSpPr/>
+          <p:nvPr/>
+        </p:nvCxnSpPr>
+        <p:spPr>
+          <a:xfrm flipV="1">
+            <a:off x="5883563" y="4959927"/>
+            <a:ext cx="0" cy="1459346"/>
+          </a:xfrm>
+          <a:prstGeom prst="straightConnector1">
+            <a:avLst/>
+          </a:prstGeom>
+          <a:ln w="57150">
+            <a:solidFill>
+              <a:schemeClr val="accent2">
+                <a:lumMod val="75000"/>
+              </a:schemeClr>
+            </a:solidFill>
+            <a:tailEnd type="triangle"/>
+          </a:ln>
+        </p:spPr>
+        <p:style>
+          <a:lnRef idx="1">
+            <a:schemeClr val="accent1"/>
+          </a:lnRef>
+          <a:fillRef idx="0">
+            <a:schemeClr val="accent1"/>
+          </a:fillRef>
+          <a:effectRef idx="0">
+            <a:schemeClr val="accent1"/>
+          </a:effectRef>
+          <a:fontRef idx="minor">
+            <a:schemeClr val="tx1"/>
+          </a:fontRef>
+        </p:style>
+      </p:cxnSp>
+      <p:cxnSp>
+        <p:nvCxnSpPr>
+          <p:cNvPr id="12" name="Straight Arrow Connector 11">
+            <a:extLst>
+              <a:ext uri="{FF2B5EF4-FFF2-40B4-BE49-F238E27FC236}">
+                <a16:creationId xmlns:a16="http://schemas.microsoft.com/office/drawing/2014/main" id="{6647F6B6-BCD9-4C36-9C39-352D06BA2D91}"/>
+              </a:ext>
+            </a:extLst>
+          </p:cNvPr>
+          <p:cNvCxnSpPr>
+            <a:cxnSpLocks/>
+          </p:cNvCxnSpPr>
+          <p:nvPr/>
+        </p:nvCxnSpPr>
+        <p:spPr>
+          <a:xfrm flipV="1">
+            <a:off x="2544618" y="4091709"/>
+            <a:ext cx="0" cy="2327564"/>
+          </a:xfrm>
+          <a:prstGeom prst="straightConnector1">
+            <a:avLst/>
+          </a:prstGeom>
+          <a:ln w="57150">
+            <a:solidFill>
+              <a:schemeClr val="accent2">
+                <a:lumMod val="75000"/>
+              </a:schemeClr>
+            </a:solidFill>
+            <a:tailEnd type="triangle"/>
+          </a:ln>
+        </p:spPr>
+        <p:style>
+          <a:lnRef idx="1">
+            <a:schemeClr val="accent1"/>
+          </a:lnRef>
+          <a:fillRef idx="0">
+            <a:schemeClr val="accent1"/>
+          </a:fillRef>
+          <a:effectRef idx="0">
+            <a:schemeClr val="accent1"/>
+          </a:effectRef>
+          <a:fontRef idx="minor">
+            <a:schemeClr val="tx1"/>
+          </a:fontRef>
+        </p:style>
+      </p:cxnSp>
+      <p:sp>
+        <p:nvSpPr>
+          <p:cNvPr id="14" name="TextBox 13">
+            <a:extLst>
+              <a:ext uri="{FF2B5EF4-FFF2-40B4-BE49-F238E27FC236}">
+                <a16:creationId xmlns:a16="http://schemas.microsoft.com/office/drawing/2014/main" id="{64892E46-6DB7-4469-B15B-4186F065F59B}"/>
+              </a:ext>
+            </a:extLst>
+          </p:cNvPr>
+          <p:cNvSpPr txBox="1"/>
+          <p:nvPr/>
+        </p:nvSpPr>
+        <p:spPr>
+          <a:xfrm>
+            <a:off x="1657927" y="2604655"/>
+            <a:ext cx="1773382" cy="369332"/>
+          </a:xfrm>
+          <a:prstGeom prst="rect">
+            <a:avLst/>
+          </a:prstGeom>
+          <a:noFill/>
+        </p:spPr>
+        <p:txBody>
+          <a:bodyPr wrap="square" rtlCol="0">
+            <a:spAutoFit/>
+          </a:bodyPr>
+          <a:lstStyle/>
+          <a:p>
+            <a:r>
+              <a:rPr lang="en-IN" dirty="0"/>
+              <a:t>172.17.0.6</a:t>
+            </a:r>
+          </a:p>
+        </p:txBody>
+      </p:sp>
+      <p:sp>
+        <p:nvSpPr>
+          <p:cNvPr id="15" name="TextBox 14">
+            <a:extLst>
+              <a:ext uri="{FF2B5EF4-FFF2-40B4-BE49-F238E27FC236}">
+                <a16:creationId xmlns:a16="http://schemas.microsoft.com/office/drawing/2014/main" id="{2ABEC808-4E3D-40FA-BEED-ECD624D13547}"/>
+              </a:ext>
+            </a:extLst>
+          </p:cNvPr>
+          <p:cNvSpPr txBox="1"/>
+          <p:nvPr/>
+        </p:nvSpPr>
+        <p:spPr>
+          <a:xfrm>
+            <a:off x="2918691" y="2313709"/>
+            <a:ext cx="2623127" cy="369332"/>
+          </a:xfrm>
+          <a:prstGeom prst="rect">
+            <a:avLst/>
+          </a:prstGeom>
+          <a:noFill/>
+        </p:spPr>
+        <p:txBody>
+          <a:bodyPr wrap="square" rtlCol="0">
+            <a:spAutoFit/>
+          </a:bodyPr>
+          <a:lstStyle/>
+          <a:p>
+            <a:r>
+              <a:rPr lang="en-IN" dirty="0"/>
+              <a:t>Docker Bridge network</a:t>
+            </a:r>
+          </a:p>
+        </p:txBody>
+      </p:sp>
+      <p:sp>
+        <p:nvSpPr>
+          <p:cNvPr id="16" name="TextBox 15">
+            <a:extLst>
+              <a:ext uri="{FF2B5EF4-FFF2-40B4-BE49-F238E27FC236}">
+                <a16:creationId xmlns:a16="http://schemas.microsoft.com/office/drawing/2014/main" id="{1FEA14B7-B41C-45BB-9626-27051E42BB3C}"/>
+              </a:ext>
+            </a:extLst>
+          </p:cNvPr>
+          <p:cNvSpPr txBox="1"/>
+          <p:nvPr/>
+        </p:nvSpPr>
+        <p:spPr>
+          <a:xfrm>
+            <a:off x="2207491" y="3800886"/>
+            <a:ext cx="780473" cy="369332"/>
+          </a:xfrm>
+          <a:prstGeom prst="rect">
+            <a:avLst/>
+          </a:prstGeom>
+          <a:noFill/>
+        </p:spPr>
+        <p:txBody>
+          <a:bodyPr wrap="square" rtlCol="0">
+            <a:spAutoFit/>
+          </a:bodyPr>
+          <a:lstStyle/>
+          <a:p>
+            <a:r>
+              <a:rPr lang="en-IN" dirty="0"/>
+              <a:t>8080</a:t>
+            </a:r>
+          </a:p>
+        </p:txBody>
+      </p:sp>
+      <p:cxnSp>
+        <p:nvCxnSpPr>
+          <p:cNvPr id="17" name="Straight Arrow Connector 16">
+            <a:extLst>
+              <a:ext uri="{FF2B5EF4-FFF2-40B4-BE49-F238E27FC236}">
+                <a16:creationId xmlns:a16="http://schemas.microsoft.com/office/drawing/2014/main" id="{254F3770-8ED2-41F7-A95D-956577D86775}"/>
+              </a:ext>
+            </a:extLst>
+          </p:cNvPr>
+          <p:cNvCxnSpPr>
+            <a:cxnSpLocks/>
+          </p:cNvCxnSpPr>
+          <p:nvPr/>
+        </p:nvCxnSpPr>
+        <p:spPr>
+          <a:xfrm flipV="1">
+            <a:off x="2526145" y="3362036"/>
+            <a:ext cx="0" cy="438850"/>
+          </a:xfrm>
+          <a:prstGeom prst="straightConnector1">
+            <a:avLst/>
+          </a:prstGeom>
+          <a:ln w="57150">
+            <a:solidFill>
+              <a:schemeClr val="accent2">
+                <a:lumMod val="75000"/>
+              </a:schemeClr>
+            </a:solidFill>
+            <a:tailEnd type="triangle"/>
+          </a:ln>
+        </p:spPr>
+        <p:style>
+          <a:lnRef idx="1">
+            <a:schemeClr val="accent1"/>
+          </a:lnRef>
+          <a:fillRef idx="0">
+            <a:schemeClr val="accent1"/>
+          </a:fillRef>
+          <a:effectRef idx="0">
+            <a:schemeClr val="accent1"/>
+          </a:effectRef>
+          <a:fontRef idx="minor">
+            <a:schemeClr val="tx1"/>
+          </a:fontRef>
+        </p:style>
+      </p:cxnSp>
+      <p:sp>
+        <p:nvSpPr>
+          <p:cNvPr id="19" name="Rectangle 18">
+            <a:extLst>
+              <a:ext uri="{FF2B5EF4-FFF2-40B4-BE49-F238E27FC236}">
+                <a16:creationId xmlns:a16="http://schemas.microsoft.com/office/drawing/2014/main" id="{BF88AEF3-A8E8-4CA1-829D-9F7A1EF03644}"/>
+              </a:ext>
+            </a:extLst>
+          </p:cNvPr>
+          <p:cNvSpPr/>
+          <p:nvPr/>
+        </p:nvSpPr>
+        <p:spPr>
+          <a:xfrm>
+            <a:off x="951345" y="5721927"/>
+            <a:ext cx="1062167" cy="854364"/>
+          </a:xfrm>
+          <a:prstGeom prst="rect">
+            <a:avLst/>
+          </a:prstGeom>
+        </p:spPr>
+        <p:style>
+          <a:lnRef idx="2">
+            <a:schemeClr val="accent1">
+              <a:shade val="50000"/>
+            </a:schemeClr>
+          </a:lnRef>
+          <a:fillRef idx="1">
+            <a:schemeClr val="accent1"/>
+          </a:fillRef>
+          <a:effectRef idx="0">
+            <a:schemeClr val="accent1"/>
+          </a:effectRef>
+          <a:fontRef idx="minor">
+            <a:schemeClr val="lt1"/>
+          </a:fontRef>
+        </p:style>
+        <p:txBody>
+          <a:bodyPr rtlCol="0" anchor="ctr"/>
+          <a:lstStyle/>
+          <a:p>
+            <a:pPr algn="ctr"/>
+            <a:r>
+              <a:rPr lang="en-IN" dirty="0"/>
+              <a:t>SQL Server</a:t>
+            </a:r>
+          </a:p>
+        </p:txBody>
+      </p:sp>
+      <p:sp>
+        <p:nvSpPr>
+          <p:cNvPr id="23" name="Rectangle 22">
+            <a:extLst>
+              <a:ext uri="{FF2B5EF4-FFF2-40B4-BE49-F238E27FC236}">
+                <a16:creationId xmlns:a16="http://schemas.microsoft.com/office/drawing/2014/main" id="{749D482F-8AFE-472A-8ABA-D4823B2B0F51}"/>
+              </a:ext>
+            </a:extLst>
+          </p:cNvPr>
+          <p:cNvSpPr/>
+          <p:nvPr/>
+        </p:nvSpPr>
+        <p:spPr>
+          <a:xfrm>
+            <a:off x="3038763" y="2932484"/>
+            <a:ext cx="1579418" cy="600364"/>
+          </a:xfrm>
+          <a:prstGeom prst="rect">
+            <a:avLst/>
+          </a:prstGeom>
+        </p:spPr>
+        <p:style>
+          <a:lnRef idx="2">
+            <a:schemeClr val="accent1">
+              <a:shade val="50000"/>
+            </a:schemeClr>
+          </a:lnRef>
+          <a:fillRef idx="1">
+            <a:schemeClr val="accent1"/>
+          </a:fillRef>
+          <a:effectRef idx="0">
+            <a:schemeClr val="accent1"/>
+          </a:effectRef>
+          <a:fontRef idx="minor">
+            <a:schemeClr val="lt1"/>
+          </a:fontRef>
+        </p:style>
+        <p:txBody>
+          <a:bodyPr rtlCol="0" anchor="ctr"/>
+          <a:lstStyle/>
+          <a:p>
+            <a:pPr algn="ctr"/>
             <a:r>
               <a:rPr lang="en-IN" dirty="0" err="1"/>
-              <a:t>Dockerfile</a:t>
-            </a:r>
-            <a:r>
-              <a:rPr lang="en-IN" dirty="0"/>
-              <a:t> is a text file with the name “</a:t>
-            </a:r>
+              <a:t>sqlserver</a:t>
+            </a:r>
+            <a:r>
+              <a:rPr lang="en-IN" dirty="0"/>
+              <a:t> :1433</a:t>
+            </a:r>
+          </a:p>
+        </p:txBody>
+      </p:sp>
+      <p:sp>
+        <p:nvSpPr>
+          <p:cNvPr id="24" name="TextBox 23">
+            <a:extLst>
+              <a:ext uri="{FF2B5EF4-FFF2-40B4-BE49-F238E27FC236}">
+                <a16:creationId xmlns:a16="http://schemas.microsoft.com/office/drawing/2014/main" id="{FE5CC915-C02D-4F83-86AA-048AF99EF2D7}"/>
+              </a:ext>
+            </a:extLst>
+          </p:cNvPr>
+          <p:cNvSpPr txBox="1"/>
+          <p:nvPr/>
+        </p:nvSpPr>
+        <p:spPr>
+          <a:xfrm>
+            <a:off x="2964873" y="2611521"/>
+            <a:ext cx="1773382" cy="369332"/>
+          </a:xfrm>
+          <a:prstGeom prst="rect">
+            <a:avLst/>
+          </a:prstGeom>
+          <a:noFill/>
+        </p:spPr>
+        <p:txBody>
+          <a:bodyPr wrap="square" rtlCol="0">
+            <a:spAutoFit/>
+          </a:bodyPr>
+          <a:lstStyle/>
+          <a:p>
+            <a:r>
+              <a:rPr lang="en-IN" dirty="0"/>
+              <a:t>172.17.0.7</a:t>
+            </a:r>
+          </a:p>
+        </p:txBody>
+      </p:sp>
+      <p:cxnSp>
+        <p:nvCxnSpPr>
+          <p:cNvPr id="25" name="Straight Arrow Connector 24">
+            <a:extLst>
+              <a:ext uri="{FF2B5EF4-FFF2-40B4-BE49-F238E27FC236}">
+                <a16:creationId xmlns:a16="http://schemas.microsoft.com/office/drawing/2014/main" id="{D8A58ACE-AEE2-4E5E-8AD9-CB016FF2D5FB}"/>
+              </a:ext>
+            </a:extLst>
+          </p:cNvPr>
+          <p:cNvCxnSpPr>
+            <a:cxnSpLocks/>
+          </p:cNvCxnSpPr>
+          <p:nvPr/>
+        </p:nvCxnSpPr>
+        <p:spPr>
+          <a:xfrm flipV="1">
+            <a:off x="3537527" y="4091709"/>
+            <a:ext cx="0" cy="2327564"/>
+          </a:xfrm>
+          <a:prstGeom prst="straightConnector1">
+            <a:avLst/>
+          </a:prstGeom>
+          <a:ln w="57150">
+            <a:solidFill>
+              <a:schemeClr val="accent2">
+                <a:lumMod val="75000"/>
+              </a:schemeClr>
+            </a:solidFill>
+            <a:tailEnd type="triangle"/>
+          </a:ln>
+        </p:spPr>
+        <p:style>
+          <a:lnRef idx="1">
+            <a:schemeClr val="accent1"/>
+          </a:lnRef>
+          <a:fillRef idx="0">
+            <a:schemeClr val="accent1"/>
+          </a:fillRef>
+          <a:effectRef idx="0">
+            <a:schemeClr val="accent1"/>
+          </a:effectRef>
+          <a:fontRef idx="minor">
+            <a:schemeClr val="tx1"/>
+          </a:fontRef>
+        </p:style>
+      </p:cxnSp>
+      <p:sp>
+        <p:nvSpPr>
+          <p:cNvPr id="26" name="TextBox 25">
+            <a:extLst>
+              <a:ext uri="{FF2B5EF4-FFF2-40B4-BE49-F238E27FC236}">
+                <a16:creationId xmlns:a16="http://schemas.microsoft.com/office/drawing/2014/main" id="{DE225E2E-D352-4D04-9698-0D745A5C2787}"/>
+              </a:ext>
+            </a:extLst>
+          </p:cNvPr>
+          <p:cNvSpPr txBox="1"/>
+          <p:nvPr/>
+        </p:nvSpPr>
+        <p:spPr>
+          <a:xfrm>
+            <a:off x="3225799" y="3813708"/>
+            <a:ext cx="780473" cy="369332"/>
+          </a:xfrm>
+          <a:prstGeom prst="rect">
+            <a:avLst/>
+          </a:prstGeom>
+          <a:noFill/>
+        </p:spPr>
+        <p:txBody>
+          <a:bodyPr wrap="square" rtlCol="0">
+            <a:spAutoFit/>
+          </a:bodyPr>
+          <a:lstStyle/>
+          <a:p>
+            <a:r>
+              <a:rPr lang="en-IN" dirty="0"/>
+              <a:t>8090</a:t>
+            </a:r>
+          </a:p>
+        </p:txBody>
+      </p:sp>
+      <p:cxnSp>
+        <p:nvCxnSpPr>
+          <p:cNvPr id="27" name="Straight Arrow Connector 26">
+            <a:extLst>
+              <a:ext uri="{FF2B5EF4-FFF2-40B4-BE49-F238E27FC236}">
+                <a16:creationId xmlns:a16="http://schemas.microsoft.com/office/drawing/2014/main" id="{1785FCCF-AB9F-4515-BE48-CEC88A923B2D}"/>
+              </a:ext>
+            </a:extLst>
+          </p:cNvPr>
+          <p:cNvCxnSpPr>
+            <a:cxnSpLocks/>
+          </p:cNvCxnSpPr>
+          <p:nvPr/>
+        </p:nvCxnSpPr>
+        <p:spPr>
+          <a:xfrm flipV="1">
+            <a:off x="3544453" y="3374858"/>
+            <a:ext cx="0" cy="438850"/>
+          </a:xfrm>
+          <a:prstGeom prst="straightConnector1">
+            <a:avLst/>
+          </a:prstGeom>
+          <a:ln w="57150">
+            <a:solidFill>
+              <a:schemeClr val="accent2">
+                <a:lumMod val="75000"/>
+              </a:schemeClr>
+            </a:solidFill>
+            <a:tailEnd type="triangle"/>
+          </a:ln>
+        </p:spPr>
+        <p:style>
+          <a:lnRef idx="1">
+            <a:schemeClr val="accent1"/>
+          </a:lnRef>
+          <a:fillRef idx="0">
+            <a:schemeClr val="accent1"/>
+          </a:fillRef>
+          <a:effectRef idx="0">
+            <a:schemeClr val="accent1"/>
+          </a:effectRef>
+          <a:fontRef idx="minor">
+            <a:schemeClr val="tx1"/>
+          </a:fontRef>
+        </p:style>
+      </p:cxnSp>
+      <p:sp>
+        <p:nvSpPr>
+          <p:cNvPr id="28" name="Rectangle 27">
+            <a:extLst>
+              <a:ext uri="{FF2B5EF4-FFF2-40B4-BE49-F238E27FC236}">
+                <a16:creationId xmlns:a16="http://schemas.microsoft.com/office/drawing/2014/main" id="{4821DA56-7D2F-4DFA-AFE7-914077EB57D8}"/>
+              </a:ext>
+            </a:extLst>
+          </p:cNvPr>
+          <p:cNvSpPr/>
+          <p:nvPr/>
+        </p:nvSpPr>
+        <p:spPr>
+          <a:xfrm>
+            <a:off x="6086184" y="2927927"/>
+            <a:ext cx="1579418" cy="600364"/>
+          </a:xfrm>
+          <a:prstGeom prst="rect">
+            <a:avLst/>
+          </a:prstGeom>
+        </p:spPr>
+        <p:style>
+          <a:lnRef idx="2">
+            <a:schemeClr val="accent1">
+              <a:shade val="50000"/>
+            </a:schemeClr>
+          </a:lnRef>
+          <a:fillRef idx="1">
+            <a:schemeClr val="accent1"/>
+          </a:fillRef>
+          <a:effectRef idx="0">
+            <a:schemeClr val="accent1"/>
+          </a:effectRef>
+          <a:fontRef idx="minor">
+            <a:schemeClr val="lt1"/>
+          </a:fontRef>
+        </p:style>
+        <p:txBody>
+          <a:bodyPr rtlCol="0" anchor="ctr"/>
+          <a:lstStyle/>
+          <a:p>
+            <a:pPr algn="ctr"/>
+            <a:r>
+              <a:rPr lang="en-IN" dirty="0"/>
+              <a:t>Alpine1</a:t>
+            </a:r>
+          </a:p>
+        </p:txBody>
+      </p:sp>
+      <p:sp>
+        <p:nvSpPr>
+          <p:cNvPr id="29" name="Rectangle 28">
+            <a:extLst>
+              <a:ext uri="{FF2B5EF4-FFF2-40B4-BE49-F238E27FC236}">
+                <a16:creationId xmlns:a16="http://schemas.microsoft.com/office/drawing/2014/main" id="{4C219C5E-EAF4-4F30-8212-E8E3DB77C18F}"/>
+              </a:ext>
+            </a:extLst>
+          </p:cNvPr>
+          <p:cNvSpPr/>
+          <p:nvPr/>
+        </p:nvSpPr>
+        <p:spPr>
+          <a:xfrm>
+            <a:off x="9240981" y="2925433"/>
+            <a:ext cx="1579418" cy="600364"/>
+          </a:xfrm>
+          <a:prstGeom prst="rect">
+            <a:avLst/>
+          </a:prstGeom>
+        </p:spPr>
+        <p:style>
+          <a:lnRef idx="2">
+            <a:schemeClr val="accent1">
+              <a:shade val="50000"/>
+            </a:schemeClr>
+          </a:lnRef>
+          <a:fillRef idx="1">
+            <a:schemeClr val="accent1"/>
+          </a:fillRef>
+          <a:effectRef idx="0">
+            <a:schemeClr val="accent1"/>
+          </a:effectRef>
+          <a:fontRef idx="minor">
+            <a:schemeClr val="lt1"/>
+          </a:fontRef>
+        </p:style>
+        <p:txBody>
+          <a:bodyPr rtlCol="0" anchor="ctr"/>
+          <a:lstStyle/>
+          <a:p>
+            <a:pPr algn="ctr"/>
+            <a:r>
+              <a:rPr lang="en-IN" dirty="0"/>
+              <a:t>Alpine2</a:t>
+            </a:r>
+          </a:p>
+        </p:txBody>
+      </p:sp>
+      <p:sp>
+        <p:nvSpPr>
+          <p:cNvPr id="30" name="TextBox 29">
+            <a:extLst>
+              <a:ext uri="{FF2B5EF4-FFF2-40B4-BE49-F238E27FC236}">
+                <a16:creationId xmlns:a16="http://schemas.microsoft.com/office/drawing/2014/main" id="{7419C08A-E611-4FE7-AF60-8E736CA43F8D}"/>
+              </a:ext>
+            </a:extLst>
+          </p:cNvPr>
+          <p:cNvSpPr txBox="1"/>
+          <p:nvPr/>
+        </p:nvSpPr>
+        <p:spPr>
+          <a:xfrm>
+            <a:off x="6035960" y="2602284"/>
+            <a:ext cx="1773382" cy="369332"/>
+          </a:xfrm>
+          <a:prstGeom prst="rect">
+            <a:avLst/>
+          </a:prstGeom>
+          <a:noFill/>
+        </p:spPr>
+        <p:txBody>
+          <a:bodyPr wrap="square" rtlCol="0">
+            <a:spAutoFit/>
+          </a:bodyPr>
+          <a:lstStyle/>
+          <a:p>
+            <a:r>
+              <a:rPr lang="en-IN" dirty="0"/>
+              <a:t>172.17.0.2</a:t>
+            </a:r>
+          </a:p>
+        </p:txBody>
+      </p:sp>
+      <p:sp>
+        <p:nvSpPr>
+          <p:cNvPr id="31" name="TextBox 30">
+            <a:extLst>
+              <a:ext uri="{FF2B5EF4-FFF2-40B4-BE49-F238E27FC236}">
+                <a16:creationId xmlns:a16="http://schemas.microsoft.com/office/drawing/2014/main" id="{96E12D04-4649-46AD-8357-3C8BD024DB1F}"/>
+              </a:ext>
+            </a:extLst>
+          </p:cNvPr>
+          <p:cNvSpPr txBox="1"/>
+          <p:nvPr/>
+        </p:nvSpPr>
+        <p:spPr>
+          <a:xfrm>
+            <a:off x="9191331" y="2602284"/>
+            <a:ext cx="1773382" cy="369332"/>
+          </a:xfrm>
+          <a:prstGeom prst="rect">
+            <a:avLst/>
+          </a:prstGeom>
+          <a:noFill/>
+        </p:spPr>
+        <p:txBody>
+          <a:bodyPr wrap="square" rtlCol="0">
+            <a:spAutoFit/>
+          </a:bodyPr>
+          <a:lstStyle/>
+          <a:p>
+            <a:r>
+              <a:rPr lang="en-IN" dirty="0"/>
+              <a:t>172.17.0.3</a:t>
+            </a:r>
+          </a:p>
+        </p:txBody>
+      </p:sp>
+      <p:cxnSp>
+        <p:nvCxnSpPr>
+          <p:cNvPr id="33" name="Straight Arrow Connector 32">
+            <a:extLst>
+              <a:ext uri="{FF2B5EF4-FFF2-40B4-BE49-F238E27FC236}">
+                <a16:creationId xmlns:a16="http://schemas.microsoft.com/office/drawing/2014/main" id="{5A072308-4D5F-4748-BF97-FCC3357195E3}"/>
+              </a:ext>
+            </a:extLst>
+          </p:cNvPr>
+          <p:cNvCxnSpPr/>
+          <p:nvPr/>
+        </p:nvCxnSpPr>
+        <p:spPr>
+          <a:xfrm>
+            <a:off x="7675418" y="3091842"/>
+            <a:ext cx="1597891" cy="0"/>
+          </a:xfrm>
+          <a:prstGeom prst="straightConnector1">
+            <a:avLst/>
+          </a:prstGeom>
+          <a:ln w="28575">
+            <a:tailEnd type="triangle"/>
+          </a:ln>
+        </p:spPr>
+        <p:style>
+          <a:lnRef idx="1">
+            <a:schemeClr val="accent1"/>
+          </a:lnRef>
+          <a:fillRef idx="0">
+            <a:schemeClr val="accent1"/>
+          </a:fillRef>
+          <a:effectRef idx="0">
+            <a:schemeClr val="accent1"/>
+          </a:effectRef>
+          <a:fontRef idx="minor">
+            <a:schemeClr val="tx1"/>
+          </a:fontRef>
+        </p:style>
+      </p:cxnSp>
+      <p:cxnSp>
+        <p:nvCxnSpPr>
+          <p:cNvPr id="34" name="Straight Arrow Connector 33">
+            <a:extLst>
+              <a:ext uri="{FF2B5EF4-FFF2-40B4-BE49-F238E27FC236}">
+                <a16:creationId xmlns:a16="http://schemas.microsoft.com/office/drawing/2014/main" id="{DA22BCB9-2FD4-4305-AB22-E0F95783E371}"/>
+              </a:ext>
+            </a:extLst>
+          </p:cNvPr>
+          <p:cNvCxnSpPr>
+            <a:cxnSpLocks/>
+          </p:cNvCxnSpPr>
+          <p:nvPr/>
+        </p:nvCxnSpPr>
+        <p:spPr>
+          <a:xfrm flipH="1">
+            <a:off x="7690427" y="3362036"/>
+            <a:ext cx="1550554" cy="0"/>
+          </a:xfrm>
+          <a:prstGeom prst="straightConnector1">
+            <a:avLst/>
+          </a:prstGeom>
+          <a:ln w="28575">
+            <a:tailEnd type="triangle"/>
+          </a:ln>
+        </p:spPr>
+        <p:style>
+          <a:lnRef idx="1">
+            <a:schemeClr val="accent1"/>
+          </a:lnRef>
+          <a:fillRef idx="0">
+            <a:schemeClr val="accent1"/>
+          </a:fillRef>
+          <a:effectRef idx="0">
+            <a:schemeClr val="accent1"/>
+          </a:effectRef>
+          <a:fontRef idx="minor">
+            <a:schemeClr val="tx1"/>
+          </a:fontRef>
+        </p:style>
+      </p:cxnSp>
+      <p:sp>
+        <p:nvSpPr>
+          <p:cNvPr id="3" name="TextBox 2">
+            <a:extLst>
+              <a:ext uri="{FF2B5EF4-FFF2-40B4-BE49-F238E27FC236}">
+                <a16:creationId xmlns:a16="http://schemas.microsoft.com/office/drawing/2014/main" id="{0EE3323B-A262-4C2E-88E4-3B7CE560146E}"/>
+              </a:ext>
+            </a:extLst>
+          </p:cNvPr>
+          <p:cNvSpPr txBox="1"/>
+          <p:nvPr/>
+        </p:nvSpPr>
+        <p:spPr>
+          <a:xfrm>
+            <a:off x="951344" y="4683352"/>
+            <a:ext cx="1668030" cy="369332"/>
+          </a:xfrm>
+          <a:prstGeom prst="rect">
+            <a:avLst/>
+          </a:prstGeom>
+          <a:noFill/>
+        </p:spPr>
+        <p:txBody>
+          <a:bodyPr wrap="square" rtlCol="0">
+            <a:spAutoFit/>
+          </a:bodyPr>
+          <a:lstStyle/>
+          <a:p>
+            <a:r>
+              <a:rPr lang="en-IN" dirty="0"/>
+              <a:t>Localhost:8080</a:t>
+            </a:r>
+          </a:p>
+        </p:txBody>
+      </p:sp>
+      <p:sp>
+        <p:nvSpPr>
+          <p:cNvPr id="32" name="Rectangle 31">
+            <a:extLst>
+              <a:ext uri="{FF2B5EF4-FFF2-40B4-BE49-F238E27FC236}">
+                <a16:creationId xmlns:a16="http://schemas.microsoft.com/office/drawing/2014/main" id="{BE6193C0-50F4-40E2-BFD2-177332DDE064}"/>
+              </a:ext>
+            </a:extLst>
+          </p:cNvPr>
+          <p:cNvSpPr/>
+          <p:nvPr/>
+        </p:nvSpPr>
+        <p:spPr>
+          <a:xfrm>
+            <a:off x="7964632" y="5975927"/>
+            <a:ext cx="1579418" cy="600364"/>
+          </a:xfrm>
+          <a:prstGeom prst="rect">
+            <a:avLst/>
+          </a:prstGeom>
+        </p:spPr>
+        <p:style>
+          <a:lnRef idx="2">
+            <a:schemeClr val="accent1">
+              <a:shade val="50000"/>
+            </a:schemeClr>
+          </a:lnRef>
+          <a:fillRef idx="1">
+            <a:schemeClr val="accent1"/>
+          </a:fillRef>
+          <a:effectRef idx="0">
+            <a:schemeClr val="accent1"/>
+          </a:effectRef>
+          <a:fontRef idx="minor">
+            <a:schemeClr val="lt1"/>
+          </a:fontRef>
+        </p:style>
+        <p:txBody>
+          <a:bodyPr rtlCol="0" anchor="ctr"/>
+          <a:lstStyle/>
+          <a:p>
+            <a:pPr algn="ctr"/>
             <a:r>
               <a:rPr lang="en-IN" dirty="0" err="1"/>
-              <a:t>Dockerfile</a:t>
-            </a:r>
-            <a:r>
-              <a:rPr lang="en-IN" dirty="0"/>
-              <a:t>”</a:t>
-            </a:r>
-          </a:p>
-          <a:p>
-            <a:r>
-              <a:rPr lang="en-IN" dirty="0"/>
-              <a:t>Contains the instructions to build the image.</a:t>
-            </a:r>
-          </a:p>
-          <a:p>
-            <a:r>
-              <a:rPr lang="en-IN" dirty="0"/>
-              <a:t>We keeps the </a:t>
-            </a:r>
-            <a:r>
-              <a:rPr lang="en-IN" dirty="0" err="1"/>
-              <a:t>Dockerfile</a:t>
-            </a:r>
-            <a:r>
-              <a:rPr lang="en-IN" dirty="0"/>
-              <a:t> in the root folder of the application.</a:t>
-            </a:r>
-          </a:p>
-          <a:p>
-            <a:r>
-              <a:rPr lang="en-IN" dirty="0"/>
-              <a:t>Command in </a:t>
-            </a:r>
-            <a:r>
-              <a:rPr lang="en-IN" dirty="0" err="1"/>
-              <a:t>Dockerfile</a:t>
-            </a:r>
-            <a:r>
-              <a:rPr lang="en-IN" dirty="0"/>
-              <a:t> will be executed at the time of building the image</a:t>
-            </a:r>
-          </a:p>
-          <a:p>
-            <a:r>
-              <a:rPr lang="en-IN" dirty="0"/>
-              <a:t>To build the image we use “docker build “ command.</a:t>
-            </a:r>
-          </a:p>
-          <a:p>
-            <a:pPr marL="0" indent="0">
-              <a:buNone/>
-            </a:pPr>
-            <a:r>
-              <a:rPr lang="en-IN" dirty="0"/>
-              <a:t>	docker build –t &lt;</a:t>
-            </a:r>
-            <a:r>
-              <a:rPr lang="en-IN" dirty="0" err="1"/>
-              <a:t>imagename:tag</a:t>
-            </a:r>
-            <a:r>
-              <a:rPr lang="en-IN" dirty="0"/>
-              <a:t>&gt; .</a:t>
-            </a:r>
-          </a:p>
-          <a:p>
-            <a:r>
-              <a:rPr lang="en-IN" dirty="0"/>
-              <a:t>The “dot” (.) represents the location of the </a:t>
-            </a:r>
-            <a:r>
-              <a:rPr lang="en-IN" dirty="0" err="1"/>
-              <a:t>Dockerfile</a:t>
-            </a:r>
-            <a:r>
-              <a:rPr lang="en-IN" dirty="0"/>
-              <a:t>.</a:t>
-            </a:r>
-          </a:p>
-        </p:txBody>
-      </p:sp>
+              <a:t>mvc</a:t>
+            </a:r>
+            <a:r>
+              <a:rPr lang="en-IN" dirty="0"/>
+              <a:t> :80</a:t>
+            </a:r>
+          </a:p>
+        </p:txBody>
+      </p:sp>
+      <p:cxnSp>
+        <p:nvCxnSpPr>
+          <p:cNvPr id="13" name="Straight Arrow Connector 12">
+            <a:extLst>
+              <a:ext uri="{FF2B5EF4-FFF2-40B4-BE49-F238E27FC236}">
+                <a16:creationId xmlns:a16="http://schemas.microsoft.com/office/drawing/2014/main" id="{410D4FA6-8AA9-4AE9-B73D-BB691EADB4ED}"/>
+              </a:ext>
+            </a:extLst>
+          </p:cNvPr>
+          <p:cNvCxnSpPr>
+            <a:cxnSpLocks/>
+            <a:stCxn id="7" idx="3"/>
+          </p:cNvCxnSpPr>
+          <p:nvPr/>
+        </p:nvCxnSpPr>
+        <p:spPr>
+          <a:xfrm>
+            <a:off x="2587913" y="3196273"/>
+            <a:ext cx="400051" cy="12970"/>
+          </a:xfrm>
+          <a:prstGeom prst="straightConnector1">
+            <a:avLst/>
+          </a:prstGeom>
+          <a:ln w="38100">
+            <a:solidFill>
+              <a:srgbClr val="FF0000"/>
+            </a:solidFill>
+            <a:tailEnd type="triangle"/>
+          </a:ln>
+        </p:spPr>
+        <p:style>
+          <a:lnRef idx="1">
+            <a:schemeClr val="accent1"/>
+          </a:lnRef>
+          <a:fillRef idx="0">
+            <a:schemeClr val="accent1"/>
+          </a:fillRef>
+          <a:effectRef idx="0">
+            <a:schemeClr val="accent1"/>
+          </a:effectRef>
+          <a:fontRef idx="minor">
+            <a:schemeClr val="tx1"/>
+          </a:fontRef>
+        </p:style>
+      </p:cxnSp>
     </p:spTree>
     <p:extLst>
       <p:ext uri="{BB962C8B-B14F-4D97-AF65-F5344CB8AC3E}">
-        <p14:creationId xmlns:p14="http://schemas.microsoft.com/office/powerpoint/2010/main" val="2962949229"/>
+        <p14:creationId xmlns:p14="http://schemas.microsoft.com/office/powerpoint/2010/main" val="824846571"/>
       </p:ext>
     </p:extLst>
   </p:cSld>
@@ -4174,7 +5234,7 @@
           <p:cNvPr id="2" name="Title 1">
             <a:extLst>
               <a:ext uri="{FF2B5EF4-FFF2-40B4-BE49-F238E27FC236}">
-                <a16:creationId xmlns:a16="http://schemas.microsoft.com/office/drawing/2014/main" id="{1C273FAE-EEF9-4906-BADC-F0FDFF1D8439}"/>
+                <a16:creationId xmlns:a16="http://schemas.microsoft.com/office/drawing/2014/main" id="{593D0B2A-DBAB-43F1-9163-36B5E6DE9907}"/>
               </a:ext>
             </a:extLst>
           </p:cNvPr>
@@ -4191,10 +5251,6 @@
           <a:lstStyle/>
           <a:p>
             <a:r>
-              <a:rPr lang="en-IN" dirty="0"/>
-              <a:t>Commands in </a:t>
-            </a:r>
-            <a:r>
               <a:rPr lang="en-IN" dirty="0" err="1"/>
               <a:t>Dockerfile</a:t>
             </a:r>
@@ -4207,7 +5263,7 @@
           <p:cNvPr id="3" name="Content Placeholder 2">
             <a:extLst>
               <a:ext uri="{FF2B5EF4-FFF2-40B4-BE49-F238E27FC236}">
-                <a16:creationId xmlns:a16="http://schemas.microsoft.com/office/drawing/2014/main" id="{371B0CC9-2AA5-40A2-8289-39414C5EC860}"/>
+                <a16:creationId xmlns:a16="http://schemas.microsoft.com/office/drawing/2014/main" id="{687D9331-9128-43DB-9FC3-9C19F818F508}"/>
               </a:ext>
             </a:extLst>
           </p:cNvPr>
@@ -4220,14 +5276,64 @@
         </p:nvSpPr>
         <p:spPr/>
         <p:txBody>
-          <a:bodyPr>
-            <a:normAutofit fontScale="85000" lnSpcReduction="20000"/>
-          </a:bodyPr>
-          <a:lstStyle/>
-          <a:p>
-            <a:r>
-              <a:rPr lang="en-IN" dirty="0"/>
-              <a:t>FROM – Specify the base image for the application image</a:t>
+          <a:bodyPr/>
+          <a:lstStyle/>
+          <a:p>
+            <a:r>
+              <a:rPr lang="en-IN" dirty="0" err="1"/>
+              <a:t>Dockerfile</a:t>
+            </a:r>
+            <a:r>
+              <a:rPr lang="en-IN" dirty="0"/>
+              <a:t> is a text file with the name “</a:t>
+            </a:r>
+            <a:r>
+              <a:rPr lang="en-IN" dirty="0" err="1"/>
+              <a:t>Dockerfile</a:t>
+            </a:r>
+            <a:r>
+              <a:rPr lang="en-IN" dirty="0"/>
+              <a:t>”</a:t>
+            </a:r>
+          </a:p>
+          <a:p>
+            <a:r>
+              <a:rPr lang="en-IN" dirty="0"/>
+              <a:t>Contains the instructions to build the image.</a:t>
+            </a:r>
+          </a:p>
+          <a:p>
+            <a:r>
+              <a:rPr lang="en-IN" dirty="0"/>
+              <a:t>We keeps the </a:t>
+            </a:r>
+            <a:r>
+              <a:rPr lang="en-IN" dirty="0" err="1"/>
+              <a:t>Dockerfile</a:t>
+            </a:r>
+            <a:r>
+              <a:rPr lang="en-IN" dirty="0"/>
+              <a:t> in the root folder of the application.</a:t>
+            </a:r>
+          </a:p>
+          <a:p>
+            <a:r>
+              <a:rPr lang="en-IN" dirty="0"/>
+              <a:t>Command in </a:t>
+            </a:r>
+            <a:r>
+              <a:rPr lang="en-IN" dirty="0" err="1"/>
+              <a:t>Dockerfile</a:t>
+            </a:r>
+            <a:r>
+              <a:rPr lang="en-IN" dirty="0"/>
+              <a:t> will be executed at the time of building the image</a:t>
+            </a:r>
+          </a:p>
+          <a:p>
+            <a:r>
+              <a:rPr lang="en-IN" dirty="0"/>
+              <a:t>To build the image we use “docker build “ command.</a:t>
             </a:r>
           </a:p>
           <a:p>
@@ -4236,140 +5342,37 @@
             </a:pPr>
             <a:r>
               <a:rPr lang="en-IN" dirty="0"/>
-              <a:t>	FROM http:stable</a:t>
-            </a:r>
-          </a:p>
-          <a:p>
-            <a:pPr marL="0" indent="0">
-              <a:buNone/>
-            </a:pPr>
-            <a:r>
-              <a:rPr lang="en-IN" dirty="0"/>
-              <a:t>	FROM </a:t>
+              <a:t>	docker build –t &lt;</a:t>
             </a:r>
             <a:r>
               <a:rPr lang="en-IN" dirty="0" err="1"/>
-              <a:t>nginx:latest</a:t>
-            </a:r>
-            <a:endParaRPr lang="en-IN" dirty="0"/>
-          </a:p>
-          <a:p>
-            <a:pPr marL="0" indent="0">
-              <a:buNone/>
-            </a:pPr>
-            <a:r>
-              <a:rPr lang="en-IN" dirty="0"/>
-              <a:t>	FROM </a:t>
+              <a:t>imagename:tag</a:t>
+            </a:r>
+            <a:r>
+              <a:rPr lang="en-IN" dirty="0"/>
+              <a:t>&gt; .</a:t>
+            </a:r>
+          </a:p>
+          <a:p>
+            <a:r>
+              <a:rPr lang="en-IN" dirty="0"/>
+              <a:t>The “dot” (.) represents the location of the </a:t>
             </a:r>
             <a:r>
               <a:rPr lang="en-IN" dirty="0" err="1"/>
-              <a:t>microsoft</a:t>
-            </a:r>
-            <a:r>
-              <a:rPr lang="en-IN" dirty="0"/>
-              <a:t>/dotnet:2.2-runtime</a:t>
-            </a:r>
-          </a:p>
-          <a:p>
-            <a:r>
-              <a:rPr lang="en-IN" dirty="0"/>
-              <a:t>LABEL</a:t>
-            </a:r>
-          </a:p>
-          <a:p>
-            <a:pPr marL="0" indent="0">
-              <a:buNone/>
-            </a:pPr>
-            <a:r>
-              <a:rPr lang="en-IN" dirty="0"/>
-              <a:t>	Adding metadata to the image, such as comments</a:t>
-            </a:r>
-          </a:p>
-          <a:p>
-            <a:pPr marL="0" indent="0">
-              <a:buNone/>
-            </a:pPr>
-            <a:r>
-              <a:rPr lang="en-IN" dirty="0"/>
-              <a:t>	LABEL author=sonusathyadas</a:t>
-            </a:r>
-          </a:p>
-          <a:p>
-            <a:pPr marL="0" indent="0">
-              <a:buNone/>
-            </a:pPr>
-            <a:r>
-              <a:rPr lang="en-IN" dirty="0"/>
-              <a:t>	LABEL version=2.0</a:t>
-            </a:r>
-          </a:p>
-          <a:p>
-            <a:r>
-              <a:rPr lang="en-IN" dirty="0"/>
-              <a:t>WORKDIR</a:t>
-            </a:r>
-          </a:p>
-          <a:p>
-            <a:pPr marL="457200" lvl="1" indent="0">
-              <a:buNone/>
-            </a:pPr>
-            <a:r>
-              <a:rPr lang="en-IN" dirty="0"/>
-              <a:t>	Set the current working directory within the image.</a:t>
-            </a:r>
-          </a:p>
-          <a:p>
-            <a:pPr marL="457200" lvl="1" indent="0">
-              <a:buNone/>
-            </a:pPr>
-            <a:r>
-              <a:rPr lang="en-IN" dirty="0"/>
-              <a:t>	WORKDIR </a:t>
-            </a:r>
-            <a:r>
-              <a:rPr lang="en-IN" dirty="0">
-                <a:solidFill>
-                  <a:srgbClr val="FF0000"/>
-                </a:solidFill>
-              </a:rPr>
-              <a:t>/</a:t>
-            </a:r>
-            <a:r>
-              <a:rPr lang="en-IN" dirty="0" err="1">
-                <a:solidFill>
-                  <a:srgbClr val="FF0000"/>
-                </a:solidFill>
-              </a:rPr>
-              <a:t>usr</a:t>
-            </a:r>
-            <a:r>
-              <a:rPr lang="en-IN" dirty="0">
-                <a:solidFill>
-                  <a:srgbClr val="FF0000"/>
-                </a:solidFill>
-              </a:rPr>
-              <a:t>/httpd/html/</a:t>
-            </a:r>
-            <a:r>
-              <a:rPr lang="en-IN" dirty="0" err="1">
-                <a:solidFill>
-                  <a:srgbClr val="FF0000"/>
-                </a:solidFill>
-              </a:rPr>
-              <a:t>htdocs</a:t>
-            </a:r>
-            <a:endParaRPr lang="en-IN" dirty="0">
-              <a:solidFill>
-                <a:srgbClr val="FF0000"/>
-              </a:solidFill>
-            </a:endParaRPr>
+              <a:t>Dockerfile</a:t>
+            </a:r>
+            <a:r>
+              <a:rPr lang="en-IN" dirty="0"/>
+              <a:t>.</a:t>
+            </a:r>
           </a:p>
         </p:txBody>
       </p:sp>
     </p:spTree>
     <p:extLst>
       <p:ext uri="{BB962C8B-B14F-4D97-AF65-F5344CB8AC3E}">
-        <p14:creationId xmlns:p14="http://schemas.microsoft.com/office/powerpoint/2010/main" val="3231443025"/>
+        <p14:creationId xmlns:p14="http://schemas.microsoft.com/office/powerpoint/2010/main" val="2962949229"/>
       </p:ext>
     </p:extLst>
   </p:cSld>
@@ -4401,7 +5404,7 @@
           <p:cNvPr id="2" name="Title 1">
             <a:extLst>
               <a:ext uri="{FF2B5EF4-FFF2-40B4-BE49-F238E27FC236}">
-                <a16:creationId xmlns:a16="http://schemas.microsoft.com/office/drawing/2014/main" id="{FB83AF11-E435-4022-8E8F-59A629950EDB}"/>
+                <a16:creationId xmlns:a16="http://schemas.microsoft.com/office/drawing/2014/main" id="{1C273FAE-EEF9-4906-BADC-F0FDFF1D8439}"/>
               </a:ext>
             </a:extLst>
           </p:cNvPr>
@@ -4434,7 +5437,7 @@
           <p:cNvPr id="3" name="Content Placeholder 2">
             <a:extLst>
               <a:ext uri="{FF2B5EF4-FFF2-40B4-BE49-F238E27FC236}">
-                <a16:creationId xmlns:a16="http://schemas.microsoft.com/office/drawing/2014/main" id="{1EF10324-6DC1-4D28-8393-BD77A3D18425}"/>
+                <a16:creationId xmlns:a16="http://schemas.microsoft.com/office/drawing/2014/main" id="{371B0CC9-2AA5-40A2-8289-39414C5EC860}"/>
               </a:ext>
             </a:extLst>
           </p:cNvPr>
@@ -4448,13 +5451,13 @@
         <p:spPr/>
         <p:txBody>
           <a:bodyPr>
-            <a:normAutofit fontScale="92500" lnSpcReduction="10000"/>
+            <a:normAutofit fontScale="85000" lnSpcReduction="20000"/>
           </a:bodyPr>
           <a:lstStyle/>
           <a:p>
             <a:r>
               <a:rPr lang="en-IN" dirty="0"/>
-              <a:t>COPY</a:t>
+              <a:t>FROM – Specify the base image for the application image</a:t>
             </a:r>
           </a:p>
           <a:p>
@@ -4463,7 +5466,7 @@
             </a:pPr>
             <a:r>
               <a:rPr lang="en-IN" dirty="0"/>
-              <a:t>	Used to copy the files from local machine to image OR from another image to current image.</a:t>
+              <a:t>	FROM http:stable</a:t>
             </a:r>
           </a:p>
           <a:p>
@@ -4472,24 +5475,13 @@
             </a:pPr>
             <a:r>
               <a:rPr lang="en-IN" dirty="0"/>
-              <a:t>	COPY ./*.html   /</a:t>
+              <a:t>	FROM </a:t>
             </a:r>
             <a:r>
               <a:rPr lang="en-IN" dirty="0" err="1"/>
-              <a:t>usr</a:t>
-            </a:r>
-            <a:r>
-              <a:rPr lang="en-IN" dirty="0"/>
-              <a:t>/</a:t>
-            </a:r>
-            <a:r>
-              <a:rPr lang="en-IN" dirty="0" err="1"/>
-              <a:t>mydata</a:t>
-            </a:r>
-            <a:r>
-              <a:rPr lang="en-IN" dirty="0"/>
-              <a:t>/ </a:t>
-            </a:r>
+              <a:t>nginx:latest</a:t>
+            </a:r>
+            <a:endParaRPr lang="en-IN" dirty="0"/>
           </a:p>
           <a:p>
             <a:pPr marL="0" indent="0">
@@ -4497,15 +5489,21 @@
             </a:pPr>
             <a:r>
               <a:rPr lang="en-IN" dirty="0"/>
-              <a:t>	COPY ./*.xml   /</a:t>
+              <a:t>	FROM </a:t>
             </a:r>
             <a:r>
               <a:rPr lang="en-IN" dirty="0" err="1"/>
-              <a:t>usr</a:t>
-            </a:r>
-            <a:r>
-              <a:rPr lang="en-IN" dirty="0"/>
-              <a:t>/data/</a:t>
+              <a:t>microsoft</a:t>
+            </a:r>
+            <a:r>
+              <a:rPr lang="en-IN" dirty="0"/>
+              <a:t>/dotnet:2.2-runtime</a:t>
+            </a:r>
+          </a:p>
+          <a:p>
+            <a:r>
+              <a:rPr lang="en-IN" dirty="0"/>
+              <a:t>LABEL</a:t>
             </a:r>
           </a:p>
           <a:p>
@@ -4514,100 +5512,94 @@
             </a:pPr>
             <a:r>
               <a:rPr lang="en-IN" dirty="0"/>
-              <a:t>	COPY –from=</a:t>
-            </a:r>
-            <a:r>
-              <a:rPr lang="en-IN" dirty="0" err="1"/>
-              <a:t>stagename</a:t>
-            </a:r>
-            <a:r>
-              <a:rPr lang="en-IN" dirty="0"/>
-              <a:t> /*.xml   /data</a:t>
-            </a:r>
-          </a:p>
-          <a:p>
-            <a:r>
-              <a:rPr lang="en-IN" dirty="0"/>
-              <a:t>RUN</a:t>
-            </a:r>
-          </a:p>
-          <a:p>
-            <a:pPr lvl="1"/>
-            <a:r>
-              <a:rPr lang="en-IN" dirty="0"/>
-              <a:t>Execute the commands at the time of BUILDING the image.</a:t>
-            </a:r>
-          </a:p>
-          <a:p>
-            <a:pPr lvl="1"/>
-            <a:r>
-              <a:rPr lang="en-IN" dirty="0"/>
-              <a:t>Syntax: RUN “</a:t>
-            </a:r>
-            <a:r>
-              <a:rPr lang="en-IN" dirty="0" err="1"/>
-              <a:t>cmd</a:t>
-            </a:r>
-            <a:r>
-              <a:rPr lang="en-IN" dirty="0"/>
-              <a:t>” “</a:t>
-            </a:r>
-            <a:r>
-              <a:rPr lang="en-IN" dirty="0" err="1"/>
-              <a:t>args</a:t>
-            </a:r>
-            <a:r>
-              <a:rPr lang="en-IN" dirty="0"/>
-              <a:t>”</a:t>
-            </a:r>
-          </a:p>
-          <a:p>
-            <a:pPr lvl="1"/>
-            <a:r>
-              <a:rPr lang="en-IN" dirty="0"/>
-              <a:t>RUN “grep –g </a:t>
-            </a:r>
-            <a:r>
-              <a:rPr lang="en-IN" dirty="0" err="1"/>
-              <a:t>dfsfdsfdsf</a:t>
-            </a:r>
-            <a:r>
-              <a:rPr lang="en-IN" dirty="0"/>
-              <a:t>”</a:t>
-            </a:r>
-          </a:p>
-          <a:p>
-            <a:pPr lvl="1"/>
-            <a:r>
-              <a:rPr lang="en-IN" dirty="0"/>
-              <a:t>RUN </a:t>
-            </a:r>
-            <a:r>
-              <a:rPr lang="en-IN" dirty="0" err="1"/>
-              <a:t>npm</a:t>
-            </a:r>
-            <a:r>
-              <a:rPr lang="en-IN" dirty="0"/>
-              <a:t> install &amp;&amp; </a:t>
-            </a:r>
-            <a:r>
-              <a:rPr lang="en-IN" dirty="0" err="1"/>
-              <a:t>npm</a:t>
-            </a:r>
-            <a:r>
-              <a:rPr lang="en-IN" dirty="0"/>
-              <a:t> run build</a:t>
-            </a:r>
-          </a:p>
-          <a:p>
-            <a:endParaRPr lang="en-IN" dirty="0"/>
+              <a:t>	Adding metadata to the image, such as comments</a:t>
+            </a:r>
+          </a:p>
+          <a:p>
+            <a:pPr marL="0" indent="0">
+              <a:buNone/>
+            </a:pPr>
+            <a:r>
+              <a:rPr lang="en-IN" dirty="0"/>
+              <a:t>	LABEL author=sonusathyadas</a:t>
+            </a:r>
+          </a:p>
+          <a:p>
+            <a:pPr marL="0" indent="0">
+              <a:buNone/>
+            </a:pPr>
+            <a:r>
+              <a:rPr lang="en-IN" dirty="0"/>
+              <a:t>	LABEL version=2.0</a:t>
+            </a:r>
+          </a:p>
+          <a:p>
+            <a:r>
+              <a:rPr lang="en-IN" dirty="0"/>
+              <a:t>WORKDIR</a:t>
+            </a:r>
+          </a:p>
+          <a:p>
+            <a:pPr marL="457200" lvl="1" indent="0">
+              <a:buNone/>
+            </a:pPr>
+            <a:r>
+              <a:rPr lang="en-IN" dirty="0"/>
+              <a:t>	Set the current working directory within the image.</a:t>
+            </a:r>
+          </a:p>
+          <a:p>
+            <a:pPr marL="457200" lvl="1" indent="0">
+              <a:buNone/>
+            </a:pPr>
+            <a:r>
+              <a:rPr lang="en-IN" dirty="0"/>
+              <a:t>	WORKDIR </a:t>
+            </a:r>
+            <a:r>
+              <a:rPr lang="en-IN" dirty="0">
+                <a:solidFill>
+                  <a:srgbClr val="FF0000"/>
+                </a:solidFill>
+              </a:rPr>
+              <a:t>/</a:t>
+            </a:r>
+            <a:r>
+              <a:rPr lang="en-IN" dirty="0" err="1">
+                <a:solidFill>
+                  <a:srgbClr val="FF0000"/>
+                </a:solidFill>
+              </a:rPr>
+              <a:t>usr</a:t>
+            </a:r>
+            <a:r>
+              <a:rPr lang="en-IN" dirty="0">
+                <a:solidFill>
+                  <a:srgbClr val="FF0000"/>
+                </a:solidFill>
+              </a:rPr>
+              <a:t>/httpd/html/</a:t>
+            </a:r>
+            <a:r>
+              <a:rPr lang="en-IN" dirty="0" err="1">
+                <a:solidFill>
+                  <a:srgbClr val="FF0000"/>
+                </a:solidFill>
+              </a:rPr>
+              <a:t>htdocs</a:t>
+            </a:r>
+            <a:endParaRPr lang="en-IN" dirty="0">
+              <a:solidFill>
+                <a:srgbClr val="FF0000"/>
+              </a:solidFill>
+            </a:endParaRPr>
           </a:p>
         </p:txBody>
       </p:sp>
     </p:spTree>
     <p:extLst>
       <p:ext uri="{BB962C8B-B14F-4D97-AF65-F5344CB8AC3E}">
-        <p14:creationId xmlns:p14="http://schemas.microsoft.com/office/powerpoint/2010/main" val="2216098443"/>
+        <p14:creationId xmlns:p14="http://schemas.microsoft.com/office/powerpoint/2010/main" val="3231443025"/>
       </p:ext>
     </p:extLst>
   </p:cSld>
@@ -4639,7 +5631,7 @@
           <p:cNvPr id="2" name="Title 1">
             <a:extLst>
               <a:ext uri="{FF2B5EF4-FFF2-40B4-BE49-F238E27FC236}">
-                <a16:creationId xmlns:a16="http://schemas.microsoft.com/office/drawing/2014/main" id="{55918ECF-A8D4-4124-BF3B-098EE40B0833}"/>
+                <a16:creationId xmlns:a16="http://schemas.microsoft.com/office/drawing/2014/main" id="{FB83AF11-E435-4022-8E8F-59A629950EDB}"/>
               </a:ext>
             </a:extLst>
           </p:cNvPr>
@@ -4672,7 +5664,7 @@
           <p:cNvPr id="3" name="Content Placeholder 2">
             <a:extLst>
               <a:ext uri="{FF2B5EF4-FFF2-40B4-BE49-F238E27FC236}">
-                <a16:creationId xmlns:a16="http://schemas.microsoft.com/office/drawing/2014/main" id="{F33F03F8-69D5-47DB-8FC0-F4A2B04FB14B}"/>
+                <a16:creationId xmlns:a16="http://schemas.microsoft.com/office/drawing/2014/main" id="{1EF10324-6DC1-4D28-8393-BD77A3D18425}"/>
               </a:ext>
             </a:extLst>
           </p:cNvPr>
@@ -4686,89 +5678,155 @@
         <p:spPr/>
         <p:txBody>
           <a:bodyPr>
-            <a:normAutofit lnSpcReduction="10000"/>
+            <a:normAutofit fontScale="92500" lnSpcReduction="10000"/>
           </a:bodyPr>
           <a:lstStyle/>
           <a:p>
             <a:r>
               <a:rPr lang="en-IN" dirty="0"/>
-              <a:t>EXPOSE</a:t>
+              <a:t>COPY</a:t>
+            </a:r>
+          </a:p>
+          <a:p>
+            <a:pPr marL="0" indent="0">
+              <a:buNone/>
+            </a:pPr>
+            <a:r>
+              <a:rPr lang="en-IN" dirty="0"/>
+              <a:t>	Used to copy the files from local machine to image OR from another image to current image.</a:t>
+            </a:r>
+          </a:p>
+          <a:p>
+            <a:pPr marL="0" indent="0">
+              <a:buNone/>
+            </a:pPr>
+            <a:r>
+              <a:rPr lang="en-IN" dirty="0"/>
+              <a:t>	COPY ./*.html   /</a:t>
+            </a:r>
+            <a:r>
+              <a:rPr lang="en-IN" dirty="0" err="1"/>
+              <a:t>usr</a:t>
+            </a:r>
+            <a:r>
+              <a:rPr lang="en-IN" dirty="0"/>
+              <a:t>/</a:t>
+            </a:r>
+            <a:r>
+              <a:rPr lang="en-IN" dirty="0" err="1"/>
+              <a:t>mydata</a:t>
+            </a:r>
+            <a:r>
+              <a:rPr lang="en-IN" dirty="0"/>
+              <a:t>/ </a:t>
+            </a:r>
+          </a:p>
+          <a:p>
+            <a:pPr marL="0" indent="0">
+              <a:buNone/>
+            </a:pPr>
+            <a:r>
+              <a:rPr lang="en-IN" dirty="0"/>
+              <a:t>	COPY ./*.xml   /</a:t>
+            </a:r>
+            <a:r>
+              <a:rPr lang="en-IN" dirty="0" err="1"/>
+              <a:t>usr</a:t>
+            </a:r>
+            <a:r>
+              <a:rPr lang="en-IN" dirty="0"/>
+              <a:t>/data/</a:t>
+            </a:r>
+          </a:p>
+          <a:p>
+            <a:pPr marL="0" indent="0">
+              <a:buNone/>
+            </a:pPr>
+            <a:r>
+              <a:rPr lang="en-IN" dirty="0"/>
+              <a:t>	COPY –from=</a:t>
+            </a:r>
+            <a:r>
+              <a:rPr lang="en-IN" dirty="0" err="1"/>
+              <a:t>stagename</a:t>
+            </a:r>
+            <a:r>
+              <a:rPr lang="en-IN" dirty="0"/>
+              <a:t> /*.xml   /data</a:t>
+            </a:r>
+          </a:p>
+          <a:p>
+            <a:r>
+              <a:rPr lang="en-IN" dirty="0"/>
+              <a:t>RUN</a:t>
             </a:r>
           </a:p>
           <a:p>
             <a:pPr lvl="1"/>
             <a:r>
               <a:rPr lang="en-IN" dirty="0"/>
-              <a:t>Used to specify the Port number to open</a:t>
+              <a:t>Execute the commands at the time of BUILDING the image.</a:t>
             </a:r>
           </a:p>
           <a:p>
             <a:pPr lvl="1"/>
             <a:r>
               <a:rPr lang="en-IN" dirty="0"/>
-              <a:t>EXPOSE 5000</a:t>
-            </a:r>
-          </a:p>
-          <a:p>
-            <a:r>
-              <a:rPr lang="en-IN" dirty="0"/>
-              <a:t>ENV</a:t>
+              <a:t>Syntax: RUN “</a:t>
+            </a:r>
+            <a:r>
+              <a:rPr lang="en-IN" dirty="0" err="1"/>
+              <a:t>cmd</a:t>
+            </a:r>
+            <a:r>
+              <a:rPr lang="en-IN" dirty="0"/>
+              <a:t>” “</a:t>
+            </a:r>
+            <a:r>
+              <a:rPr lang="en-IN" dirty="0" err="1"/>
+              <a:t>args</a:t>
+            </a:r>
+            <a:r>
+              <a:rPr lang="en-IN" dirty="0"/>
+              <a:t>”</a:t>
             </a:r>
           </a:p>
           <a:p>
             <a:pPr lvl="1"/>
             <a:r>
               <a:rPr lang="en-IN" dirty="0"/>
-              <a:t>Used to specify the environment variables</a:t>
+              <a:t>RUN “grep –g </a:t>
+            </a:r>
+            <a:r>
+              <a:rPr lang="en-IN" dirty="0" err="1"/>
+              <a:t>dfsfdsfdsf</a:t>
+            </a:r>
+            <a:r>
+              <a:rPr lang="en-IN" dirty="0"/>
+              <a:t>”</a:t>
             </a:r>
           </a:p>
           <a:p>
             <a:pPr lvl="1"/>
             <a:r>
               <a:rPr lang="en-IN" dirty="0"/>
-              <a:t>ENV </a:t>
+              <a:t>RUN </a:t>
             </a:r>
             <a:r>
               <a:rPr lang="en-IN" dirty="0" err="1"/>
-              <a:t>ConnectionStrings:SqlConnection</a:t>
-            </a:r>
-            <a:r>
-              <a:rPr lang="en-IN" dirty="0"/>
-              <a:t>=“</a:t>
+              <a:t>npm</a:t>
+            </a:r>
+            <a:r>
+              <a:rPr lang="en-IN" dirty="0"/>
+              <a:t> install &amp;&amp; </a:t>
             </a:r>
             <a:r>
               <a:rPr lang="en-IN" dirty="0" err="1"/>
-              <a:t>connectionstring</a:t>
-            </a:r>
-            <a:r>
-              <a:rPr lang="en-IN" dirty="0"/>
-              <a:t> value”</a:t>
-            </a:r>
-          </a:p>
-          <a:p>
-            <a:r>
-              <a:rPr lang="en-IN" dirty="0"/>
-              <a:t>CMD</a:t>
-            </a:r>
-          </a:p>
-          <a:p>
-            <a:pPr lvl="1"/>
-            <a:r>
-              <a:rPr lang="en-IN" dirty="0"/>
-              <a:t>Executing the command at the time of RUN the application</a:t>
-            </a:r>
-          </a:p>
-          <a:p>
-            <a:r>
-              <a:rPr lang="en-IN" dirty="0"/>
-              <a:t>ENTRYPOINT</a:t>
-            </a:r>
-          </a:p>
-          <a:p>
-            <a:pPr lvl="1"/>
-            <a:r>
-              <a:rPr lang="en-IN" dirty="0"/>
-              <a:t>Executing command at the rime of RUN the application.</a:t>
+              <a:t>npm</a:t>
+            </a:r>
+            <a:r>
+              <a:rPr lang="en-IN" dirty="0"/>
+              <a:t> run build</a:t>
             </a:r>
           </a:p>
           <a:p>
@@ -4779,7 +5837,7 @@
     </p:spTree>
     <p:extLst>
       <p:ext uri="{BB962C8B-B14F-4D97-AF65-F5344CB8AC3E}">
-        <p14:creationId xmlns:p14="http://schemas.microsoft.com/office/powerpoint/2010/main" val="1917329981"/>
+        <p14:creationId xmlns:p14="http://schemas.microsoft.com/office/powerpoint/2010/main" val="2216098443"/>
       </p:ext>
     </p:extLst>
   </p:cSld>
@@ -4808,1141 +5866,150 @@
       </p:grpSpPr>
       <p:sp>
         <p:nvSpPr>
-          <p:cNvPr id="4" name="Rectangle 3">
-            <a:extLst>
-              <a:ext uri="{FF2B5EF4-FFF2-40B4-BE49-F238E27FC236}">
-                <a16:creationId xmlns:a16="http://schemas.microsoft.com/office/drawing/2014/main" id="{A5417D38-3AB4-4B93-A8C5-236334B0C93F}"/>
-              </a:ext>
-            </a:extLst>
-          </p:cNvPr>
-          <p:cNvSpPr/>
-          <p:nvPr/>
-        </p:nvSpPr>
-        <p:spPr>
-          <a:xfrm>
-            <a:off x="446783" y="1605516"/>
-            <a:ext cx="10898909" cy="4837813"/>
-          </a:xfrm>
-          <a:prstGeom prst="rect">
-            <a:avLst/>
-          </a:prstGeom>
-          <a:noFill/>
-        </p:spPr>
-        <p:style>
-          <a:lnRef idx="2">
-            <a:schemeClr val="accent1">
-              <a:shade val="50000"/>
-            </a:schemeClr>
-          </a:lnRef>
-          <a:fillRef idx="1">
-            <a:schemeClr val="accent1"/>
-          </a:fillRef>
-          <a:effectRef idx="0">
-            <a:schemeClr val="accent1"/>
-          </a:effectRef>
-          <a:fontRef idx="minor">
-            <a:schemeClr val="lt1"/>
-          </a:fontRef>
-        </p:style>
-        <p:txBody>
-          <a:bodyPr rtlCol="0" anchor="ctr"/>
-          <a:lstStyle/>
-          <a:p>
-            <a:pPr algn="ctr"/>
-            <a:endParaRPr lang="en-IN"/>
-          </a:p>
-        </p:txBody>
-      </p:sp>
-      <p:sp>
-        <p:nvSpPr>
-          <p:cNvPr id="5" name="TextBox 4">
-            <a:extLst>
-              <a:ext uri="{FF2B5EF4-FFF2-40B4-BE49-F238E27FC236}">
-                <a16:creationId xmlns:a16="http://schemas.microsoft.com/office/drawing/2014/main" id="{1EEBCF16-5786-4A0E-BF41-A81531195BA7}"/>
-              </a:ext>
-            </a:extLst>
-          </p:cNvPr>
-          <p:cNvSpPr txBox="1"/>
-          <p:nvPr/>
-        </p:nvSpPr>
-        <p:spPr>
-          <a:xfrm>
-            <a:off x="10027171" y="6044464"/>
-            <a:ext cx="1071447" cy="369332"/>
-          </a:xfrm>
-          <a:prstGeom prst="rect">
-            <a:avLst/>
-          </a:prstGeom>
-          <a:noFill/>
-        </p:spPr>
-        <p:txBody>
-          <a:bodyPr wrap="none" rtlCol="0">
-            <a:spAutoFit/>
+          <p:cNvPr id="2" name="Title 1">
+            <a:extLst>
+              <a:ext uri="{FF2B5EF4-FFF2-40B4-BE49-F238E27FC236}">
+                <a16:creationId xmlns:a16="http://schemas.microsoft.com/office/drawing/2014/main" id="{55918ECF-A8D4-4124-BF3B-098EE40B0833}"/>
+              </a:ext>
+            </a:extLst>
+          </p:cNvPr>
+          <p:cNvSpPr>
+            <a:spLocks noGrp="1"/>
+          </p:cNvSpPr>
+          <p:nvPr>
+            <p:ph type="title"/>
+          </p:nvPr>
+        </p:nvSpPr>
+        <p:spPr/>
+        <p:txBody>
+          <a:bodyPr/>
+          <a:lstStyle/>
+          <a:p>
+            <a:r>
+              <a:rPr lang="en-IN" dirty="0"/>
+              <a:t>Commands in </a:t>
+            </a:r>
+            <a:r>
+              <a:rPr lang="en-IN" dirty="0" err="1"/>
+              <a:t>Dockerfile</a:t>
+            </a:r>
+            <a:endParaRPr lang="en-IN" dirty="0"/>
+          </a:p>
+        </p:txBody>
+      </p:sp>
+      <p:sp>
+        <p:nvSpPr>
+          <p:cNvPr id="3" name="Content Placeholder 2">
+            <a:extLst>
+              <a:ext uri="{FF2B5EF4-FFF2-40B4-BE49-F238E27FC236}">
+                <a16:creationId xmlns:a16="http://schemas.microsoft.com/office/drawing/2014/main" id="{F33F03F8-69D5-47DB-8FC0-F4A2B04FB14B}"/>
+              </a:ext>
+            </a:extLst>
+          </p:cNvPr>
+          <p:cNvSpPr>
+            <a:spLocks noGrp="1"/>
+          </p:cNvSpPr>
+          <p:nvPr>
+            <p:ph idx="1"/>
+          </p:nvPr>
+        </p:nvSpPr>
+        <p:spPr/>
+        <p:txBody>
+          <a:bodyPr>
+            <a:normAutofit lnSpcReduction="10000"/>
           </a:bodyPr>
           <a:lstStyle/>
           <a:p>
             <a:r>
               <a:rPr lang="en-IN" dirty="0"/>
-              <a:t>Localhost</a:t>
-            </a:r>
-          </a:p>
-        </p:txBody>
-      </p:sp>
-      <p:sp>
-        <p:nvSpPr>
-          <p:cNvPr id="6" name="Rectangle: Rounded Corners 5">
-            <a:extLst>
-              <a:ext uri="{FF2B5EF4-FFF2-40B4-BE49-F238E27FC236}">
-                <a16:creationId xmlns:a16="http://schemas.microsoft.com/office/drawing/2014/main" id="{43AA0A84-DDB3-40D5-85B8-F8C5E45C17FC}"/>
-              </a:ext>
-            </a:extLst>
-          </p:cNvPr>
-          <p:cNvSpPr/>
-          <p:nvPr/>
-        </p:nvSpPr>
-        <p:spPr>
-          <a:xfrm>
-            <a:off x="696163" y="1714381"/>
-            <a:ext cx="10402455" cy="1526724"/>
-          </a:xfrm>
-          <a:prstGeom prst="roundRect">
-            <a:avLst/>
-          </a:prstGeom>
-          <a:solidFill>
-            <a:schemeClr val="accent1">
-              <a:lumMod val="20000"/>
-              <a:lumOff val="80000"/>
-            </a:schemeClr>
-          </a:solidFill>
-        </p:spPr>
-        <p:style>
-          <a:lnRef idx="2">
-            <a:schemeClr val="accent1">
-              <a:shade val="50000"/>
-            </a:schemeClr>
-          </a:lnRef>
-          <a:fillRef idx="1">
-            <a:schemeClr val="accent1"/>
-          </a:fillRef>
-          <a:effectRef idx="0">
-            <a:schemeClr val="accent1"/>
-          </a:effectRef>
-          <a:fontRef idx="minor">
-            <a:schemeClr val="lt1"/>
-          </a:fontRef>
-        </p:style>
-        <p:txBody>
-          <a:bodyPr rtlCol="0" anchor="ctr"/>
-          <a:lstStyle/>
-          <a:p>
-            <a:pPr algn="ctr"/>
+              <a:t>EXPOSE</a:t>
+            </a:r>
+          </a:p>
+          <a:p>
+            <a:pPr lvl="1"/>
+            <a:r>
+              <a:rPr lang="en-IN" dirty="0"/>
+              <a:t>Used to specify the Port number to open</a:t>
+            </a:r>
+          </a:p>
+          <a:p>
+            <a:pPr lvl="1"/>
+            <a:r>
+              <a:rPr lang="en-IN" dirty="0"/>
+              <a:t>EXPOSE 5000</a:t>
+            </a:r>
+          </a:p>
+          <a:p>
+            <a:r>
+              <a:rPr lang="en-IN" dirty="0"/>
+              <a:t>ENV</a:t>
+            </a:r>
+          </a:p>
+          <a:p>
+            <a:pPr lvl="1"/>
+            <a:r>
+              <a:rPr lang="en-IN" dirty="0"/>
+              <a:t>Used to specify the environment variables</a:t>
+            </a:r>
+          </a:p>
+          <a:p>
+            <a:pPr lvl="1"/>
+            <a:r>
+              <a:rPr lang="en-IN" dirty="0"/>
+              <a:t>ENV </a:t>
+            </a:r>
+            <a:r>
+              <a:rPr lang="en-IN" dirty="0" err="1"/>
+              <a:t>ConnectionStrings:SqlConnection</a:t>
+            </a:r>
+            <a:r>
+              <a:rPr lang="en-IN" dirty="0"/>
+              <a:t>=“</a:t>
+            </a:r>
+            <a:r>
+              <a:rPr lang="en-IN" dirty="0" err="1"/>
+              <a:t>connectionstring</a:t>
+            </a:r>
+            <a:r>
+              <a:rPr lang="en-IN" dirty="0"/>
+              <a:t> value”</a:t>
+            </a:r>
+          </a:p>
+          <a:p>
+            <a:r>
+              <a:rPr lang="en-IN" dirty="0"/>
+              <a:t>CMD</a:t>
+            </a:r>
+          </a:p>
+          <a:p>
+            <a:pPr lvl="1"/>
+            <a:r>
+              <a:rPr lang="en-IN" dirty="0"/>
+              <a:t>Executing the command at the time of RUN the application</a:t>
+            </a:r>
+          </a:p>
+          <a:p>
+            <a:r>
+              <a:rPr lang="en-IN" dirty="0"/>
+              <a:t>ENTRYPOINT</a:t>
+            </a:r>
+          </a:p>
+          <a:p>
+            <a:pPr lvl="1"/>
+            <a:r>
+              <a:rPr lang="en-IN" dirty="0"/>
+              <a:t>Executing command at the rime of RUN the application.</a:t>
+            </a:r>
+          </a:p>
+          <a:p>
             <a:endParaRPr lang="en-IN" dirty="0"/>
-          </a:p>
-        </p:txBody>
-      </p:sp>
-      <p:sp>
-        <p:nvSpPr>
-          <p:cNvPr id="7" name="Rectangle 6">
-            <a:extLst>
-              <a:ext uri="{FF2B5EF4-FFF2-40B4-BE49-F238E27FC236}">
-                <a16:creationId xmlns:a16="http://schemas.microsoft.com/office/drawing/2014/main" id="{76DDF83C-1EF7-4384-99D9-AF5355C8D08C}"/>
-              </a:ext>
-            </a:extLst>
-          </p:cNvPr>
-          <p:cNvSpPr/>
-          <p:nvPr/>
-        </p:nvSpPr>
-        <p:spPr>
-          <a:xfrm>
-            <a:off x="1084092" y="2077323"/>
-            <a:ext cx="2190736" cy="600364"/>
-          </a:xfrm>
-          <a:prstGeom prst="rect">
-            <a:avLst/>
-          </a:prstGeom>
-        </p:spPr>
-        <p:style>
-          <a:lnRef idx="2">
-            <a:schemeClr val="accent1">
-              <a:shade val="50000"/>
-            </a:schemeClr>
-          </a:lnRef>
-          <a:fillRef idx="1">
-            <a:schemeClr val="accent1"/>
-          </a:fillRef>
-          <a:effectRef idx="0">
-            <a:schemeClr val="accent1"/>
-          </a:effectRef>
-          <a:fontRef idx="minor">
-            <a:schemeClr val="lt1"/>
-          </a:fontRef>
-        </p:style>
-        <p:txBody>
-          <a:bodyPr rtlCol="0" anchor="ctr"/>
-          <a:lstStyle/>
-          <a:p>
-            <a:pPr algn="ctr"/>
-            <a:r>
-              <a:rPr lang="en-IN" dirty="0" err="1"/>
-              <a:t>IdentityAPI</a:t>
-            </a:r>
-            <a:r>
-              <a:rPr lang="en-IN" dirty="0"/>
-              <a:t> :5000</a:t>
-            </a:r>
-          </a:p>
-        </p:txBody>
-      </p:sp>
-      <p:sp>
-        <p:nvSpPr>
-          <p:cNvPr id="9" name="Rectangle 8">
-            <a:extLst>
-              <a:ext uri="{FF2B5EF4-FFF2-40B4-BE49-F238E27FC236}">
-                <a16:creationId xmlns:a16="http://schemas.microsoft.com/office/drawing/2014/main" id="{551C8487-48FC-452C-9E89-B6E2C3753403}"/>
-              </a:ext>
-            </a:extLst>
-          </p:cNvPr>
-          <p:cNvSpPr/>
-          <p:nvPr/>
-        </p:nvSpPr>
-        <p:spPr>
-          <a:xfrm>
-            <a:off x="797442" y="5337760"/>
-            <a:ext cx="3402418" cy="797226"/>
-          </a:xfrm>
-          <a:prstGeom prst="rect">
-            <a:avLst/>
-          </a:prstGeom>
-        </p:spPr>
-        <p:style>
-          <a:lnRef idx="2">
-            <a:schemeClr val="accent1">
-              <a:shade val="50000"/>
-            </a:schemeClr>
-          </a:lnRef>
-          <a:fillRef idx="1">
-            <a:schemeClr val="accent1"/>
-          </a:fillRef>
-          <a:effectRef idx="0">
-            <a:schemeClr val="accent1"/>
-          </a:effectRef>
-          <a:fontRef idx="minor">
-            <a:schemeClr val="lt1"/>
-          </a:fontRef>
-        </p:style>
-        <p:txBody>
-          <a:bodyPr rtlCol="0" anchor="ctr"/>
-          <a:lstStyle/>
-          <a:p>
-            <a:pPr algn="ctr"/>
-            <a:r>
-              <a:rPr lang="en-IN" dirty="0"/>
-              <a:t>Chrome</a:t>
-            </a:r>
-          </a:p>
-        </p:txBody>
-      </p:sp>
-      <p:cxnSp>
-        <p:nvCxnSpPr>
-          <p:cNvPr id="11" name="Straight Arrow Connector 10">
-            <a:extLst>
-              <a:ext uri="{FF2B5EF4-FFF2-40B4-BE49-F238E27FC236}">
-                <a16:creationId xmlns:a16="http://schemas.microsoft.com/office/drawing/2014/main" id="{7BDA5D5D-6BD8-4C8F-A617-17FF1EF5DF11}"/>
-              </a:ext>
-            </a:extLst>
-          </p:cNvPr>
-          <p:cNvCxnSpPr>
-            <a:cxnSpLocks/>
-          </p:cNvCxnSpPr>
-          <p:nvPr/>
-        </p:nvCxnSpPr>
-        <p:spPr>
-          <a:xfrm flipV="1">
-            <a:off x="2289437" y="3241105"/>
-            <a:ext cx="0" cy="2327564"/>
-          </a:xfrm>
-          <a:prstGeom prst="straightConnector1">
-            <a:avLst/>
-          </a:prstGeom>
-          <a:ln w="57150">
-            <a:solidFill>
-              <a:schemeClr val="accent2">
-                <a:lumMod val="75000"/>
-              </a:schemeClr>
-            </a:solidFill>
-            <a:tailEnd type="triangle"/>
-          </a:ln>
-        </p:spPr>
-        <p:style>
-          <a:lnRef idx="1">
-            <a:schemeClr val="accent1"/>
-          </a:lnRef>
-          <a:fillRef idx="0">
-            <a:schemeClr val="accent1"/>
-          </a:fillRef>
-          <a:effectRef idx="0">
-            <a:schemeClr val="accent1"/>
-          </a:effectRef>
-          <a:fontRef idx="minor">
-            <a:schemeClr val="tx1"/>
-          </a:fontRef>
-        </p:style>
-      </p:cxnSp>
-      <p:sp>
-        <p:nvSpPr>
-          <p:cNvPr id="12" name="TextBox 11">
-            <a:extLst>
-              <a:ext uri="{FF2B5EF4-FFF2-40B4-BE49-F238E27FC236}">
-                <a16:creationId xmlns:a16="http://schemas.microsoft.com/office/drawing/2014/main" id="{DFC254DB-A85A-46AA-8318-1F787F17EDA8}"/>
-              </a:ext>
-            </a:extLst>
-          </p:cNvPr>
-          <p:cNvSpPr txBox="1"/>
-          <p:nvPr/>
-        </p:nvSpPr>
-        <p:spPr>
-          <a:xfrm>
-            <a:off x="1402746" y="1754051"/>
-            <a:ext cx="1773382" cy="369332"/>
-          </a:xfrm>
-          <a:prstGeom prst="rect">
-            <a:avLst/>
-          </a:prstGeom>
-          <a:noFill/>
-        </p:spPr>
-        <p:txBody>
-          <a:bodyPr wrap="square" rtlCol="0">
-            <a:spAutoFit/>
-          </a:bodyPr>
-          <a:lstStyle/>
-          <a:p>
-            <a:r>
-              <a:rPr lang="en-IN" dirty="0"/>
-              <a:t>172.17.0.3</a:t>
-            </a:r>
-          </a:p>
-        </p:txBody>
-      </p:sp>
-      <p:sp>
-        <p:nvSpPr>
-          <p:cNvPr id="13" name="TextBox 12">
-            <a:extLst>
-              <a:ext uri="{FF2B5EF4-FFF2-40B4-BE49-F238E27FC236}">
-                <a16:creationId xmlns:a16="http://schemas.microsoft.com/office/drawing/2014/main" id="{4CEAB2F5-6F5C-4ACB-A3FA-4E6FAB32D034}"/>
-              </a:ext>
-            </a:extLst>
-          </p:cNvPr>
-          <p:cNvSpPr txBox="1"/>
-          <p:nvPr/>
-        </p:nvSpPr>
-        <p:spPr>
-          <a:xfrm>
-            <a:off x="8336945" y="2881547"/>
-            <a:ext cx="2623127" cy="369332"/>
-          </a:xfrm>
-          <a:prstGeom prst="rect">
-            <a:avLst/>
-          </a:prstGeom>
-          <a:noFill/>
-        </p:spPr>
-        <p:txBody>
-          <a:bodyPr wrap="square" rtlCol="0">
-            <a:spAutoFit/>
-          </a:bodyPr>
-          <a:lstStyle/>
-          <a:p>
-            <a:r>
-              <a:rPr lang="en-IN" dirty="0"/>
-              <a:t>Docker Bridge network</a:t>
-            </a:r>
-          </a:p>
-        </p:txBody>
-      </p:sp>
-      <p:sp>
-        <p:nvSpPr>
-          <p:cNvPr id="14" name="TextBox 13">
-            <a:extLst>
-              <a:ext uri="{FF2B5EF4-FFF2-40B4-BE49-F238E27FC236}">
-                <a16:creationId xmlns:a16="http://schemas.microsoft.com/office/drawing/2014/main" id="{2A45AC4C-E471-4DE6-B7F7-72F712D6F1A4}"/>
-              </a:ext>
-            </a:extLst>
-          </p:cNvPr>
-          <p:cNvSpPr txBox="1"/>
-          <p:nvPr/>
-        </p:nvSpPr>
-        <p:spPr>
-          <a:xfrm>
-            <a:off x="1952310" y="2950282"/>
-            <a:ext cx="780473" cy="369332"/>
-          </a:xfrm>
-          <a:prstGeom prst="rect">
-            <a:avLst/>
-          </a:prstGeom>
-          <a:noFill/>
-        </p:spPr>
-        <p:txBody>
-          <a:bodyPr wrap="square" rtlCol="0">
-            <a:spAutoFit/>
-          </a:bodyPr>
-          <a:lstStyle/>
-          <a:p>
-            <a:r>
-              <a:rPr lang="en-IN" dirty="0"/>
-              <a:t>5000</a:t>
-            </a:r>
-          </a:p>
-        </p:txBody>
-      </p:sp>
-      <p:cxnSp>
-        <p:nvCxnSpPr>
-          <p:cNvPr id="15" name="Straight Arrow Connector 14">
-            <a:extLst>
-              <a:ext uri="{FF2B5EF4-FFF2-40B4-BE49-F238E27FC236}">
-                <a16:creationId xmlns:a16="http://schemas.microsoft.com/office/drawing/2014/main" id="{62907E4D-2878-4FFF-8FFE-2698BCD842CD}"/>
-              </a:ext>
-            </a:extLst>
-          </p:cNvPr>
-          <p:cNvCxnSpPr>
-            <a:cxnSpLocks/>
-          </p:cNvCxnSpPr>
-          <p:nvPr/>
-        </p:nvCxnSpPr>
-        <p:spPr>
-          <a:xfrm flipV="1">
-            <a:off x="2270964" y="2511432"/>
-            <a:ext cx="0" cy="438850"/>
-          </a:xfrm>
-          <a:prstGeom prst="straightConnector1">
-            <a:avLst/>
-          </a:prstGeom>
-          <a:ln w="57150">
-            <a:solidFill>
-              <a:schemeClr val="accent2">
-                <a:lumMod val="75000"/>
-              </a:schemeClr>
-            </a:solidFill>
-            <a:tailEnd type="triangle"/>
-          </a:ln>
-        </p:spPr>
-        <p:style>
-          <a:lnRef idx="1">
-            <a:schemeClr val="accent1"/>
-          </a:lnRef>
-          <a:fillRef idx="0">
-            <a:schemeClr val="accent1"/>
-          </a:fillRef>
-          <a:effectRef idx="0">
-            <a:schemeClr val="accent1"/>
-          </a:effectRef>
-          <a:fontRef idx="minor">
-            <a:schemeClr val="tx1"/>
-          </a:fontRef>
-        </p:style>
-      </p:cxnSp>
-      <p:sp>
-        <p:nvSpPr>
-          <p:cNvPr id="28" name="Rectangle 27">
-            <a:extLst>
-              <a:ext uri="{FF2B5EF4-FFF2-40B4-BE49-F238E27FC236}">
-                <a16:creationId xmlns:a16="http://schemas.microsoft.com/office/drawing/2014/main" id="{0BD29F43-98A0-44F2-92BD-415BB69A215F}"/>
-              </a:ext>
-            </a:extLst>
-          </p:cNvPr>
-          <p:cNvSpPr/>
-          <p:nvPr/>
-        </p:nvSpPr>
-        <p:spPr>
-          <a:xfrm>
-            <a:off x="5202436" y="3656802"/>
-            <a:ext cx="1432279" cy="600364"/>
-          </a:xfrm>
-          <a:prstGeom prst="rect">
-            <a:avLst/>
-          </a:prstGeom>
-        </p:spPr>
-        <p:style>
-          <a:lnRef idx="2">
-            <a:schemeClr val="accent1">
-              <a:shade val="50000"/>
-            </a:schemeClr>
-          </a:lnRef>
-          <a:fillRef idx="1">
-            <a:schemeClr val="accent1"/>
-          </a:fillRef>
-          <a:effectRef idx="0">
-            <a:schemeClr val="accent1"/>
-          </a:effectRef>
-          <a:fontRef idx="minor">
-            <a:schemeClr val="lt1"/>
-          </a:fontRef>
-        </p:style>
-        <p:txBody>
-          <a:bodyPr rtlCol="0" anchor="ctr"/>
-          <a:lstStyle/>
-          <a:p>
-            <a:pPr algn="ctr"/>
-            <a:r>
-              <a:rPr lang="en-IN" dirty="0"/>
-              <a:t>SQL Server 2017</a:t>
-            </a:r>
-          </a:p>
-        </p:txBody>
-      </p:sp>
-      <p:sp>
-        <p:nvSpPr>
-          <p:cNvPr id="29" name="Rectangle 28">
-            <a:extLst>
-              <a:ext uri="{FF2B5EF4-FFF2-40B4-BE49-F238E27FC236}">
-                <a16:creationId xmlns:a16="http://schemas.microsoft.com/office/drawing/2014/main" id="{E92BA989-6F37-4845-A7DF-A86B1DBCC435}"/>
-              </a:ext>
-            </a:extLst>
-          </p:cNvPr>
-          <p:cNvSpPr/>
-          <p:nvPr/>
-        </p:nvSpPr>
-        <p:spPr>
-          <a:xfrm>
-            <a:off x="4934527" y="5310049"/>
-            <a:ext cx="3402418" cy="797226"/>
-          </a:xfrm>
-          <a:prstGeom prst="rect">
-            <a:avLst/>
-          </a:prstGeom>
-        </p:spPr>
-        <p:style>
-          <a:lnRef idx="2">
-            <a:schemeClr val="accent1">
-              <a:shade val="50000"/>
-            </a:schemeClr>
-          </a:lnRef>
-          <a:fillRef idx="1">
-            <a:schemeClr val="accent1"/>
-          </a:fillRef>
-          <a:effectRef idx="0">
-            <a:schemeClr val="accent1"/>
-          </a:effectRef>
-          <a:fontRef idx="minor">
-            <a:schemeClr val="lt1"/>
-          </a:fontRef>
-        </p:style>
-        <p:txBody>
-          <a:bodyPr rtlCol="0" anchor="ctr"/>
-          <a:lstStyle/>
-          <a:p>
-            <a:pPr algn="ctr"/>
-            <a:r>
-              <a:rPr lang="en-IN" dirty="0"/>
-              <a:t>SSMS</a:t>
-            </a:r>
-          </a:p>
-        </p:txBody>
-      </p:sp>
-      <p:cxnSp>
-        <p:nvCxnSpPr>
-          <p:cNvPr id="30" name="Straight Arrow Connector 29">
-            <a:extLst>
-              <a:ext uri="{FF2B5EF4-FFF2-40B4-BE49-F238E27FC236}">
-                <a16:creationId xmlns:a16="http://schemas.microsoft.com/office/drawing/2014/main" id="{3169B0FA-2DB7-4A70-BBB9-73879B97B741}"/>
-              </a:ext>
-            </a:extLst>
-          </p:cNvPr>
-          <p:cNvCxnSpPr>
-            <a:cxnSpLocks/>
-          </p:cNvCxnSpPr>
-          <p:nvPr/>
-        </p:nvCxnSpPr>
-        <p:spPr>
-          <a:xfrm flipV="1">
-            <a:off x="6297804" y="4146267"/>
-            <a:ext cx="0" cy="1422402"/>
-          </a:xfrm>
-          <a:prstGeom prst="straightConnector1">
-            <a:avLst/>
-          </a:prstGeom>
-          <a:ln w="57150">
-            <a:solidFill>
-              <a:schemeClr val="accent2">
-                <a:lumMod val="75000"/>
-              </a:schemeClr>
-            </a:solidFill>
-            <a:tailEnd type="triangle"/>
-          </a:ln>
-        </p:spPr>
-        <p:style>
-          <a:lnRef idx="1">
-            <a:schemeClr val="accent1"/>
-          </a:lnRef>
-          <a:fillRef idx="0">
-            <a:schemeClr val="accent1"/>
-          </a:fillRef>
-          <a:effectRef idx="0">
-            <a:schemeClr val="accent1"/>
-          </a:effectRef>
-          <a:fontRef idx="minor">
-            <a:schemeClr val="tx1"/>
-          </a:fontRef>
-        </p:style>
-      </p:cxnSp>
-      <p:cxnSp>
-        <p:nvCxnSpPr>
-          <p:cNvPr id="33" name="Straight Arrow Connector 32">
-            <a:extLst>
-              <a:ext uri="{FF2B5EF4-FFF2-40B4-BE49-F238E27FC236}">
-                <a16:creationId xmlns:a16="http://schemas.microsoft.com/office/drawing/2014/main" id="{814EC400-F28F-492F-AD0A-E8B855861511}"/>
-              </a:ext>
-            </a:extLst>
-          </p:cNvPr>
-          <p:cNvCxnSpPr>
-            <a:cxnSpLocks/>
-            <a:stCxn id="7" idx="3"/>
-            <a:endCxn id="34" idx="1"/>
-          </p:cNvCxnSpPr>
-          <p:nvPr/>
-        </p:nvCxnSpPr>
-        <p:spPr>
-          <a:xfrm>
-            <a:off x="3274828" y="2377505"/>
-            <a:ext cx="1927607" cy="14775"/>
-          </a:xfrm>
-          <a:prstGeom prst="straightConnector1">
-            <a:avLst/>
-          </a:prstGeom>
-          <a:ln w="38100">
-            <a:solidFill>
-              <a:srgbClr val="00B050"/>
-            </a:solidFill>
-            <a:tailEnd type="triangle"/>
-          </a:ln>
-        </p:spPr>
-        <p:style>
-          <a:lnRef idx="1">
-            <a:schemeClr val="accent1"/>
-          </a:lnRef>
-          <a:fillRef idx="0">
-            <a:schemeClr val="accent1"/>
-          </a:fillRef>
-          <a:effectRef idx="0">
-            <a:schemeClr val="accent1"/>
-          </a:effectRef>
-          <a:fontRef idx="minor">
-            <a:schemeClr val="tx1"/>
-          </a:fontRef>
-        </p:style>
-      </p:cxnSp>
-      <p:sp>
-        <p:nvSpPr>
-          <p:cNvPr id="34" name="Rectangle 33">
-            <a:extLst>
-              <a:ext uri="{FF2B5EF4-FFF2-40B4-BE49-F238E27FC236}">
-                <a16:creationId xmlns:a16="http://schemas.microsoft.com/office/drawing/2014/main" id="{DE433A61-8F32-4EFC-9A1D-DC965BACE154}"/>
-              </a:ext>
-            </a:extLst>
-          </p:cNvPr>
-          <p:cNvSpPr/>
-          <p:nvPr/>
-        </p:nvSpPr>
-        <p:spPr>
-          <a:xfrm>
-            <a:off x="5202435" y="2092098"/>
-            <a:ext cx="2578653" cy="600364"/>
-          </a:xfrm>
-          <a:prstGeom prst="rect">
-            <a:avLst/>
-          </a:prstGeom>
-        </p:spPr>
-        <p:style>
-          <a:lnRef idx="2">
-            <a:schemeClr val="accent1">
-              <a:shade val="50000"/>
-            </a:schemeClr>
-          </a:lnRef>
-          <a:fillRef idx="1">
-            <a:schemeClr val="accent1"/>
-          </a:fillRef>
-          <a:effectRef idx="0">
-            <a:schemeClr val="accent1"/>
-          </a:effectRef>
-          <a:fontRef idx="minor">
-            <a:schemeClr val="lt1"/>
-          </a:fontRef>
-        </p:style>
-        <p:txBody>
-          <a:bodyPr rtlCol="0" anchor="ctr"/>
-          <a:lstStyle/>
-          <a:p>
-            <a:pPr algn="ctr"/>
-            <a:r>
-              <a:rPr lang="en-IN" dirty="0"/>
-              <a:t>SQL Server 2017:1433</a:t>
-            </a:r>
-          </a:p>
-        </p:txBody>
-      </p:sp>
-      <p:sp>
-        <p:nvSpPr>
-          <p:cNvPr id="37" name="TextBox 36">
-            <a:extLst>
-              <a:ext uri="{FF2B5EF4-FFF2-40B4-BE49-F238E27FC236}">
-                <a16:creationId xmlns:a16="http://schemas.microsoft.com/office/drawing/2014/main" id="{A34BE247-290B-4E38-AE3F-376F8406EEA0}"/>
-              </a:ext>
-            </a:extLst>
-          </p:cNvPr>
-          <p:cNvSpPr txBox="1"/>
-          <p:nvPr/>
-        </p:nvSpPr>
-        <p:spPr>
-          <a:xfrm>
-            <a:off x="5864750" y="1802159"/>
-            <a:ext cx="1773382" cy="369332"/>
-          </a:xfrm>
-          <a:prstGeom prst="rect">
-            <a:avLst/>
-          </a:prstGeom>
-          <a:noFill/>
-        </p:spPr>
-        <p:txBody>
-          <a:bodyPr wrap="square" rtlCol="0">
-            <a:spAutoFit/>
-          </a:bodyPr>
-          <a:lstStyle/>
-          <a:p>
-            <a:r>
-              <a:rPr lang="en-IN" dirty="0"/>
-              <a:t>172.17.0.2</a:t>
-            </a:r>
-          </a:p>
-        </p:txBody>
-      </p:sp>
-      <p:cxnSp>
-        <p:nvCxnSpPr>
-          <p:cNvPr id="39" name="Straight Arrow Connector 38">
-            <a:extLst>
-              <a:ext uri="{FF2B5EF4-FFF2-40B4-BE49-F238E27FC236}">
-                <a16:creationId xmlns:a16="http://schemas.microsoft.com/office/drawing/2014/main" id="{381CCC31-E32A-4CCF-9D7F-F41B93C76BE7}"/>
-              </a:ext>
-            </a:extLst>
-          </p:cNvPr>
-          <p:cNvCxnSpPr>
-            <a:cxnSpLocks/>
-          </p:cNvCxnSpPr>
-          <p:nvPr/>
-        </p:nvCxnSpPr>
-        <p:spPr>
-          <a:xfrm flipV="1">
-            <a:off x="7173218" y="3241105"/>
-            <a:ext cx="0" cy="2327564"/>
-          </a:xfrm>
-          <a:prstGeom prst="straightConnector1">
-            <a:avLst/>
-          </a:prstGeom>
-          <a:ln w="57150">
-            <a:solidFill>
-              <a:schemeClr val="accent2">
-                <a:lumMod val="75000"/>
-              </a:schemeClr>
-            </a:solidFill>
-            <a:tailEnd type="triangle"/>
-          </a:ln>
-        </p:spPr>
-        <p:style>
-          <a:lnRef idx="1">
-            <a:schemeClr val="accent1"/>
-          </a:lnRef>
-          <a:fillRef idx="0">
-            <a:schemeClr val="accent1"/>
-          </a:fillRef>
-          <a:effectRef idx="0">
-            <a:schemeClr val="accent1"/>
-          </a:effectRef>
-          <a:fontRef idx="minor">
-            <a:schemeClr val="tx1"/>
-          </a:fontRef>
-        </p:style>
-      </p:cxnSp>
-      <p:sp>
-        <p:nvSpPr>
-          <p:cNvPr id="41" name="TextBox 40">
-            <a:extLst>
-              <a:ext uri="{FF2B5EF4-FFF2-40B4-BE49-F238E27FC236}">
-                <a16:creationId xmlns:a16="http://schemas.microsoft.com/office/drawing/2014/main" id="{2D0C67D3-B51B-4743-8906-DC45B632BDDB}"/>
-              </a:ext>
-            </a:extLst>
-          </p:cNvPr>
-          <p:cNvSpPr txBox="1"/>
-          <p:nvPr/>
-        </p:nvSpPr>
-        <p:spPr>
-          <a:xfrm>
-            <a:off x="6813295" y="2931273"/>
-            <a:ext cx="780473" cy="369332"/>
-          </a:xfrm>
-          <a:prstGeom prst="rect">
-            <a:avLst/>
-          </a:prstGeom>
-          <a:noFill/>
-        </p:spPr>
-        <p:txBody>
-          <a:bodyPr wrap="square" rtlCol="0">
-            <a:spAutoFit/>
-          </a:bodyPr>
-          <a:lstStyle/>
-          <a:p>
-            <a:r>
-              <a:rPr lang="en-IN" dirty="0"/>
-              <a:t>1434</a:t>
-            </a:r>
-          </a:p>
-        </p:txBody>
-      </p:sp>
-      <p:cxnSp>
-        <p:nvCxnSpPr>
-          <p:cNvPr id="42" name="Straight Arrow Connector 41">
-            <a:extLst>
-              <a:ext uri="{FF2B5EF4-FFF2-40B4-BE49-F238E27FC236}">
-                <a16:creationId xmlns:a16="http://schemas.microsoft.com/office/drawing/2014/main" id="{0655787E-C750-4D0E-8A72-A8C4251937E8}"/>
-              </a:ext>
-            </a:extLst>
-          </p:cNvPr>
-          <p:cNvCxnSpPr>
-            <a:cxnSpLocks/>
-          </p:cNvCxnSpPr>
-          <p:nvPr/>
-        </p:nvCxnSpPr>
-        <p:spPr>
-          <a:xfrm flipV="1">
-            <a:off x="7173218" y="2513266"/>
-            <a:ext cx="0" cy="438850"/>
-          </a:xfrm>
-          <a:prstGeom prst="straightConnector1">
-            <a:avLst/>
-          </a:prstGeom>
-          <a:ln w="57150">
-            <a:solidFill>
-              <a:schemeClr val="accent2">
-                <a:lumMod val="75000"/>
-              </a:schemeClr>
-            </a:solidFill>
-            <a:tailEnd type="triangle"/>
-          </a:ln>
-        </p:spPr>
-        <p:style>
-          <a:lnRef idx="1">
-            <a:schemeClr val="accent1"/>
-          </a:lnRef>
-          <a:fillRef idx="0">
-            <a:schemeClr val="accent1"/>
-          </a:fillRef>
-          <a:effectRef idx="0">
-            <a:schemeClr val="accent1"/>
-          </a:effectRef>
-          <a:fontRef idx="minor">
-            <a:schemeClr val="tx1"/>
-          </a:fontRef>
-        </p:style>
-      </p:cxnSp>
-      <p:sp>
-        <p:nvSpPr>
-          <p:cNvPr id="48" name="Cloud 47">
-            <a:extLst>
-              <a:ext uri="{FF2B5EF4-FFF2-40B4-BE49-F238E27FC236}">
-                <a16:creationId xmlns:a16="http://schemas.microsoft.com/office/drawing/2014/main" id="{24B730A2-667B-453D-B5AD-ECD469A891F4}"/>
-              </a:ext>
-            </a:extLst>
-          </p:cNvPr>
-          <p:cNvSpPr/>
-          <p:nvPr/>
-        </p:nvSpPr>
-        <p:spPr>
-          <a:xfrm>
-            <a:off x="7173218" y="82654"/>
-            <a:ext cx="3786854" cy="1439985"/>
-          </a:xfrm>
-          <a:prstGeom prst="cloud">
-            <a:avLst/>
-          </a:prstGeom>
-          <a:solidFill>
-            <a:schemeClr val="accent1">
-              <a:lumMod val="40000"/>
-              <a:lumOff val="60000"/>
-            </a:schemeClr>
-          </a:solidFill>
-          <a:ln>
-            <a:solidFill>
-              <a:schemeClr val="accent1">
-                <a:lumMod val="20000"/>
-                <a:lumOff val="80000"/>
-              </a:schemeClr>
-            </a:solidFill>
-          </a:ln>
-        </p:spPr>
-        <p:style>
-          <a:lnRef idx="2">
-            <a:schemeClr val="accent1">
-              <a:shade val="50000"/>
-            </a:schemeClr>
-          </a:lnRef>
-          <a:fillRef idx="1">
-            <a:schemeClr val="accent1"/>
-          </a:fillRef>
-          <a:effectRef idx="0">
-            <a:schemeClr val="accent1"/>
-          </a:effectRef>
-          <a:fontRef idx="minor">
-            <a:schemeClr val="lt1"/>
-          </a:fontRef>
-        </p:style>
-        <p:txBody>
-          <a:bodyPr rtlCol="0" anchor="ctr"/>
-          <a:lstStyle/>
-          <a:p>
-            <a:pPr algn="ctr"/>
-            <a:endParaRPr lang="en-IN" dirty="0"/>
-          </a:p>
-        </p:txBody>
-      </p:sp>
-      <p:sp>
-        <p:nvSpPr>
-          <p:cNvPr id="49" name="Rectangle 48">
-            <a:extLst>
-              <a:ext uri="{FF2B5EF4-FFF2-40B4-BE49-F238E27FC236}">
-                <a16:creationId xmlns:a16="http://schemas.microsoft.com/office/drawing/2014/main" id="{014AA4E5-A352-421D-8D90-391AB73F0B91}"/>
-              </a:ext>
-            </a:extLst>
-          </p:cNvPr>
-          <p:cNvSpPr/>
-          <p:nvPr/>
-        </p:nvSpPr>
-        <p:spPr>
-          <a:xfrm>
-            <a:off x="7940654" y="646891"/>
-            <a:ext cx="2251981" cy="538457"/>
-          </a:xfrm>
-          <a:prstGeom prst="rect">
-            <a:avLst/>
-          </a:prstGeom>
-        </p:spPr>
-        <p:style>
-          <a:lnRef idx="2">
-            <a:schemeClr val="accent1">
-              <a:shade val="50000"/>
-            </a:schemeClr>
-          </a:lnRef>
-          <a:fillRef idx="1">
-            <a:schemeClr val="accent1"/>
-          </a:fillRef>
-          <a:effectRef idx="0">
-            <a:schemeClr val="accent1"/>
-          </a:effectRef>
-          <a:fontRef idx="minor">
-            <a:schemeClr val="lt1"/>
-          </a:fontRef>
-        </p:style>
-        <p:txBody>
-          <a:bodyPr rtlCol="0" anchor="ctr"/>
-          <a:lstStyle/>
-          <a:p>
-            <a:pPr algn="ctr"/>
-            <a:r>
-              <a:rPr lang="en-IN" dirty="0" err="1"/>
-              <a:t>Sql</a:t>
-            </a:r>
-            <a:r>
-              <a:rPr lang="en-IN" dirty="0"/>
-              <a:t> DB:1433</a:t>
-            </a:r>
-          </a:p>
-        </p:txBody>
-      </p:sp>
-      <p:cxnSp>
-        <p:nvCxnSpPr>
-          <p:cNvPr id="50" name="Straight Arrow Connector 49">
-            <a:extLst>
-              <a:ext uri="{FF2B5EF4-FFF2-40B4-BE49-F238E27FC236}">
-                <a16:creationId xmlns:a16="http://schemas.microsoft.com/office/drawing/2014/main" id="{F881B8D6-E17D-4AC6-9EF7-4F4F6A69D8BB}"/>
-              </a:ext>
-            </a:extLst>
-          </p:cNvPr>
-          <p:cNvCxnSpPr>
-            <a:cxnSpLocks/>
-            <a:stCxn id="7" idx="3"/>
-            <a:endCxn id="49" idx="1"/>
-          </p:cNvCxnSpPr>
-          <p:nvPr/>
-        </p:nvCxnSpPr>
-        <p:spPr>
-          <a:xfrm flipV="1">
-            <a:off x="3274828" y="916120"/>
-            <a:ext cx="4665826" cy="1461385"/>
-          </a:xfrm>
-          <a:prstGeom prst="straightConnector1">
-            <a:avLst/>
-          </a:prstGeom>
-          <a:ln w="38100">
-            <a:solidFill>
-              <a:srgbClr val="00B050"/>
-            </a:solidFill>
-            <a:tailEnd type="triangle"/>
-          </a:ln>
-        </p:spPr>
-        <p:style>
-          <a:lnRef idx="1">
-            <a:schemeClr val="accent1"/>
-          </a:lnRef>
-          <a:fillRef idx="0">
-            <a:schemeClr val="accent1"/>
-          </a:fillRef>
-          <a:effectRef idx="0">
-            <a:schemeClr val="accent1"/>
-          </a:effectRef>
-          <a:fontRef idx="minor">
-            <a:schemeClr val="tx1"/>
-          </a:fontRef>
-        </p:style>
-      </p:cxnSp>
-      <p:sp>
-        <p:nvSpPr>
-          <p:cNvPr id="54" name="TextBox 53">
-            <a:extLst>
-              <a:ext uri="{FF2B5EF4-FFF2-40B4-BE49-F238E27FC236}">
-                <a16:creationId xmlns:a16="http://schemas.microsoft.com/office/drawing/2014/main" id="{90A0EA58-DB00-4570-9B3D-91AEC6FF52C0}"/>
-              </a:ext>
-            </a:extLst>
-          </p:cNvPr>
-          <p:cNvSpPr txBox="1"/>
-          <p:nvPr/>
-        </p:nvSpPr>
-        <p:spPr>
-          <a:xfrm>
-            <a:off x="8721491" y="1121676"/>
-            <a:ext cx="893887" cy="369332"/>
-          </a:xfrm>
-          <a:prstGeom prst="rect">
-            <a:avLst/>
-          </a:prstGeom>
-          <a:noFill/>
-        </p:spPr>
-        <p:txBody>
-          <a:bodyPr wrap="square" rtlCol="0">
-            <a:spAutoFit/>
-          </a:bodyPr>
-          <a:lstStyle/>
-          <a:p>
-            <a:r>
-              <a:rPr lang="en-IN" dirty="0"/>
-              <a:t>Azure </a:t>
-            </a:r>
-          </a:p>
-        </p:txBody>
-      </p:sp>
-      <p:sp>
-        <p:nvSpPr>
-          <p:cNvPr id="58" name="TextBox 57">
-            <a:extLst>
-              <a:ext uri="{FF2B5EF4-FFF2-40B4-BE49-F238E27FC236}">
-                <a16:creationId xmlns:a16="http://schemas.microsoft.com/office/drawing/2014/main" id="{425C493D-5267-4ECA-BA2F-74BD2A1B3DB5}"/>
-              </a:ext>
-            </a:extLst>
-          </p:cNvPr>
-          <p:cNvSpPr txBox="1"/>
-          <p:nvPr/>
-        </p:nvSpPr>
-        <p:spPr>
-          <a:xfrm>
-            <a:off x="3749349" y="2370592"/>
-            <a:ext cx="1773382" cy="369332"/>
-          </a:xfrm>
-          <a:prstGeom prst="rect">
-            <a:avLst/>
-          </a:prstGeom>
-          <a:noFill/>
-        </p:spPr>
-        <p:txBody>
-          <a:bodyPr wrap="square" rtlCol="0">
-            <a:spAutoFit/>
-          </a:bodyPr>
-          <a:lstStyle/>
-          <a:p>
-            <a:r>
-              <a:rPr lang="en-IN" dirty="0"/>
-              <a:t>172.17.0.3</a:t>
-            </a:r>
-          </a:p>
-        </p:txBody>
-      </p:sp>
-      <p:sp>
-        <p:nvSpPr>
-          <p:cNvPr id="59" name="TextBox 58">
-            <a:extLst>
-              <a:ext uri="{FF2B5EF4-FFF2-40B4-BE49-F238E27FC236}">
-                <a16:creationId xmlns:a16="http://schemas.microsoft.com/office/drawing/2014/main" id="{C18FF5B0-434D-4D22-AFCB-49EE76DEF053}"/>
-              </a:ext>
-            </a:extLst>
-          </p:cNvPr>
-          <p:cNvSpPr txBox="1"/>
-          <p:nvPr/>
-        </p:nvSpPr>
-        <p:spPr>
-          <a:xfrm>
-            <a:off x="7887492" y="341231"/>
-            <a:ext cx="2890996" cy="369332"/>
-          </a:xfrm>
-          <a:prstGeom prst="rect">
-            <a:avLst/>
-          </a:prstGeom>
-          <a:noFill/>
-        </p:spPr>
-        <p:txBody>
-          <a:bodyPr wrap="square" rtlCol="0">
-            <a:spAutoFit/>
-          </a:bodyPr>
-          <a:lstStyle/>
-          <a:p>
-            <a:r>
-              <a:rPr lang="en-IN" dirty="0"/>
-              <a:t>mydb.database.azure.net</a:t>
-            </a:r>
-          </a:p>
-        </p:txBody>
-      </p:sp>
-      <p:sp>
-        <p:nvSpPr>
-          <p:cNvPr id="62" name="TextBox 61">
-            <a:extLst>
-              <a:ext uri="{FF2B5EF4-FFF2-40B4-BE49-F238E27FC236}">
-                <a16:creationId xmlns:a16="http://schemas.microsoft.com/office/drawing/2014/main" id="{8C9B2E3B-BE52-4982-A34F-51C0BE35A69F}"/>
-              </a:ext>
-            </a:extLst>
-          </p:cNvPr>
-          <p:cNvSpPr txBox="1"/>
-          <p:nvPr/>
-        </p:nvSpPr>
-        <p:spPr>
-          <a:xfrm rot="20620284">
-            <a:off x="3879071" y="1420368"/>
-            <a:ext cx="2890996" cy="369332"/>
-          </a:xfrm>
-          <a:prstGeom prst="rect">
-            <a:avLst/>
-          </a:prstGeom>
-          <a:noFill/>
-        </p:spPr>
-        <p:txBody>
-          <a:bodyPr wrap="square" rtlCol="0">
-            <a:spAutoFit/>
-          </a:bodyPr>
-          <a:lstStyle/>
-          <a:p>
-            <a:r>
-              <a:rPr lang="en-IN" dirty="0"/>
-              <a:t>mydb.database.azure.net</a:t>
-            </a:r>
           </a:p>
         </p:txBody>
       </p:sp>
     </p:spTree>
     <p:extLst>
       <p:ext uri="{BB962C8B-B14F-4D97-AF65-F5344CB8AC3E}">
-        <p14:creationId xmlns:p14="http://schemas.microsoft.com/office/powerpoint/2010/main" val="216948938"/>
+        <p14:creationId xmlns:p14="http://schemas.microsoft.com/office/powerpoint/2010/main" val="1917329981"/>
       </p:ext>
     </p:extLst>
   </p:cSld>
@@ -5971,6 +6038,1169 @@
       </p:grpSpPr>
       <p:sp>
         <p:nvSpPr>
+          <p:cNvPr id="4" name="Rectangle 3">
+            <a:extLst>
+              <a:ext uri="{FF2B5EF4-FFF2-40B4-BE49-F238E27FC236}">
+                <a16:creationId xmlns:a16="http://schemas.microsoft.com/office/drawing/2014/main" id="{A5417D38-3AB4-4B93-A8C5-236334B0C93F}"/>
+              </a:ext>
+            </a:extLst>
+          </p:cNvPr>
+          <p:cNvSpPr/>
+          <p:nvPr/>
+        </p:nvSpPr>
+        <p:spPr>
+          <a:xfrm>
+            <a:off x="446783" y="1605516"/>
+            <a:ext cx="10898909" cy="4837813"/>
+          </a:xfrm>
+          <a:prstGeom prst="rect">
+            <a:avLst/>
+          </a:prstGeom>
+          <a:noFill/>
+        </p:spPr>
+        <p:style>
+          <a:lnRef idx="2">
+            <a:schemeClr val="accent1">
+              <a:shade val="50000"/>
+            </a:schemeClr>
+          </a:lnRef>
+          <a:fillRef idx="1">
+            <a:schemeClr val="accent1"/>
+          </a:fillRef>
+          <a:effectRef idx="0">
+            <a:schemeClr val="accent1"/>
+          </a:effectRef>
+          <a:fontRef idx="minor">
+            <a:schemeClr val="lt1"/>
+          </a:fontRef>
+        </p:style>
+        <p:txBody>
+          <a:bodyPr rtlCol="0" anchor="ctr"/>
+          <a:lstStyle/>
+          <a:p>
+            <a:pPr algn="ctr"/>
+            <a:endParaRPr lang="en-IN"/>
+          </a:p>
+        </p:txBody>
+      </p:sp>
+      <p:sp>
+        <p:nvSpPr>
+          <p:cNvPr id="5" name="TextBox 4">
+            <a:extLst>
+              <a:ext uri="{FF2B5EF4-FFF2-40B4-BE49-F238E27FC236}">
+                <a16:creationId xmlns:a16="http://schemas.microsoft.com/office/drawing/2014/main" id="{1EEBCF16-5786-4A0E-BF41-A81531195BA7}"/>
+              </a:ext>
+            </a:extLst>
+          </p:cNvPr>
+          <p:cNvSpPr txBox="1"/>
+          <p:nvPr/>
+        </p:nvSpPr>
+        <p:spPr>
+          <a:xfrm>
+            <a:off x="10027171" y="6044464"/>
+            <a:ext cx="1071447" cy="369332"/>
+          </a:xfrm>
+          <a:prstGeom prst="rect">
+            <a:avLst/>
+          </a:prstGeom>
+          <a:noFill/>
+        </p:spPr>
+        <p:txBody>
+          <a:bodyPr wrap="none" rtlCol="0">
+            <a:spAutoFit/>
+          </a:bodyPr>
+          <a:lstStyle/>
+          <a:p>
+            <a:r>
+              <a:rPr lang="en-IN" dirty="0"/>
+              <a:t>Localhost</a:t>
+            </a:r>
+          </a:p>
+        </p:txBody>
+      </p:sp>
+      <p:sp>
+        <p:nvSpPr>
+          <p:cNvPr id="6" name="Rectangle: Rounded Corners 5">
+            <a:extLst>
+              <a:ext uri="{FF2B5EF4-FFF2-40B4-BE49-F238E27FC236}">
+                <a16:creationId xmlns:a16="http://schemas.microsoft.com/office/drawing/2014/main" id="{43AA0A84-DDB3-40D5-85B8-F8C5E45C17FC}"/>
+              </a:ext>
+            </a:extLst>
+          </p:cNvPr>
+          <p:cNvSpPr/>
+          <p:nvPr/>
+        </p:nvSpPr>
+        <p:spPr>
+          <a:xfrm>
+            <a:off x="696163" y="1714381"/>
+            <a:ext cx="10402455" cy="1526724"/>
+          </a:xfrm>
+          <a:prstGeom prst="roundRect">
+            <a:avLst/>
+          </a:prstGeom>
+          <a:solidFill>
+            <a:schemeClr val="accent1">
+              <a:lumMod val="20000"/>
+              <a:lumOff val="80000"/>
+            </a:schemeClr>
+          </a:solidFill>
+        </p:spPr>
+        <p:style>
+          <a:lnRef idx="2">
+            <a:schemeClr val="accent1">
+              <a:shade val="50000"/>
+            </a:schemeClr>
+          </a:lnRef>
+          <a:fillRef idx="1">
+            <a:schemeClr val="accent1"/>
+          </a:fillRef>
+          <a:effectRef idx="0">
+            <a:schemeClr val="accent1"/>
+          </a:effectRef>
+          <a:fontRef idx="minor">
+            <a:schemeClr val="lt1"/>
+          </a:fontRef>
+        </p:style>
+        <p:txBody>
+          <a:bodyPr rtlCol="0" anchor="ctr"/>
+          <a:lstStyle/>
+          <a:p>
+            <a:pPr algn="ctr"/>
+            <a:endParaRPr lang="en-IN" dirty="0"/>
+          </a:p>
+        </p:txBody>
+      </p:sp>
+      <p:sp>
+        <p:nvSpPr>
+          <p:cNvPr id="7" name="Rectangle 6">
+            <a:extLst>
+              <a:ext uri="{FF2B5EF4-FFF2-40B4-BE49-F238E27FC236}">
+                <a16:creationId xmlns:a16="http://schemas.microsoft.com/office/drawing/2014/main" id="{76DDF83C-1EF7-4384-99D9-AF5355C8D08C}"/>
+              </a:ext>
+            </a:extLst>
+          </p:cNvPr>
+          <p:cNvSpPr/>
+          <p:nvPr/>
+        </p:nvSpPr>
+        <p:spPr>
+          <a:xfrm>
+            <a:off x="1084092" y="2077323"/>
+            <a:ext cx="2190736" cy="600364"/>
+          </a:xfrm>
+          <a:prstGeom prst="rect">
+            <a:avLst/>
+          </a:prstGeom>
+        </p:spPr>
+        <p:style>
+          <a:lnRef idx="2">
+            <a:schemeClr val="accent1">
+              <a:shade val="50000"/>
+            </a:schemeClr>
+          </a:lnRef>
+          <a:fillRef idx="1">
+            <a:schemeClr val="accent1"/>
+          </a:fillRef>
+          <a:effectRef idx="0">
+            <a:schemeClr val="accent1"/>
+          </a:effectRef>
+          <a:fontRef idx="minor">
+            <a:schemeClr val="lt1"/>
+          </a:fontRef>
+        </p:style>
+        <p:txBody>
+          <a:bodyPr rtlCol="0" anchor="ctr"/>
+          <a:lstStyle/>
+          <a:p>
+            <a:pPr algn="ctr"/>
+            <a:r>
+              <a:rPr lang="en-IN" dirty="0" err="1"/>
+              <a:t>IdentityAPI</a:t>
+            </a:r>
+            <a:r>
+              <a:rPr lang="en-IN" dirty="0"/>
+              <a:t> :5000</a:t>
+            </a:r>
+          </a:p>
+        </p:txBody>
+      </p:sp>
+      <p:sp>
+        <p:nvSpPr>
+          <p:cNvPr id="9" name="Rectangle 8">
+            <a:extLst>
+              <a:ext uri="{FF2B5EF4-FFF2-40B4-BE49-F238E27FC236}">
+                <a16:creationId xmlns:a16="http://schemas.microsoft.com/office/drawing/2014/main" id="{551C8487-48FC-452C-9E89-B6E2C3753403}"/>
+              </a:ext>
+            </a:extLst>
+          </p:cNvPr>
+          <p:cNvSpPr/>
+          <p:nvPr/>
+        </p:nvSpPr>
+        <p:spPr>
+          <a:xfrm>
+            <a:off x="797442" y="5337760"/>
+            <a:ext cx="3402418" cy="797226"/>
+          </a:xfrm>
+          <a:prstGeom prst="rect">
+            <a:avLst/>
+          </a:prstGeom>
+        </p:spPr>
+        <p:style>
+          <a:lnRef idx="2">
+            <a:schemeClr val="accent1">
+              <a:shade val="50000"/>
+            </a:schemeClr>
+          </a:lnRef>
+          <a:fillRef idx="1">
+            <a:schemeClr val="accent1"/>
+          </a:fillRef>
+          <a:effectRef idx="0">
+            <a:schemeClr val="accent1"/>
+          </a:effectRef>
+          <a:fontRef idx="minor">
+            <a:schemeClr val="lt1"/>
+          </a:fontRef>
+        </p:style>
+        <p:txBody>
+          <a:bodyPr rtlCol="0" anchor="ctr"/>
+          <a:lstStyle/>
+          <a:p>
+            <a:pPr algn="ctr"/>
+            <a:r>
+              <a:rPr lang="en-IN" dirty="0"/>
+              <a:t>Chrome</a:t>
+            </a:r>
+          </a:p>
+        </p:txBody>
+      </p:sp>
+      <p:cxnSp>
+        <p:nvCxnSpPr>
+          <p:cNvPr id="11" name="Straight Arrow Connector 10">
+            <a:extLst>
+              <a:ext uri="{FF2B5EF4-FFF2-40B4-BE49-F238E27FC236}">
+                <a16:creationId xmlns:a16="http://schemas.microsoft.com/office/drawing/2014/main" id="{7BDA5D5D-6BD8-4C8F-A617-17FF1EF5DF11}"/>
+              </a:ext>
+            </a:extLst>
+          </p:cNvPr>
+          <p:cNvCxnSpPr>
+            <a:cxnSpLocks/>
+          </p:cNvCxnSpPr>
+          <p:nvPr/>
+        </p:nvCxnSpPr>
+        <p:spPr>
+          <a:xfrm flipV="1">
+            <a:off x="2289437" y="3241105"/>
+            <a:ext cx="0" cy="2327564"/>
+          </a:xfrm>
+          <a:prstGeom prst="straightConnector1">
+            <a:avLst/>
+          </a:prstGeom>
+          <a:ln w="57150">
+            <a:solidFill>
+              <a:schemeClr val="accent2">
+                <a:lumMod val="75000"/>
+              </a:schemeClr>
+            </a:solidFill>
+            <a:tailEnd type="triangle"/>
+          </a:ln>
+        </p:spPr>
+        <p:style>
+          <a:lnRef idx="1">
+            <a:schemeClr val="accent1"/>
+          </a:lnRef>
+          <a:fillRef idx="0">
+            <a:schemeClr val="accent1"/>
+          </a:fillRef>
+          <a:effectRef idx="0">
+            <a:schemeClr val="accent1"/>
+          </a:effectRef>
+          <a:fontRef idx="minor">
+            <a:schemeClr val="tx1"/>
+          </a:fontRef>
+        </p:style>
+      </p:cxnSp>
+      <p:sp>
+        <p:nvSpPr>
+          <p:cNvPr id="12" name="TextBox 11">
+            <a:extLst>
+              <a:ext uri="{FF2B5EF4-FFF2-40B4-BE49-F238E27FC236}">
+                <a16:creationId xmlns:a16="http://schemas.microsoft.com/office/drawing/2014/main" id="{DFC254DB-A85A-46AA-8318-1F787F17EDA8}"/>
+              </a:ext>
+            </a:extLst>
+          </p:cNvPr>
+          <p:cNvSpPr txBox="1"/>
+          <p:nvPr/>
+        </p:nvSpPr>
+        <p:spPr>
+          <a:xfrm>
+            <a:off x="1402746" y="1754051"/>
+            <a:ext cx="1773382" cy="369332"/>
+          </a:xfrm>
+          <a:prstGeom prst="rect">
+            <a:avLst/>
+          </a:prstGeom>
+          <a:noFill/>
+        </p:spPr>
+        <p:txBody>
+          <a:bodyPr wrap="square" rtlCol="0">
+            <a:spAutoFit/>
+          </a:bodyPr>
+          <a:lstStyle/>
+          <a:p>
+            <a:r>
+              <a:rPr lang="en-IN" dirty="0"/>
+              <a:t>172.17.0.3</a:t>
+            </a:r>
+          </a:p>
+        </p:txBody>
+      </p:sp>
+      <p:sp>
+        <p:nvSpPr>
+          <p:cNvPr id="13" name="TextBox 12">
+            <a:extLst>
+              <a:ext uri="{FF2B5EF4-FFF2-40B4-BE49-F238E27FC236}">
+                <a16:creationId xmlns:a16="http://schemas.microsoft.com/office/drawing/2014/main" id="{4CEAB2F5-6F5C-4ACB-A3FA-4E6FAB32D034}"/>
+              </a:ext>
+            </a:extLst>
+          </p:cNvPr>
+          <p:cNvSpPr txBox="1"/>
+          <p:nvPr/>
+        </p:nvSpPr>
+        <p:spPr>
+          <a:xfrm>
+            <a:off x="8336945" y="2881547"/>
+            <a:ext cx="2623127" cy="369332"/>
+          </a:xfrm>
+          <a:prstGeom prst="rect">
+            <a:avLst/>
+          </a:prstGeom>
+          <a:noFill/>
+        </p:spPr>
+        <p:txBody>
+          <a:bodyPr wrap="square" rtlCol="0">
+            <a:spAutoFit/>
+          </a:bodyPr>
+          <a:lstStyle/>
+          <a:p>
+            <a:r>
+              <a:rPr lang="en-IN" dirty="0"/>
+              <a:t>Docker Bridge network</a:t>
+            </a:r>
+          </a:p>
+        </p:txBody>
+      </p:sp>
+      <p:sp>
+        <p:nvSpPr>
+          <p:cNvPr id="14" name="TextBox 13">
+            <a:extLst>
+              <a:ext uri="{FF2B5EF4-FFF2-40B4-BE49-F238E27FC236}">
+                <a16:creationId xmlns:a16="http://schemas.microsoft.com/office/drawing/2014/main" id="{2A45AC4C-E471-4DE6-B7F7-72F712D6F1A4}"/>
+              </a:ext>
+            </a:extLst>
+          </p:cNvPr>
+          <p:cNvSpPr txBox="1"/>
+          <p:nvPr/>
+        </p:nvSpPr>
+        <p:spPr>
+          <a:xfrm>
+            <a:off x="1952310" y="2950282"/>
+            <a:ext cx="780473" cy="369332"/>
+          </a:xfrm>
+          <a:prstGeom prst="rect">
+            <a:avLst/>
+          </a:prstGeom>
+          <a:noFill/>
+        </p:spPr>
+        <p:txBody>
+          <a:bodyPr wrap="square" rtlCol="0">
+            <a:spAutoFit/>
+          </a:bodyPr>
+          <a:lstStyle/>
+          <a:p>
+            <a:r>
+              <a:rPr lang="en-IN" dirty="0"/>
+              <a:t>5000</a:t>
+            </a:r>
+          </a:p>
+        </p:txBody>
+      </p:sp>
+      <p:cxnSp>
+        <p:nvCxnSpPr>
+          <p:cNvPr id="15" name="Straight Arrow Connector 14">
+            <a:extLst>
+              <a:ext uri="{FF2B5EF4-FFF2-40B4-BE49-F238E27FC236}">
+                <a16:creationId xmlns:a16="http://schemas.microsoft.com/office/drawing/2014/main" id="{62907E4D-2878-4FFF-8FFE-2698BCD842CD}"/>
+              </a:ext>
+            </a:extLst>
+          </p:cNvPr>
+          <p:cNvCxnSpPr>
+            <a:cxnSpLocks/>
+          </p:cNvCxnSpPr>
+          <p:nvPr/>
+        </p:nvCxnSpPr>
+        <p:spPr>
+          <a:xfrm flipV="1">
+            <a:off x="2270964" y="2511432"/>
+            <a:ext cx="0" cy="438850"/>
+          </a:xfrm>
+          <a:prstGeom prst="straightConnector1">
+            <a:avLst/>
+          </a:prstGeom>
+          <a:ln w="57150">
+            <a:solidFill>
+              <a:schemeClr val="accent2">
+                <a:lumMod val="75000"/>
+              </a:schemeClr>
+            </a:solidFill>
+            <a:tailEnd type="triangle"/>
+          </a:ln>
+        </p:spPr>
+        <p:style>
+          <a:lnRef idx="1">
+            <a:schemeClr val="accent1"/>
+          </a:lnRef>
+          <a:fillRef idx="0">
+            <a:schemeClr val="accent1"/>
+          </a:fillRef>
+          <a:effectRef idx="0">
+            <a:schemeClr val="accent1"/>
+          </a:effectRef>
+          <a:fontRef idx="minor">
+            <a:schemeClr val="tx1"/>
+          </a:fontRef>
+        </p:style>
+      </p:cxnSp>
+      <p:sp>
+        <p:nvSpPr>
+          <p:cNvPr id="28" name="Rectangle 27">
+            <a:extLst>
+              <a:ext uri="{FF2B5EF4-FFF2-40B4-BE49-F238E27FC236}">
+                <a16:creationId xmlns:a16="http://schemas.microsoft.com/office/drawing/2014/main" id="{0BD29F43-98A0-44F2-92BD-415BB69A215F}"/>
+              </a:ext>
+            </a:extLst>
+          </p:cNvPr>
+          <p:cNvSpPr/>
+          <p:nvPr/>
+        </p:nvSpPr>
+        <p:spPr>
+          <a:xfrm>
+            <a:off x="5202436" y="3656802"/>
+            <a:ext cx="1432279" cy="600364"/>
+          </a:xfrm>
+          <a:prstGeom prst="rect">
+            <a:avLst/>
+          </a:prstGeom>
+        </p:spPr>
+        <p:style>
+          <a:lnRef idx="2">
+            <a:schemeClr val="accent1">
+              <a:shade val="50000"/>
+            </a:schemeClr>
+          </a:lnRef>
+          <a:fillRef idx="1">
+            <a:schemeClr val="accent1"/>
+          </a:fillRef>
+          <a:effectRef idx="0">
+            <a:schemeClr val="accent1"/>
+          </a:effectRef>
+          <a:fontRef idx="minor">
+            <a:schemeClr val="lt1"/>
+          </a:fontRef>
+        </p:style>
+        <p:txBody>
+          <a:bodyPr rtlCol="0" anchor="ctr"/>
+          <a:lstStyle/>
+          <a:p>
+            <a:pPr algn="ctr"/>
+            <a:r>
+              <a:rPr lang="en-IN" dirty="0"/>
+              <a:t>SQL Server 2017</a:t>
+            </a:r>
+          </a:p>
+        </p:txBody>
+      </p:sp>
+      <p:sp>
+        <p:nvSpPr>
+          <p:cNvPr id="29" name="Rectangle 28">
+            <a:extLst>
+              <a:ext uri="{FF2B5EF4-FFF2-40B4-BE49-F238E27FC236}">
+                <a16:creationId xmlns:a16="http://schemas.microsoft.com/office/drawing/2014/main" id="{E92BA989-6F37-4845-A7DF-A86B1DBCC435}"/>
+              </a:ext>
+            </a:extLst>
+          </p:cNvPr>
+          <p:cNvSpPr/>
+          <p:nvPr/>
+        </p:nvSpPr>
+        <p:spPr>
+          <a:xfrm>
+            <a:off x="4934527" y="5310049"/>
+            <a:ext cx="3402418" cy="797226"/>
+          </a:xfrm>
+          <a:prstGeom prst="rect">
+            <a:avLst/>
+          </a:prstGeom>
+        </p:spPr>
+        <p:style>
+          <a:lnRef idx="2">
+            <a:schemeClr val="accent1">
+              <a:shade val="50000"/>
+            </a:schemeClr>
+          </a:lnRef>
+          <a:fillRef idx="1">
+            <a:schemeClr val="accent1"/>
+          </a:fillRef>
+          <a:effectRef idx="0">
+            <a:schemeClr val="accent1"/>
+          </a:effectRef>
+          <a:fontRef idx="minor">
+            <a:schemeClr val="lt1"/>
+          </a:fontRef>
+        </p:style>
+        <p:txBody>
+          <a:bodyPr rtlCol="0" anchor="ctr"/>
+          <a:lstStyle/>
+          <a:p>
+            <a:pPr algn="ctr"/>
+            <a:r>
+              <a:rPr lang="en-IN" dirty="0"/>
+              <a:t>SSMS</a:t>
+            </a:r>
+          </a:p>
+        </p:txBody>
+      </p:sp>
+      <p:cxnSp>
+        <p:nvCxnSpPr>
+          <p:cNvPr id="30" name="Straight Arrow Connector 29">
+            <a:extLst>
+              <a:ext uri="{FF2B5EF4-FFF2-40B4-BE49-F238E27FC236}">
+                <a16:creationId xmlns:a16="http://schemas.microsoft.com/office/drawing/2014/main" id="{3169B0FA-2DB7-4A70-BBB9-73879B97B741}"/>
+              </a:ext>
+            </a:extLst>
+          </p:cNvPr>
+          <p:cNvCxnSpPr>
+            <a:cxnSpLocks/>
+          </p:cNvCxnSpPr>
+          <p:nvPr/>
+        </p:nvCxnSpPr>
+        <p:spPr>
+          <a:xfrm flipV="1">
+            <a:off x="6297804" y="4146267"/>
+            <a:ext cx="0" cy="1422402"/>
+          </a:xfrm>
+          <a:prstGeom prst="straightConnector1">
+            <a:avLst/>
+          </a:prstGeom>
+          <a:ln w="57150">
+            <a:solidFill>
+              <a:schemeClr val="accent2">
+                <a:lumMod val="75000"/>
+              </a:schemeClr>
+            </a:solidFill>
+            <a:tailEnd type="triangle"/>
+          </a:ln>
+        </p:spPr>
+        <p:style>
+          <a:lnRef idx="1">
+            <a:schemeClr val="accent1"/>
+          </a:lnRef>
+          <a:fillRef idx="0">
+            <a:schemeClr val="accent1"/>
+          </a:fillRef>
+          <a:effectRef idx="0">
+            <a:schemeClr val="accent1"/>
+          </a:effectRef>
+          <a:fontRef idx="minor">
+            <a:schemeClr val="tx1"/>
+          </a:fontRef>
+        </p:style>
+      </p:cxnSp>
+      <p:cxnSp>
+        <p:nvCxnSpPr>
+          <p:cNvPr id="33" name="Straight Arrow Connector 32">
+            <a:extLst>
+              <a:ext uri="{FF2B5EF4-FFF2-40B4-BE49-F238E27FC236}">
+                <a16:creationId xmlns:a16="http://schemas.microsoft.com/office/drawing/2014/main" id="{814EC400-F28F-492F-AD0A-E8B855861511}"/>
+              </a:ext>
+            </a:extLst>
+          </p:cNvPr>
+          <p:cNvCxnSpPr>
+            <a:cxnSpLocks/>
+            <a:stCxn id="7" idx="3"/>
+            <a:endCxn id="34" idx="1"/>
+          </p:cNvCxnSpPr>
+          <p:nvPr/>
+        </p:nvCxnSpPr>
+        <p:spPr>
+          <a:xfrm>
+            <a:off x="3274828" y="2377505"/>
+            <a:ext cx="1927607" cy="14775"/>
+          </a:xfrm>
+          <a:prstGeom prst="straightConnector1">
+            <a:avLst/>
+          </a:prstGeom>
+          <a:ln w="38100">
+            <a:solidFill>
+              <a:srgbClr val="00B050"/>
+            </a:solidFill>
+            <a:tailEnd type="triangle"/>
+          </a:ln>
+        </p:spPr>
+        <p:style>
+          <a:lnRef idx="1">
+            <a:schemeClr val="accent1"/>
+          </a:lnRef>
+          <a:fillRef idx="0">
+            <a:schemeClr val="accent1"/>
+          </a:fillRef>
+          <a:effectRef idx="0">
+            <a:schemeClr val="accent1"/>
+          </a:effectRef>
+          <a:fontRef idx="minor">
+            <a:schemeClr val="tx1"/>
+          </a:fontRef>
+        </p:style>
+      </p:cxnSp>
+      <p:sp>
+        <p:nvSpPr>
+          <p:cNvPr id="34" name="Rectangle 33">
+            <a:extLst>
+              <a:ext uri="{FF2B5EF4-FFF2-40B4-BE49-F238E27FC236}">
+                <a16:creationId xmlns:a16="http://schemas.microsoft.com/office/drawing/2014/main" id="{DE433A61-8F32-4EFC-9A1D-DC965BACE154}"/>
+              </a:ext>
+            </a:extLst>
+          </p:cNvPr>
+          <p:cNvSpPr/>
+          <p:nvPr/>
+        </p:nvSpPr>
+        <p:spPr>
+          <a:xfrm>
+            <a:off x="5202435" y="2092098"/>
+            <a:ext cx="2578653" cy="600364"/>
+          </a:xfrm>
+          <a:prstGeom prst="rect">
+            <a:avLst/>
+          </a:prstGeom>
+        </p:spPr>
+        <p:style>
+          <a:lnRef idx="2">
+            <a:schemeClr val="accent1">
+              <a:shade val="50000"/>
+            </a:schemeClr>
+          </a:lnRef>
+          <a:fillRef idx="1">
+            <a:schemeClr val="accent1"/>
+          </a:fillRef>
+          <a:effectRef idx="0">
+            <a:schemeClr val="accent1"/>
+          </a:effectRef>
+          <a:fontRef idx="minor">
+            <a:schemeClr val="lt1"/>
+          </a:fontRef>
+        </p:style>
+        <p:txBody>
+          <a:bodyPr rtlCol="0" anchor="ctr"/>
+          <a:lstStyle/>
+          <a:p>
+            <a:pPr algn="ctr"/>
+            <a:r>
+              <a:rPr lang="en-IN" dirty="0"/>
+              <a:t>SQL Server 2017:1433</a:t>
+            </a:r>
+          </a:p>
+        </p:txBody>
+      </p:sp>
+      <p:sp>
+        <p:nvSpPr>
+          <p:cNvPr id="37" name="TextBox 36">
+            <a:extLst>
+              <a:ext uri="{FF2B5EF4-FFF2-40B4-BE49-F238E27FC236}">
+                <a16:creationId xmlns:a16="http://schemas.microsoft.com/office/drawing/2014/main" id="{A34BE247-290B-4E38-AE3F-376F8406EEA0}"/>
+              </a:ext>
+            </a:extLst>
+          </p:cNvPr>
+          <p:cNvSpPr txBox="1"/>
+          <p:nvPr/>
+        </p:nvSpPr>
+        <p:spPr>
+          <a:xfrm>
+            <a:off x="5864750" y="1802159"/>
+            <a:ext cx="1773382" cy="369332"/>
+          </a:xfrm>
+          <a:prstGeom prst="rect">
+            <a:avLst/>
+          </a:prstGeom>
+          <a:noFill/>
+        </p:spPr>
+        <p:txBody>
+          <a:bodyPr wrap="square" rtlCol="0">
+            <a:spAutoFit/>
+          </a:bodyPr>
+          <a:lstStyle/>
+          <a:p>
+            <a:r>
+              <a:rPr lang="en-IN" dirty="0"/>
+              <a:t>172.17.0.2</a:t>
+            </a:r>
+          </a:p>
+        </p:txBody>
+      </p:sp>
+      <p:cxnSp>
+        <p:nvCxnSpPr>
+          <p:cNvPr id="39" name="Straight Arrow Connector 38">
+            <a:extLst>
+              <a:ext uri="{FF2B5EF4-FFF2-40B4-BE49-F238E27FC236}">
+                <a16:creationId xmlns:a16="http://schemas.microsoft.com/office/drawing/2014/main" id="{381CCC31-E32A-4CCF-9D7F-F41B93C76BE7}"/>
+              </a:ext>
+            </a:extLst>
+          </p:cNvPr>
+          <p:cNvCxnSpPr>
+            <a:cxnSpLocks/>
+          </p:cNvCxnSpPr>
+          <p:nvPr/>
+        </p:nvCxnSpPr>
+        <p:spPr>
+          <a:xfrm flipV="1">
+            <a:off x="7173218" y="3241105"/>
+            <a:ext cx="0" cy="2327564"/>
+          </a:xfrm>
+          <a:prstGeom prst="straightConnector1">
+            <a:avLst/>
+          </a:prstGeom>
+          <a:ln w="57150">
+            <a:solidFill>
+              <a:schemeClr val="accent2">
+                <a:lumMod val="75000"/>
+              </a:schemeClr>
+            </a:solidFill>
+            <a:tailEnd type="triangle"/>
+          </a:ln>
+        </p:spPr>
+        <p:style>
+          <a:lnRef idx="1">
+            <a:schemeClr val="accent1"/>
+          </a:lnRef>
+          <a:fillRef idx="0">
+            <a:schemeClr val="accent1"/>
+          </a:fillRef>
+          <a:effectRef idx="0">
+            <a:schemeClr val="accent1"/>
+          </a:effectRef>
+          <a:fontRef idx="minor">
+            <a:schemeClr val="tx1"/>
+          </a:fontRef>
+        </p:style>
+      </p:cxnSp>
+      <p:sp>
+        <p:nvSpPr>
+          <p:cNvPr id="41" name="TextBox 40">
+            <a:extLst>
+              <a:ext uri="{FF2B5EF4-FFF2-40B4-BE49-F238E27FC236}">
+                <a16:creationId xmlns:a16="http://schemas.microsoft.com/office/drawing/2014/main" id="{2D0C67D3-B51B-4743-8906-DC45B632BDDB}"/>
+              </a:ext>
+            </a:extLst>
+          </p:cNvPr>
+          <p:cNvSpPr txBox="1"/>
+          <p:nvPr/>
+        </p:nvSpPr>
+        <p:spPr>
+          <a:xfrm>
+            <a:off x="6813295" y="2931273"/>
+            <a:ext cx="780473" cy="369332"/>
+          </a:xfrm>
+          <a:prstGeom prst="rect">
+            <a:avLst/>
+          </a:prstGeom>
+          <a:noFill/>
+        </p:spPr>
+        <p:txBody>
+          <a:bodyPr wrap="square" rtlCol="0">
+            <a:spAutoFit/>
+          </a:bodyPr>
+          <a:lstStyle/>
+          <a:p>
+            <a:r>
+              <a:rPr lang="en-IN" dirty="0"/>
+              <a:t>1434</a:t>
+            </a:r>
+          </a:p>
+        </p:txBody>
+      </p:sp>
+      <p:cxnSp>
+        <p:nvCxnSpPr>
+          <p:cNvPr id="42" name="Straight Arrow Connector 41">
+            <a:extLst>
+              <a:ext uri="{FF2B5EF4-FFF2-40B4-BE49-F238E27FC236}">
+                <a16:creationId xmlns:a16="http://schemas.microsoft.com/office/drawing/2014/main" id="{0655787E-C750-4D0E-8A72-A8C4251937E8}"/>
+              </a:ext>
+            </a:extLst>
+          </p:cNvPr>
+          <p:cNvCxnSpPr>
+            <a:cxnSpLocks/>
+          </p:cNvCxnSpPr>
+          <p:nvPr/>
+        </p:nvCxnSpPr>
+        <p:spPr>
+          <a:xfrm flipV="1">
+            <a:off x="7173218" y="2513266"/>
+            <a:ext cx="0" cy="438850"/>
+          </a:xfrm>
+          <a:prstGeom prst="straightConnector1">
+            <a:avLst/>
+          </a:prstGeom>
+          <a:ln w="57150">
+            <a:solidFill>
+              <a:schemeClr val="accent2">
+                <a:lumMod val="75000"/>
+              </a:schemeClr>
+            </a:solidFill>
+            <a:tailEnd type="triangle"/>
+          </a:ln>
+        </p:spPr>
+        <p:style>
+          <a:lnRef idx="1">
+            <a:schemeClr val="accent1"/>
+          </a:lnRef>
+          <a:fillRef idx="0">
+            <a:schemeClr val="accent1"/>
+          </a:fillRef>
+          <a:effectRef idx="0">
+            <a:schemeClr val="accent1"/>
+          </a:effectRef>
+          <a:fontRef idx="minor">
+            <a:schemeClr val="tx1"/>
+          </a:fontRef>
+        </p:style>
+      </p:cxnSp>
+      <p:sp>
+        <p:nvSpPr>
+          <p:cNvPr id="48" name="Cloud 47">
+            <a:extLst>
+              <a:ext uri="{FF2B5EF4-FFF2-40B4-BE49-F238E27FC236}">
+                <a16:creationId xmlns:a16="http://schemas.microsoft.com/office/drawing/2014/main" id="{24B730A2-667B-453D-B5AD-ECD469A891F4}"/>
+              </a:ext>
+            </a:extLst>
+          </p:cNvPr>
+          <p:cNvSpPr/>
+          <p:nvPr/>
+        </p:nvSpPr>
+        <p:spPr>
+          <a:xfrm>
+            <a:off x="7173218" y="82654"/>
+            <a:ext cx="3786854" cy="1439985"/>
+          </a:xfrm>
+          <a:prstGeom prst="cloud">
+            <a:avLst/>
+          </a:prstGeom>
+          <a:solidFill>
+            <a:schemeClr val="accent1">
+              <a:lumMod val="40000"/>
+              <a:lumOff val="60000"/>
+            </a:schemeClr>
+          </a:solidFill>
+          <a:ln>
+            <a:solidFill>
+              <a:schemeClr val="accent1">
+                <a:lumMod val="20000"/>
+                <a:lumOff val="80000"/>
+              </a:schemeClr>
+            </a:solidFill>
+          </a:ln>
+        </p:spPr>
+        <p:style>
+          <a:lnRef idx="2">
+            <a:schemeClr val="accent1">
+              <a:shade val="50000"/>
+            </a:schemeClr>
+          </a:lnRef>
+          <a:fillRef idx="1">
+            <a:schemeClr val="accent1"/>
+          </a:fillRef>
+          <a:effectRef idx="0">
+            <a:schemeClr val="accent1"/>
+          </a:effectRef>
+          <a:fontRef idx="minor">
+            <a:schemeClr val="lt1"/>
+          </a:fontRef>
+        </p:style>
+        <p:txBody>
+          <a:bodyPr rtlCol="0" anchor="ctr"/>
+          <a:lstStyle/>
+          <a:p>
+            <a:pPr algn="ctr"/>
+            <a:endParaRPr lang="en-IN" dirty="0"/>
+          </a:p>
+        </p:txBody>
+      </p:sp>
+      <p:sp>
+        <p:nvSpPr>
+          <p:cNvPr id="49" name="Rectangle 48">
+            <a:extLst>
+              <a:ext uri="{FF2B5EF4-FFF2-40B4-BE49-F238E27FC236}">
+                <a16:creationId xmlns:a16="http://schemas.microsoft.com/office/drawing/2014/main" id="{014AA4E5-A352-421D-8D90-391AB73F0B91}"/>
+              </a:ext>
+            </a:extLst>
+          </p:cNvPr>
+          <p:cNvSpPr/>
+          <p:nvPr/>
+        </p:nvSpPr>
+        <p:spPr>
+          <a:xfrm>
+            <a:off x="7940654" y="646891"/>
+            <a:ext cx="2251981" cy="538457"/>
+          </a:xfrm>
+          <a:prstGeom prst="rect">
+            <a:avLst/>
+          </a:prstGeom>
+        </p:spPr>
+        <p:style>
+          <a:lnRef idx="2">
+            <a:schemeClr val="accent1">
+              <a:shade val="50000"/>
+            </a:schemeClr>
+          </a:lnRef>
+          <a:fillRef idx="1">
+            <a:schemeClr val="accent1"/>
+          </a:fillRef>
+          <a:effectRef idx="0">
+            <a:schemeClr val="accent1"/>
+          </a:effectRef>
+          <a:fontRef idx="minor">
+            <a:schemeClr val="lt1"/>
+          </a:fontRef>
+        </p:style>
+        <p:txBody>
+          <a:bodyPr rtlCol="0" anchor="ctr"/>
+          <a:lstStyle/>
+          <a:p>
+            <a:pPr algn="ctr"/>
+            <a:r>
+              <a:rPr lang="en-IN" dirty="0" err="1"/>
+              <a:t>Sql</a:t>
+            </a:r>
+            <a:r>
+              <a:rPr lang="en-IN" dirty="0"/>
+              <a:t> DB:1433</a:t>
+            </a:r>
+          </a:p>
+        </p:txBody>
+      </p:sp>
+      <p:cxnSp>
+        <p:nvCxnSpPr>
+          <p:cNvPr id="50" name="Straight Arrow Connector 49">
+            <a:extLst>
+              <a:ext uri="{FF2B5EF4-FFF2-40B4-BE49-F238E27FC236}">
+                <a16:creationId xmlns:a16="http://schemas.microsoft.com/office/drawing/2014/main" id="{F881B8D6-E17D-4AC6-9EF7-4F4F6A69D8BB}"/>
+              </a:ext>
+            </a:extLst>
+          </p:cNvPr>
+          <p:cNvCxnSpPr>
+            <a:cxnSpLocks/>
+            <a:stCxn id="7" idx="3"/>
+            <a:endCxn id="49" idx="1"/>
+          </p:cNvCxnSpPr>
+          <p:nvPr/>
+        </p:nvCxnSpPr>
+        <p:spPr>
+          <a:xfrm flipV="1">
+            <a:off x="3274828" y="916120"/>
+            <a:ext cx="4665826" cy="1461385"/>
+          </a:xfrm>
+          <a:prstGeom prst="straightConnector1">
+            <a:avLst/>
+          </a:prstGeom>
+          <a:ln w="38100">
+            <a:solidFill>
+              <a:srgbClr val="00B050"/>
+            </a:solidFill>
+            <a:tailEnd type="triangle"/>
+          </a:ln>
+        </p:spPr>
+        <p:style>
+          <a:lnRef idx="1">
+            <a:schemeClr val="accent1"/>
+          </a:lnRef>
+          <a:fillRef idx="0">
+            <a:schemeClr val="accent1"/>
+          </a:fillRef>
+          <a:effectRef idx="0">
+            <a:schemeClr val="accent1"/>
+          </a:effectRef>
+          <a:fontRef idx="minor">
+            <a:schemeClr val="tx1"/>
+          </a:fontRef>
+        </p:style>
+      </p:cxnSp>
+      <p:sp>
+        <p:nvSpPr>
+          <p:cNvPr id="54" name="TextBox 53">
+            <a:extLst>
+              <a:ext uri="{FF2B5EF4-FFF2-40B4-BE49-F238E27FC236}">
+                <a16:creationId xmlns:a16="http://schemas.microsoft.com/office/drawing/2014/main" id="{90A0EA58-DB00-4570-9B3D-91AEC6FF52C0}"/>
+              </a:ext>
+            </a:extLst>
+          </p:cNvPr>
+          <p:cNvSpPr txBox="1"/>
+          <p:nvPr/>
+        </p:nvSpPr>
+        <p:spPr>
+          <a:xfrm>
+            <a:off x="8721491" y="1121676"/>
+            <a:ext cx="893887" cy="369332"/>
+          </a:xfrm>
+          <a:prstGeom prst="rect">
+            <a:avLst/>
+          </a:prstGeom>
+          <a:noFill/>
+        </p:spPr>
+        <p:txBody>
+          <a:bodyPr wrap="square" rtlCol="0">
+            <a:spAutoFit/>
+          </a:bodyPr>
+          <a:lstStyle/>
+          <a:p>
+            <a:r>
+              <a:rPr lang="en-IN" dirty="0"/>
+              <a:t>Azure </a:t>
+            </a:r>
+          </a:p>
+        </p:txBody>
+      </p:sp>
+      <p:sp>
+        <p:nvSpPr>
+          <p:cNvPr id="58" name="TextBox 57">
+            <a:extLst>
+              <a:ext uri="{FF2B5EF4-FFF2-40B4-BE49-F238E27FC236}">
+                <a16:creationId xmlns:a16="http://schemas.microsoft.com/office/drawing/2014/main" id="{425C493D-5267-4ECA-BA2F-74BD2A1B3DB5}"/>
+              </a:ext>
+            </a:extLst>
+          </p:cNvPr>
+          <p:cNvSpPr txBox="1"/>
+          <p:nvPr/>
+        </p:nvSpPr>
+        <p:spPr>
+          <a:xfrm>
+            <a:off x="3749349" y="2370592"/>
+            <a:ext cx="1773382" cy="369332"/>
+          </a:xfrm>
+          <a:prstGeom prst="rect">
+            <a:avLst/>
+          </a:prstGeom>
+          <a:noFill/>
+        </p:spPr>
+        <p:txBody>
+          <a:bodyPr wrap="square" rtlCol="0">
+            <a:spAutoFit/>
+          </a:bodyPr>
+          <a:lstStyle/>
+          <a:p>
+            <a:r>
+              <a:rPr lang="en-IN" dirty="0"/>
+              <a:t>172.17.0.3</a:t>
+            </a:r>
+          </a:p>
+        </p:txBody>
+      </p:sp>
+      <p:sp>
+        <p:nvSpPr>
+          <p:cNvPr id="59" name="TextBox 58">
+            <a:extLst>
+              <a:ext uri="{FF2B5EF4-FFF2-40B4-BE49-F238E27FC236}">
+                <a16:creationId xmlns:a16="http://schemas.microsoft.com/office/drawing/2014/main" id="{C18FF5B0-434D-4D22-AFCB-49EE76DEF053}"/>
+              </a:ext>
+            </a:extLst>
+          </p:cNvPr>
+          <p:cNvSpPr txBox="1"/>
+          <p:nvPr/>
+        </p:nvSpPr>
+        <p:spPr>
+          <a:xfrm>
+            <a:off x="7887492" y="341231"/>
+            <a:ext cx="2890996" cy="369332"/>
+          </a:xfrm>
+          <a:prstGeom prst="rect">
+            <a:avLst/>
+          </a:prstGeom>
+          <a:noFill/>
+        </p:spPr>
+        <p:txBody>
+          <a:bodyPr wrap="square" rtlCol="0">
+            <a:spAutoFit/>
+          </a:bodyPr>
+          <a:lstStyle/>
+          <a:p>
+            <a:r>
+              <a:rPr lang="en-IN" dirty="0"/>
+              <a:t>mydb.database.azure.net</a:t>
+            </a:r>
+          </a:p>
+        </p:txBody>
+      </p:sp>
+      <p:sp>
+        <p:nvSpPr>
+          <p:cNvPr id="62" name="TextBox 61">
+            <a:extLst>
+              <a:ext uri="{FF2B5EF4-FFF2-40B4-BE49-F238E27FC236}">
+                <a16:creationId xmlns:a16="http://schemas.microsoft.com/office/drawing/2014/main" id="{8C9B2E3B-BE52-4982-A34F-51C0BE35A69F}"/>
+              </a:ext>
+            </a:extLst>
+          </p:cNvPr>
+          <p:cNvSpPr txBox="1"/>
+          <p:nvPr/>
+        </p:nvSpPr>
+        <p:spPr>
+          <a:xfrm rot="20620284">
+            <a:off x="3879071" y="1420368"/>
+            <a:ext cx="2890996" cy="369332"/>
+          </a:xfrm>
+          <a:prstGeom prst="rect">
+            <a:avLst/>
+          </a:prstGeom>
+          <a:noFill/>
+        </p:spPr>
+        <p:txBody>
+          <a:bodyPr wrap="square" rtlCol="0">
+            <a:spAutoFit/>
+          </a:bodyPr>
+          <a:lstStyle/>
+          <a:p>
+            <a:r>
+              <a:rPr lang="en-IN" dirty="0"/>
+              <a:t>mydb.database.azure.net</a:t>
+            </a:r>
+          </a:p>
+        </p:txBody>
+      </p:sp>
+    </p:spTree>
+    <p:extLst>
+      <p:ext uri="{BB962C8B-B14F-4D97-AF65-F5344CB8AC3E}">
+        <p14:creationId xmlns:p14="http://schemas.microsoft.com/office/powerpoint/2010/main" val="216948938"/>
+      </p:ext>
+    </p:extLst>
+  </p:cSld>
+  <p:clrMapOvr>
+    <a:masterClrMapping/>
+  </p:clrMapOvr>
+</p:sld>
+</file>
+
+<file path=ppt/slides/slide16.xml><?xml version="1.0" encoding="utf-8"?>
+<p:sld xmlns:a="http://schemas.openxmlformats.org/drawingml/2006/main" xmlns:r="http://schemas.openxmlformats.org/officeDocument/2006/relationships" xmlns:p="http://schemas.openxmlformats.org/presentationml/2006/main">
+  <p:cSld>
+    <p:spTree>
+      <p:nvGrpSpPr>
+        <p:cNvPr id="1" name=""/>
+        <p:cNvGrpSpPr/>
+        <p:nvPr/>
+      </p:nvGrpSpPr>
+      <p:grpSpPr>
+        <a:xfrm>
+          <a:off x="0" y="0"/>
+          <a:ext cx="0" cy="0"/>
+          <a:chOff x="0" y="0"/>
+          <a:chExt cx="0" cy="0"/>
+        </a:xfrm>
+      </p:grpSpPr>
+      <p:sp>
+        <p:nvSpPr>
           <p:cNvPr id="2" name="Title 1">
             <a:extLst>
               <a:ext uri="{FF2B5EF4-FFF2-40B4-BE49-F238E27FC236}">
@@ -6077,7 +7307,7 @@
 </p:sld>
 </file>
 
-<file path=ppt/slides/slide16.xml><?xml version="1.0" encoding="utf-8"?>
+<file path=ppt/slides/slide17.xml><?xml version="1.0" encoding="utf-8"?>
 <p:sld xmlns:a="http://schemas.openxmlformats.org/drawingml/2006/main" xmlns:r="http://schemas.openxmlformats.org/officeDocument/2006/relationships" xmlns:p="http://schemas.openxmlformats.org/presentationml/2006/main">
   <p:cSld>
     <p:spTree>
@@ -8511,7 +9741,7 @@
           <a:p>
             <a:r>
               <a:rPr lang="en-IN" dirty="0"/>
-              <a:t>HDD: 25 GB</a:t>
+              <a:t>HDD: 50 GB</a:t>
             </a:r>
           </a:p>
         </p:txBody>
@@ -8558,7 +9788,7 @@
           <a:p>
             <a:r>
               <a:rPr lang="en-IN" dirty="0"/>
-              <a:t>HDD: 25 GB</a:t>
+              <a:t>HDD: 50 GB</a:t>
             </a:r>
           </a:p>
         </p:txBody>
@@ -10862,10 +12092,35 @@
       </p:grpSpPr>
       <p:sp>
         <p:nvSpPr>
+          <p:cNvPr id="2" name="Title 1">
+            <a:extLst>
+              <a:ext uri="{FF2B5EF4-FFF2-40B4-BE49-F238E27FC236}">
+                <a16:creationId xmlns:a16="http://schemas.microsoft.com/office/drawing/2014/main" id="{73F5F2AE-3D1E-49D7-9CBE-548E88C3F08A}"/>
+              </a:ext>
+            </a:extLst>
+          </p:cNvPr>
+          <p:cNvSpPr>
+            <a:spLocks noGrp="1"/>
+          </p:cNvSpPr>
+          <p:nvPr>
+            <p:ph type="title"/>
+          </p:nvPr>
+        </p:nvSpPr>
+        <p:spPr/>
+        <p:txBody>
+          <a:bodyPr/>
+          <a:lstStyle/>
+          <a:p>
+            <a:endParaRPr lang="en-IN"/>
+          </a:p>
+        </p:txBody>
+      </p:sp>
+      <p:sp>
+        <p:nvSpPr>
           <p:cNvPr id="4" name="Rectangle 3">
             <a:extLst>
               <a:ext uri="{FF2B5EF4-FFF2-40B4-BE49-F238E27FC236}">
-                <a16:creationId xmlns:a16="http://schemas.microsoft.com/office/drawing/2014/main" id="{1D196B6D-623E-4D2C-BFFD-3678453EED9A}"/>
+                <a16:creationId xmlns:a16="http://schemas.microsoft.com/office/drawing/2014/main" id="{6D8806A5-3BEE-4A89-AF69-6299990223BC}"/>
               </a:ext>
             </a:extLst>
           </p:cNvPr>
@@ -10874,8 +12129,8 @@
         </p:nvSpPr>
         <p:spPr>
           <a:xfrm>
-            <a:off x="822036" y="4922982"/>
-            <a:ext cx="8192654" cy="434109"/>
+            <a:off x="1181100" y="5514975"/>
+            <a:ext cx="7258050" cy="504825"/>
           </a:xfrm>
           <a:prstGeom prst="rect">
             <a:avLst/>
@@ -10904,7 +12159,7 @@
             <a:pPr algn="ctr"/>
             <a:r>
               <a:rPr lang="en-IN" dirty="0"/>
-              <a:t>OS Agent : 1234 (100MB)</a:t>
+              <a:t>OS Agent (Linux)</a:t>
             </a:r>
           </a:p>
         </p:txBody>
@@ -10914,7 +12169,7 @@
           <p:cNvPr id="5" name="Rectangle 4">
             <a:extLst>
               <a:ext uri="{FF2B5EF4-FFF2-40B4-BE49-F238E27FC236}">
-                <a16:creationId xmlns:a16="http://schemas.microsoft.com/office/drawing/2014/main" id="{7C3F0234-5A7D-4DD0-9B3D-4E9770B93098}"/>
+                <a16:creationId xmlns:a16="http://schemas.microsoft.com/office/drawing/2014/main" id="{18FB5989-BCC5-4E86-A44D-6EFE7A2A4421}"/>
               </a:ext>
             </a:extLst>
           </p:cNvPr>
@@ -10923,12 +12178,15 @@
         </p:nvSpPr>
         <p:spPr>
           <a:xfrm>
-            <a:off x="822036" y="4412673"/>
-            <a:ext cx="8192653" cy="434109"/>
-          </a:xfrm>
-          <a:prstGeom prst="rect">
-            <a:avLst/>
-          </a:prstGeom>
+            <a:off x="1181099" y="5010150"/>
+            <a:ext cx="7258049" cy="504825"/>
+          </a:xfrm>
+          <a:prstGeom prst="rect">
+            <a:avLst/>
+          </a:prstGeom>
+          <a:solidFill>
+            <a:schemeClr val="accent2"/>
+          </a:solidFill>
         </p:spPr>
         <p:style>
           <a:lnRef idx="2">
@@ -10953,17 +12211,17 @@
             <a:pPr algn="ctr"/>
             <a:r>
               <a:rPr lang="en-IN" dirty="0"/>
-              <a:t>.NET Core Framework : 5678 (200MB)</a:t>
-            </a:r>
-          </a:p>
-        </p:txBody>
-      </p:sp>
-      <p:sp>
-        <p:nvSpPr>
-          <p:cNvPr id="6" name="Rectangle 5">
-            <a:extLst>
-              <a:ext uri="{FF2B5EF4-FFF2-40B4-BE49-F238E27FC236}">
-                <a16:creationId xmlns:a16="http://schemas.microsoft.com/office/drawing/2014/main" id="{F66508DC-EB79-49AC-BBE5-64A3808CE17B}"/>
+              <a:t>Runtime</a:t>
+            </a:r>
+          </a:p>
+        </p:txBody>
+      </p:sp>
+      <p:sp>
+        <p:nvSpPr>
+          <p:cNvPr id="7" name="Rectangle 6">
+            <a:extLst>
+              <a:ext uri="{FF2B5EF4-FFF2-40B4-BE49-F238E27FC236}">
+                <a16:creationId xmlns:a16="http://schemas.microsoft.com/office/drawing/2014/main" id="{21AC84AE-1BAD-44DC-99B6-BEB93251532B}"/>
               </a:ext>
             </a:extLst>
           </p:cNvPr>
@@ -10972,12 +12230,18 @@
         </p:nvSpPr>
         <p:spPr>
           <a:xfrm>
-            <a:off x="822037" y="3902364"/>
-            <a:ext cx="8192652" cy="434109"/>
-          </a:xfrm>
-          <a:prstGeom prst="rect">
-            <a:avLst/>
-          </a:prstGeom>
+            <a:off x="1181100" y="4486275"/>
+            <a:ext cx="3143250" cy="504825"/>
+          </a:xfrm>
+          <a:prstGeom prst="rect">
+            <a:avLst/>
+          </a:prstGeom>
+          <a:solidFill>
+            <a:schemeClr val="accent1">
+              <a:lumMod val="40000"/>
+              <a:lumOff val="60000"/>
+            </a:schemeClr>
+          </a:solidFill>
         </p:spPr>
         <p:style>
           <a:lnRef idx="2">
@@ -11001,30 +12265,26 @@
           <a:p>
             <a:pPr algn="ctr"/>
             <a:r>
+              <a:rPr lang="en-IN" dirty="0"/>
+              <a:t>Packages (</a:t>
+            </a:r>
+            <a:r>
               <a:rPr lang="en-IN" dirty="0" err="1"/>
               <a:t>Nuget</a:t>
             </a:r>
             <a:r>
               <a:rPr lang="en-IN" dirty="0"/>
-              <a:t> </a:t>
-            </a:r>
-            <a:r>
-              <a:rPr lang="en-IN" dirty="0" err="1"/>
-              <a:t>Pkg</a:t>
-            </a:r>
-            <a:r>
-              <a:rPr lang="en-IN" dirty="0"/>
-              <a:t> X : 1357 (4 MB)</a:t>
-            </a:r>
-          </a:p>
-        </p:txBody>
-      </p:sp>
-      <p:sp>
-        <p:nvSpPr>
-          <p:cNvPr id="7" name="Rectangle 6">
-            <a:extLst>
-              <a:ext uri="{FF2B5EF4-FFF2-40B4-BE49-F238E27FC236}">
-                <a16:creationId xmlns:a16="http://schemas.microsoft.com/office/drawing/2014/main" id="{E6F711D4-8F73-41F9-AC0C-2E6A2EE4826C}"/>
+              <a:t>)</a:t>
+            </a:r>
+          </a:p>
+        </p:txBody>
+      </p:sp>
+      <p:sp>
+        <p:nvSpPr>
+          <p:cNvPr id="9" name="Rectangle 8">
+            <a:extLst>
+              <a:ext uri="{FF2B5EF4-FFF2-40B4-BE49-F238E27FC236}">
+                <a16:creationId xmlns:a16="http://schemas.microsoft.com/office/drawing/2014/main" id="{9269606D-F44D-406C-86BF-C6A3938BFC67}"/>
               </a:ext>
             </a:extLst>
           </p:cNvPr>
@@ -11033,12 +12293,18 @@
         </p:nvSpPr>
         <p:spPr>
           <a:xfrm>
-            <a:off x="822037" y="3392055"/>
-            <a:ext cx="3971636" cy="434109"/>
-          </a:xfrm>
-          <a:prstGeom prst="rect">
-            <a:avLst/>
-          </a:prstGeom>
+            <a:off x="1181100" y="3495675"/>
+            <a:ext cx="3143250" cy="504825"/>
+          </a:xfrm>
+          <a:prstGeom prst="rect">
+            <a:avLst/>
+          </a:prstGeom>
+          <a:solidFill>
+            <a:schemeClr val="tx1">
+              <a:lumMod val="50000"/>
+              <a:lumOff val="50000"/>
+            </a:schemeClr>
+          </a:solidFill>
         </p:spPr>
         <p:style>
           <a:lnRef idx="2">
@@ -11062,30 +12328,228 @@
           <a:p>
             <a:pPr algn="ctr"/>
             <a:r>
-              <a:rPr lang="en-IN" dirty="0" err="1"/>
-              <a:t>Nuget</a:t>
-            </a:r>
-            <a:r>
-              <a:rPr lang="en-IN" dirty="0"/>
-              <a:t> </a:t>
-            </a:r>
-            <a:r>
-              <a:rPr lang="en-IN" dirty="0" err="1"/>
-              <a:t>Pkg</a:t>
-            </a:r>
-            <a:r>
-              <a:rPr lang="en-IN" dirty="0"/>
-              <a:t> Y: 5838 (5 MB)</a:t>
-            </a:r>
-          </a:p>
-        </p:txBody>
-      </p:sp>
-      <p:sp>
-        <p:nvSpPr>
-          <p:cNvPr id="8" name="Rectangle 7">
-            <a:extLst>
-              <a:ext uri="{FF2B5EF4-FFF2-40B4-BE49-F238E27FC236}">
-                <a16:creationId xmlns:a16="http://schemas.microsoft.com/office/drawing/2014/main" id="{81432570-DCDB-4437-BD7B-E3C263656CFB}"/>
+              <a:rPr lang="en-IN" dirty="0"/>
+              <a:t>App Code A</a:t>
+            </a:r>
+          </a:p>
+        </p:txBody>
+      </p:sp>
+      <p:sp>
+        <p:nvSpPr>
+          <p:cNvPr id="10" name="TextBox 9">
+            <a:extLst>
+              <a:ext uri="{FF2B5EF4-FFF2-40B4-BE49-F238E27FC236}">
+                <a16:creationId xmlns:a16="http://schemas.microsoft.com/office/drawing/2014/main" id="{820241C0-6E99-41FD-B731-30493AAF5DF9}"/>
+              </a:ext>
+            </a:extLst>
+          </p:cNvPr>
+          <p:cNvSpPr txBox="1"/>
+          <p:nvPr/>
+        </p:nvSpPr>
+        <p:spPr>
+          <a:xfrm>
+            <a:off x="371475" y="5638800"/>
+            <a:ext cx="666750" cy="369332"/>
+          </a:xfrm>
+          <a:prstGeom prst="rect">
+            <a:avLst/>
+          </a:prstGeom>
+          <a:noFill/>
+        </p:spPr>
+        <p:txBody>
+          <a:bodyPr wrap="square" rtlCol="0">
+            <a:spAutoFit/>
+          </a:bodyPr>
+          <a:lstStyle/>
+          <a:p>
+            <a:r>
+              <a:rPr lang="en-IN" dirty="0"/>
+              <a:t>100</a:t>
+            </a:r>
+          </a:p>
+        </p:txBody>
+      </p:sp>
+      <p:sp>
+        <p:nvSpPr>
+          <p:cNvPr id="11" name="TextBox 10">
+            <a:extLst>
+              <a:ext uri="{FF2B5EF4-FFF2-40B4-BE49-F238E27FC236}">
+                <a16:creationId xmlns:a16="http://schemas.microsoft.com/office/drawing/2014/main" id="{36B86FC1-1805-49B0-BADF-49CD4BF7AF43}"/>
+              </a:ext>
+            </a:extLst>
+          </p:cNvPr>
+          <p:cNvSpPr txBox="1"/>
+          <p:nvPr/>
+        </p:nvSpPr>
+        <p:spPr>
+          <a:xfrm>
+            <a:off x="371475" y="5158859"/>
+            <a:ext cx="666750" cy="369332"/>
+          </a:xfrm>
+          <a:prstGeom prst="rect">
+            <a:avLst/>
+          </a:prstGeom>
+          <a:noFill/>
+        </p:spPr>
+        <p:txBody>
+          <a:bodyPr wrap="square" rtlCol="0">
+            <a:spAutoFit/>
+          </a:bodyPr>
+          <a:lstStyle/>
+          <a:p>
+            <a:r>
+              <a:rPr lang="en-IN" dirty="0"/>
+              <a:t>260</a:t>
+            </a:r>
+          </a:p>
+        </p:txBody>
+      </p:sp>
+      <p:sp>
+        <p:nvSpPr>
+          <p:cNvPr id="12" name="TextBox 11">
+            <a:extLst>
+              <a:ext uri="{FF2B5EF4-FFF2-40B4-BE49-F238E27FC236}">
+                <a16:creationId xmlns:a16="http://schemas.microsoft.com/office/drawing/2014/main" id="{76EC5F9A-45DD-4B14-BBE2-E1AEF0C00009}"/>
+              </a:ext>
+            </a:extLst>
+          </p:cNvPr>
+          <p:cNvSpPr txBox="1"/>
+          <p:nvPr/>
+        </p:nvSpPr>
+        <p:spPr>
+          <a:xfrm>
+            <a:off x="371475" y="4654034"/>
+            <a:ext cx="666750" cy="369332"/>
+          </a:xfrm>
+          <a:prstGeom prst="rect">
+            <a:avLst/>
+          </a:prstGeom>
+          <a:noFill/>
+        </p:spPr>
+        <p:txBody>
+          <a:bodyPr wrap="square" rtlCol="0">
+            <a:spAutoFit/>
+          </a:bodyPr>
+          <a:lstStyle/>
+          <a:p>
+            <a:r>
+              <a:rPr lang="en-IN" dirty="0"/>
+              <a:t>10</a:t>
+            </a:r>
+          </a:p>
+        </p:txBody>
+      </p:sp>
+      <p:sp>
+        <p:nvSpPr>
+          <p:cNvPr id="13" name="TextBox 12">
+            <a:extLst>
+              <a:ext uri="{FF2B5EF4-FFF2-40B4-BE49-F238E27FC236}">
+                <a16:creationId xmlns:a16="http://schemas.microsoft.com/office/drawing/2014/main" id="{DC3CDE78-5F44-46B7-A004-A6E9849EF46F}"/>
+              </a:ext>
+            </a:extLst>
+          </p:cNvPr>
+          <p:cNvSpPr txBox="1"/>
+          <p:nvPr/>
+        </p:nvSpPr>
+        <p:spPr>
+          <a:xfrm>
+            <a:off x="352425" y="4044732"/>
+            <a:ext cx="666750" cy="369332"/>
+          </a:xfrm>
+          <a:prstGeom prst="rect">
+            <a:avLst/>
+          </a:prstGeom>
+          <a:noFill/>
+        </p:spPr>
+        <p:txBody>
+          <a:bodyPr wrap="square" rtlCol="0">
+            <a:spAutoFit/>
+          </a:bodyPr>
+          <a:lstStyle/>
+          <a:p>
+            <a:r>
+              <a:rPr lang="en-IN" dirty="0"/>
+              <a:t>5</a:t>
+            </a:r>
+          </a:p>
+        </p:txBody>
+      </p:sp>
+      <p:sp>
+        <p:nvSpPr>
+          <p:cNvPr id="14" name="TextBox 13">
+            <a:extLst>
+              <a:ext uri="{FF2B5EF4-FFF2-40B4-BE49-F238E27FC236}">
+                <a16:creationId xmlns:a16="http://schemas.microsoft.com/office/drawing/2014/main" id="{83D077BA-756A-498D-B702-4B3BDF536A09}"/>
+              </a:ext>
+            </a:extLst>
+          </p:cNvPr>
+          <p:cNvSpPr txBox="1"/>
+          <p:nvPr/>
+        </p:nvSpPr>
+        <p:spPr>
+          <a:xfrm>
+            <a:off x="361950" y="3555415"/>
+            <a:ext cx="666750" cy="369332"/>
+          </a:xfrm>
+          <a:prstGeom prst="rect">
+            <a:avLst/>
+          </a:prstGeom>
+          <a:noFill/>
+        </p:spPr>
+        <p:txBody>
+          <a:bodyPr wrap="square" rtlCol="0">
+            <a:spAutoFit/>
+          </a:bodyPr>
+          <a:lstStyle/>
+          <a:p>
+            <a:r>
+              <a:rPr lang="en-IN" dirty="0"/>
+              <a:t>50</a:t>
+            </a:r>
+          </a:p>
+        </p:txBody>
+      </p:sp>
+      <p:sp>
+        <p:nvSpPr>
+          <p:cNvPr id="15" name="TextBox 14">
+            <a:extLst>
+              <a:ext uri="{FF2B5EF4-FFF2-40B4-BE49-F238E27FC236}">
+                <a16:creationId xmlns:a16="http://schemas.microsoft.com/office/drawing/2014/main" id="{4ED09135-74F3-4B3D-A963-03CCA9AADCC3}"/>
+              </a:ext>
+            </a:extLst>
+          </p:cNvPr>
+          <p:cNvSpPr txBox="1"/>
+          <p:nvPr/>
+        </p:nvSpPr>
+        <p:spPr>
+          <a:xfrm>
+            <a:off x="2305049" y="6123543"/>
+            <a:ext cx="1209675" cy="369332"/>
+          </a:xfrm>
+          <a:prstGeom prst="rect">
+            <a:avLst/>
+          </a:prstGeom>
+          <a:noFill/>
+        </p:spPr>
+        <p:txBody>
+          <a:bodyPr wrap="square" rtlCol="0">
+            <a:spAutoFit/>
+          </a:bodyPr>
+          <a:lstStyle/>
+          <a:p>
+            <a:r>
+              <a:rPr lang="en-IN" dirty="0"/>
+              <a:t>425 MB</a:t>
+            </a:r>
+          </a:p>
+        </p:txBody>
+      </p:sp>
+      <p:sp>
+        <p:nvSpPr>
+          <p:cNvPr id="18" name="Rectangle 17">
+            <a:extLst>
+              <a:ext uri="{FF2B5EF4-FFF2-40B4-BE49-F238E27FC236}">
+                <a16:creationId xmlns:a16="http://schemas.microsoft.com/office/drawing/2014/main" id="{7707F6D5-0428-4BD1-99DD-46F76F2A4DEF}"/>
               </a:ext>
             </a:extLst>
           </p:cNvPr>
@@ -11094,12 +12558,18 @@
         </p:nvSpPr>
         <p:spPr>
           <a:xfrm>
-            <a:off x="822037" y="2881746"/>
-            <a:ext cx="3971636" cy="434109"/>
-          </a:xfrm>
-          <a:prstGeom prst="rect">
-            <a:avLst/>
-          </a:prstGeom>
+            <a:off x="5295900" y="4455557"/>
+            <a:ext cx="3143250" cy="504825"/>
+          </a:xfrm>
+          <a:prstGeom prst="rect">
+            <a:avLst/>
+          </a:prstGeom>
+          <a:solidFill>
+            <a:schemeClr val="accent1">
+              <a:lumMod val="40000"/>
+              <a:lumOff val="60000"/>
+            </a:schemeClr>
+          </a:solidFill>
         </p:spPr>
         <p:style>
           <a:lnRef idx="2">
@@ -11123,30 +12593,26 @@
           <a:p>
             <a:pPr algn="ctr"/>
             <a:r>
+              <a:rPr lang="en-IN" dirty="0"/>
+              <a:t>Packages (</a:t>
+            </a:r>
+            <a:r>
               <a:rPr lang="en-IN" dirty="0" err="1"/>
               <a:t>Nuget</a:t>
             </a:r>
             <a:r>
               <a:rPr lang="en-IN" dirty="0"/>
-              <a:t> </a:t>
-            </a:r>
-            <a:r>
-              <a:rPr lang="en-IN" dirty="0" err="1"/>
-              <a:t>Pkg</a:t>
-            </a:r>
-            <a:r>
-              <a:rPr lang="en-IN" dirty="0"/>
-              <a:t> Z: 7583 (2 MB)</a:t>
-            </a:r>
-          </a:p>
-        </p:txBody>
-      </p:sp>
-      <p:sp>
-        <p:nvSpPr>
-          <p:cNvPr id="9" name="Rectangle 8">
-            <a:extLst>
-              <a:ext uri="{FF2B5EF4-FFF2-40B4-BE49-F238E27FC236}">
-                <a16:creationId xmlns:a16="http://schemas.microsoft.com/office/drawing/2014/main" id="{131B92A0-1184-4F40-A56D-C5B85A8882CB}"/>
+              <a:t>)</a:t>
+            </a:r>
+          </a:p>
+        </p:txBody>
+      </p:sp>
+      <p:sp>
+        <p:nvSpPr>
+          <p:cNvPr id="19" name="Rectangle 18">
+            <a:extLst>
+              <a:ext uri="{FF2B5EF4-FFF2-40B4-BE49-F238E27FC236}">
+                <a16:creationId xmlns:a16="http://schemas.microsoft.com/office/drawing/2014/main" id="{3DBD4802-E259-4982-9449-5819B4B4F4DF}"/>
               </a:ext>
             </a:extLst>
           </p:cNvPr>
@@ -11155,14 +12621,14 @@
         </p:nvSpPr>
         <p:spPr>
           <a:xfrm>
-            <a:off x="822037" y="2371437"/>
-            <a:ext cx="3971636" cy="434109"/>
+            <a:off x="1181099" y="3950732"/>
+            <a:ext cx="7258051" cy="504825"/>
           </a:xfrm>
           <a:prstGeom prst="rect">
             <a:avLst/>
           </a:prstGeom>
           <a:solidFill>
-            <a:schemeClr val="accent4">
+            <a:schemeClr val="accent6">
               <a:lumMod val="40000"/>
               <a:lumOff val="60000"/>
             </a:schemeClr>
@@ -11191,75 +12657,17 @@
             <a:pPr algn="ctr"/>
             <a:r>
               <a:rPr lang="en-IN" dirty="0"/>
-              <a:t>MVC App : 958484 (10 MB)</a:t>
-            </a:r>
-          </a:p>
-        </p:txBody>
-      </p:sp>
-      <p:sp>
-        <p:nvSpPr>
-          <p:cNvPr id="10" name="TextBox 9">
-            <a:extLst>
-              <a:ext uri="{FF2B5EF4-FFF2-40B4-BE49-F238E27FC236}">
-                <a16:creationId xmlns:a16="http://schemas.microsoft.com/office/drawing/2014/main" id="{F5926A85-9802-4FBA-ABBC-5B5E9FFFA2EE}"/>
-              </a:ext>
-            </a:extLst>
-          </p:cNvPr>
-          <p:cNvSpPr txBox="1"/>
-          <p:nvPr/>
-        </p:nvSpPr>
-        <p:spPr>
-          <a:xfrm>
-            <a:off x="1163782" y="5442527"/>
-            <a:ext cx="3288146" cy="1200329"/>
-          </a:xfrm>
-          <a:prstGeom prst="rect">
-            <a:avLst/>
-          </a:prstGeom>
-          <a:noFill/>
-        </p:spPr>
-        <p:txBody>
-          <a:bodyPr wrap="square" rtlCol="0">
-            <a:spAutoFit/>
-          </a:bodyPr>
-          <a:lstStyle/>
-          <a:p>
-            <a:r>
-              <a:rPr lang="en-IN" dirty="0"/>
-              <a:t>MVC App Image: </a:t>
-            </a:r>
-          </a:p>
-          <a:p>
-            <a:r>
-              <a:rPr lang="en-IN" dirty="0"/>
-              <a:t>Name: </a:t>
-            </a:r>
-            <a:r>
-              <a:rPr lang="en-IN" dirty="0" err="1"/>
-              <a:t>SampleApp</a:t>
-            </a:r>
-            <a:endParaRPr lang="en-IN" dirty="0"/>
-          </a:p>
-          <a:p>
-            <a:r>
-              <a:rPr lang="en-IN" dirty="0"/>
-              <a:t>Id       : 5648kfj303</a:t>
-            </a:r>
-          </a:p>
-          <a:p>
-            <a:r>
-              <a:rPr lang="en-IN" dirty="0"/>
-              <a:t>Size    : 321 MB</a:t>
-            </a:r>
-          </a:p>
-        </p:txBody>
-      </p:sp>
-      <p:sp>
-        <p:nvSpPr>
-          <p:cNvPr id="14" name="Rectangle 13">
-            <a:extLst>
-              <a:ext uri="{FF2B5EF4-FFF2-40B4-BE49-F238E27FC236}">
-                <a16:creationId xmlns:a16="http://schemas.microsoft.com/office/drawing/2014/main" id="{40BEA593-FBE6-4C96-BA62-C978C8B7DCD5}"/>
+              <a:t>Data files (xml, json, images)</a:t>
+            </a:r>
+          </a:p>
+        </p:txBody>
+      </p:sp>
+      <p:sp>
+        <p:nvSpPr>
+          <p:cNvPr id="20" name="Rectangle 19">
+            <a:extLst>
+              <a:ext uri="{FF2B5EF4-FFF2-40B4-BE49-F238E27FC236}">
+                <a16:creationId xmlns:a16="http://schemas.microsoft.com/office/drawing/2014/main" id="{A1C17DC9-7B4D-4FD2-80AF-09560FE2A403}"/>
               </a:ext>
             </a:extLst>
           </p:cNvPr>
@@ -11268,12 +12676,18 @@
         </p:nvSpPr>
         <p:spPr>
           <a:xfrm>
-            <a:off x="5043055" y="3392053"/>
-            <a:ext cx="3971636" cy="434109"/>
-          </a:xfrm>
-          <a:prstGeom prst="rect">
-            <a:avLst/>
-          </a:prstGeom>
+            <a:off x="5295900" y="2941082"/>
+            <a:ext cx="3143250" cy="504825"/>
+          </a:xfrm>
+          <a:prstGeom prst="rect">
+            <a:avLst/>
+          </a:prstGeom>
+          <a:solidFill>
+            <a:schemeClr val="tx1">
+              <a:lumMod val="50000"/>
+              <a:lumOff val="50000"/>
+            </a:schemeClr>
+          </a:solidFill>
         </p:spPr>
         <p:style>
           <a:lnRef idx="2">
@@ -11297,30 +12711,228 @@
           <a:p>
             <a:pPr algn="ctr"/>
             <a:r>
-              <a:rPr lang="en-IN" dirty="0" err="1"/>
-              <a:t>Nuget</a:t>
-            </a:r>
-            <a:r>
-              <a:rPr lang="en-IN" dirty="0"/>
-              <a:t> </a:t>
-            </a:r>
-            <a:r>
-              <a:rPr lang="en-IN" dirty="0" err="1"/>
-              <a:t>Pkg</a:t>
-            </a:r>
-            <a:r>
-              <a:rPr lang="en-IN" dirty="0"/>
-              <a:t> A: AHFMB44 (9 MB)</a:t>
-            </a:r>
-          </a:p>
-        </p:txBody>
-      </p:sp>
-      <p:sp>
-        <p:nvSpPr>
-          <p:cNvPr id="15" name="Rectangle 14">
-            <a:extLst>
-              <a:ext uri="{FF2B5EF4-FFF2-40B4-BE49-F238E27FC236}">
-                <a16:creationId xmlns:a16="http://schemas.microsoft.com/office/drawing/2014/main" id="{BF516617-A457-4227-96E1-D7955B56EA2A}"/>
+              <a:rPr lang="en-IN" dirty="0"/>
+              <a:t>App Code B</a:t>
+            </a:r>
+          </a:p>
+        </p:txBody>
+      </p:sp>
+      <p:sp>
+        <p:nvSpPr>
+          <p:cNvPr id="21" name="TextBox 20">
+            <a:extLst>
+              <a:ext uri="{FF2B5EF4-FFF2-40B4-BE49-F238E27FC236}">
+                <a16:creationId xmlns:a16="http://schemas.microsoft.com/office/drawing/2014/main" id="{EA8BAFDF-F58C-4E2C-8FC7-92CFBF1F4CE5}"/>
+              </a:ext>
+            </a:extLst>
+          </p:cNvPr>
+          <p:cNvSpPr txBox="1"/>
+          <p:nvPr/>
+        </p:nvSpPr>
+        <p:spPr>
+          <a:xfrm>
+            <a:off x="6419849" y="6073775"/>
+            <a:ext cx="1209675" cy="369332"/>
+          </a:xfrm>
+          <a:prstGeom prst="rect">
+            <a:avLst/>
+          </a:prstGeom>
+          <a:noFill/>
+        </p:spPr>
+        <p:txBody>
+          <a:bodyPr wrap="square" rtlCol="0">
+            <a:spAutoFit/>
+          </a:bodyPr>
+          <a:lstStyle/>
+          <a:p>
+            <a:r>
+              <a:rPr lang="en-IN" dirty="0"/>
+              <a:t>530 MB</a:t>
+            </a:r>
+          </a:p>
+        </p:txBody>
+      </p:sp>
+      <p:sp>
+        <p:nvSpPr>
+          <p:cNvPr id="22" name="TextBox 21">
+            <a:extLst>
+              <a:ext uri="{FF2B5EF4-FFF2-40B4-BE49-F238E27FC236}">
+                <a16:creationId xmlns:a16="http://schemas.microsoft.com/office/drawing/2014/main" id="{01533F13-7FBA-4565-B85C-45707249593F}"/>
+              </a:ext>
+            </a:extLst>
+          </p:cNvPr>
+          <p:cNvSpPr txBox="1"/>
+          <p:nvPr/>
+        </p:nvSpPr>
+        <p:spPr>
+          <a:xfrm>
+            <a:off x="8620125" y="5591175"/>
+            <a:ext cx="666750" cy="369332"/>
+          </a:xfrm>
+          <a:prstGeom prst="rect">
+            <a:avLst/>
+          </a:prstGeom>
+          <a:noFill/>
+        </p:spPr>
+        <p:txBody>
+          <a:bodyPr wrap="square" rtlCol="0">
+            <a:spAutoFit/>
+          </a:bodyPr>
+          <a:lstStyle/>
+          <a:p>
+            <a:r>
+              <a:rPr lang="en-IN" dirty="0"/>
+              <a:t>100</a:t>
+            </a:r>
+          </a:p>
+        </p:txBody>
+      </p:sp>
+      <p:sp>
+        <p:nvSpPr>
+          <p:cNvPr id="23" name="TextBox 22">
+            <a:extLst>
+              <a:ext uri="{FF2B5EF4-FFF2-40B4-BE49-F238E27FC236}">
+                <a16:creationId xmlns:a16="http://schemas.microsoft.com/office/drawing/2014/main" id="{693B7783-A082-475C-87DF-F70206872C84}"/>
+              </a:ext>
+            </a:extLst>
+          </p:cNvPr>
+          <p:cNvSpPr txBox="1"/>
+          <p:nvPr/>
+        </p:nvSpPr>
+        <p:spPr>
+          <a:xfrm>
+            <a:off x="8620125" y="5111234"/>
+            <a:ext cx="666750" cy="369332"/>
+          </a:xfrm>
+          <a:prstGeom prst="rect">
+            <a:avLst/>
+          </a:prstGeom>
+          <a:noFill/>
+        </p:spPr>
+        <p:txBody>
+          <a:bodyPr wrap="square" rtlCol="0">
+            <a:spAutoFit/>
+          </a:bodyPr>
+          <a:lstStyle/>
+          <a:p>
+            <a:r>
+              <a:rPr lang="en-IN" dirty="0"/>
+              <a:t>260</a:t>
+            </a:r>
+          </a:p>
+        </p:txBody>
+      </p:sp>
+      <p:sp>
+        <p:nvSpPr>
+          <p:cNvPr id="24" name="TextBox 23">
+            <a:extLst>
+              <a:ext uri="{FF2B5EF4-FFF2-40B4-BE49-F238E27FC236}">
+                <a16:creationId xmlns:a16="http://schemas.microsoft.com/office/drawing/2014/main" id="{75BEE4CE-D41D-4F99-AC79-CB1307AD1027}"/>
+              </a:ext>
+            </a:extLst>
+          </p:cNvPr>
+          <p:cNvSpPr txBox="1"/>
+          <p:nvPr/>
+        </p:nvSpPr>
+        <p:spPr>
+          <a:xfrm>
+            <a:off x="8620125" y="4606409"/>
+            <a:ext cx="666750" cy="369332"/>
+          </a:xfrm>
+          <a:prstGeom prst="rect">
+            <a:avLst/>
+          </a:prstGeom>
+          <a:noFill/>
+        </p:spPr>
+        <p:txBody>
+          <a:bodyPr wrap="square" rtlCol="0">
+            <a:spAutoFit/>
+          </a:bodyPr>
+          <a:lstStyle/>
+          <a:p>
+            <a:r>
+              <a:rPr lang="en-IN" dirty="0"/>
+              <a:t>30</a:t>
+            </a:r>
+          </a:p>
+        </p:txBody>
+      </p:sp>
+      <p:sp>
+        <p:nvSpPr>
+          <p:cNvPr id="25" name="TextBox 24">
+            <a:extLst>
+              <a:ext uri="{FF2B5EF4-FFF2-40B4-BE49-F238E27FC236}">
+                <a16:creationId xmlns:a16="http://schemas.microsoft.com/office/drawing/2014/main" id="{E0BDA4B9-56DD-4F4A-A709-ED403A6BE67F}"/>
+              </a:ext>
+            </a:extLst>
+          </p:cNvPr>
+          <p:cNvSpPr txBox="1"/>
+          <p:nvPr/>
+        </p:nvSpPr>
+        <p:spPr>
+          <a:xfrm>
+            <a:off x="8620125" y="3987731"/>
+            <a:ext cx="666750" cy="369332"/>
+          </a:xfrm>
+          <a:prstGeom prst="rect">
+            <a:avLst/>
+          </a:prstGeom>
+          <a:noFill/>
+        </p:spPr>
+        <p:txBody>
+          <a:bodyPr wrap="square" rtlCol="0">
+            <a:spAutoFit/>
+          </a:bodyPr>
+          <a:lstStyle/>
+          <a:p>
+            <a:r>
+              <a:rPr lang="en-IN" dirty="0"/>
+              <a:t>20</a:t>
+            </a:r>
+          </a:p>
+        </p:txBody>
+      </p:sp>
+      <p:sp>
+        <p:nvSpPr>
+          <p:cNvPr id="26" name="TextBox 25">
+            <a:extLst>
+              <a:ext uri="{FF2B5EF4-FFF2-40B4-BE49-F238E27FC236}">
+                <a16:creationId xmlns:a16="http://schemas.microsoft.com/office/drawing/2014/main" id="{64ED0B80-7620-4E69-AD6A-D4432834032A}"/>
+              </a:ext>
+            </a:extLst>
+          </p:cNvPr>
+          <p:cNvSpPr txBox="1"/>
+          <p:nvPr/>
+        </p:nvSpPr>
+        <p:spPr>
+          <a:xfrm>
+            <a:off x="8610600" y="3507790"/>
+            <a:ext cx="666750" cy="369332"/>
+          </a:xfrm>
+          <a:prstGeom prst="rect">
+            <a:avLst/>
+          </a:prstGeom>
+          <a:noFill/>
+        </p:spPr>
+        <p:txBody>
+          <a:bodyPr wrap="square" rtlCol="0">
+            <a:spAutoFit/>
+          </a:bodyPr>
+          <a:lstStyle/>
+          <a:p>
+            <a:r>
+              <a:rPr lang="en-IN" dirty="0"/>
+              <a:t>50</a:t>
+            </a:r>
+          </a:p>
+        </p:txBody>
+      </p:sp>
+      <p:sp>
+        <p:nvSpPr>
+          <p:cNvPr id="27" name="Rectangle 26">
+            <a:extLst>
+              <a:ext uri="{FF2B5EF4-FFF2-40B4-BE49-F238E27FC236}">
+                <a16:creationId xmlns:a16="http://schemas.microsoft.com/office/drawing/2014/main" id="{CCE670B3-966F-46D9-B7B3-20DF7A772DB1}"/>
               </a:ext>
             </a:extLst>
           </p:cNvPr>
@@ -11329,8 +12941,8 @@
         </p:nvSpPr>
         <p:spPr>
           <a:xfrm>
-            <a:off x="5043055" y="2881745"/>
-            <a:ext cx="3971636" cy="434109"/>
+            <a:off x="5295900" y="3445907"/>
+            <a:ext cx="3143250" cy="504825"/>
           </a:xfrm>
           <a:prstGeom prst="rect">
             <a:avLst/>
@@ -11358,143 +12970,18 @@
           <a:p>
             <a:pPr algn="ctr"/>
             <a:r>
-              <a:rPr lang="en-IN" dirty="0" err="1"/>
-              <a:t>Nuget</a:t>
-            </a:r>
-            <a:r>
-              <a:rPr lang="en-IN" dirty="0"/>
-              <a:t> </a:t>
-            </a:r>
-            <a:r>
-              <a:rPr lang="en-IN" dirty="0" err="1"/>
-              <a:t>Pkg</a:t>
-            </a:r>
-            <a:r>
-              <a:rPr lang="en-IN" dirty="0"/>
-              <a:t> K: 948F (2 MB)</a:t>
-            </a:r>
-          </a:p>
-        </p:txBody>
-      </p:sp>
-      <p:sp>
-        <p:nvSpPr>
-          <p:cNvPr id="16" name="Rectangle 15">
-            <a:extLst>
-              <a:ext uri="{FF2B5EF4-FFF2-40B4-BE49-F238E27FC236}">
-                <a16:creationId xmlns:a16="http://schemas.microsoft.com/office/drawing/2014/main" id="{9D351633-5B70-4E60-BA1B-755DE138AA5B}"/>
-              </a:ext>
-            </a:extLst>
-          </p:cNvPr>
-          <p:cNvSpPr/>
-          <p:nvPr/>
-        </p:nvSpPr>
-        <p:spPr>
-          <a:xfrm>
-            <a:off x="5043055" y="2371436"/>
-            <a:ext cx="3971636" cy="434109"/>
-          </a:xfrm>
-          <a:prstGeom prst="rect">
-            <a:avLst/>
-          </a:prstGeom>
-        </p:spPr>
-        <p:style>
-          <a:lnRef idx="2">
-            <a:schemeClr val="accent1">
-              <a:shade val="50000"/>
-            </a:schemeClr>
-          </a:lnRef>
-          <a:fillRef idx="1">
-            <a:schemeClr val="accent1"/>
-          </a:fillRef>
-          <a:effectRef idx="0">
-            <a:schemeClr val="accent1"/>
-          </a:effectRef>
-          <a:fontRef idx="minor">
-            <a:schemeClr val="lt1"/>
-          </a:fontRef>
-        </p:style>
-        <p:txBody>
-          <a:bodyPr rtlCol="0" anchor="ctr"/>
-          <a:lstStyle/>
-          <a:p>
-            <a:pPr algn="ctr"/>
-            <a:r>
-              <a:rPr lang="en-IN" dirty="0" err="1"/>
-              <a:t>Nuget</a:t>
-            </a:r>
-            <a:r>
-              <a:rPr lang="en-IN" dirty="0"/>
-              <a:t> </a:t>
-            </a:r>
-            <a:r>
-              <a:rPr lang="en-IN" dirty="0" err="1"/>
-              <a:t>Pkg</a:t>
-            </a:r>
-            <a:r>
-              <a:rPr lang="en-IN" dirty="0"/>
-              <a:t> M: KFDFK5 (6 MB)</a:t>
-            </a:r>
-          </a:p>
-        </p:txBody>
-      </p:sp>
-      <p:sp>
-        <p:nvSpPr>
-          <p:cNvPr id="17" name="Rectangle 16">
-            <a:extLst>
-              <a:ext uri="{FF2B5EF4-FFF2-40B4-BE49-F238E27FC236}">
-                <a16:creationId xmlns:a16="http://schemas.microsoft.com/office/drawing/2014/main" id="{D04F8A8D-6704-4144-8C17-48C7AD81880A}"/>
-              </a:ext>
-            </a:extLst>
-          </p:cNvPr>
-          <p:cNvSpPr/>
-          <p:nvPr/>
-        </p:nvSpPr>
-        <p:spPr>
-          <a:xfrm>
-            <a:off x="5043055" y="1861126"/>
-            <a:ext cx="3971636" cy="434109"/>
-          </a:xfrm>
-          <a:prstGeom prst="rect">
-            <a:avLst/>
-          </a:prstGeom>
-          <a:solidFill>
-            <a:schemeClr val="accent6"/>
-          </a:solidFill>
-        </p:spPr>
-        <p:style>
-          <a:lnRef idx="2">
-            <a:schemeClr val="accent1">
-              <a:shade val="50000"/>
-            </a:schemeClr>
-          </a:lnRef>
-          <a:fillRef idx="1">
-            <a:schemeClr val="accent1"/>
-          </a:fillRef>
-          <a:effectRef idx="0">
-            <a:schemeClr val="accent1"/>
-          </a:effectRef>
-          <a:fontRef idx="minor">
-            <a:schemeClr val="lt1"/>
-          </a:fontRef>
-        </p:style>
-        <p:txBody>
-          <a:bodyPr rtlCol="0" anchor="ctr"/>
-          <a:lstStyle/>
-          <a:p>
-            <a:pPr algn="ctr"/>
-            <a:r>
-              <a:rPr lang="en-IN" dirty="0"/>
-              <a:t>Web API App : 5klf (20 MB)</a:t>
-            </a:r>
-          </a:p>
-        </p:txBody>
-      </p:sp>
-      <p:sp>
-        <p:nvSpPr>
-          <p:cNvPr id="18" name="TextBox 17">
-            <a:extLst>
-              <a:ext uri="{FF2B5EF4-FFF2-40B4-BE49-F238E27FC236}">
-                <a16:creationId xmlns:a16="http://schemas.microsoft.com/office/drawing/2014/main" id="{A48D9974-119A-48B2-8A85-2EF8B3A2FE94}"/>
+              <a:rPr lang="en-IN" dirty="0"/>
+              <a:t>Additional data</a:t>
+            </a:r>
+          </a:p>
+        </p:txBody>
+      </p:sp>
+      <p:sp>
+        <p:nvSpPr>
+          <p:cNvPr id="28" name="TextBox 27">
+            <a:extLst>
+              <a:ext uri="{FF2B5EF4-FFF2-40B4-BE49-F238E27FC236}">
+                <a16:creationId xmlns:a16="http://schemas.microsoft.com/office/drawing/2014/main" id="{4807779F-EF6B-4118-B65D-416DD1B7BAFE}"/>
               </a:ext>
             </a:extLst>
           </p:cNvPr>
@@ -11503,8 +12990,8 @@
         </p:nvSpPr>
         <p:spPr>
           <a:xfrm>
-            <a:off x="5241637" y="5442527"/>
-            <a:ext cx="3288146" cy="1200329"/>
+            <a:off x="8601075" y="2975342"/>
+            <a:ext cx="666750" cy="369332"/>
           </a:xfrm>
           <a:prstGeom prst="rect">
             <a:avLst/>
@@ -11519,65 +13006,7 @@
           <a:p>
             <a:r>
               <a:rPr lang="en-IN" dirty="0"/>
-              <a:t>Web API App Image: </a:t>
-            </a:r>
-          </a:p>
-          <a:p>
-            <a:r>
-              <a:rPr lang="en-IN" dirty="0"/>
-              <a:t>Name: </a:t>
-            </a:r>
-            <a:r>
-              <a:rPr lang="en-IN" dirty="0" err="1"/>
-              <a:t>CatalogService</a:t>
-            </a:r>
-            <a:endParaRPr lang="en-IN" dirty="0"/>
-          </a:p>
-          <a:p>
-            <a:r>
-              <a:rPr lang="en-IN" dirty="0"/>
-              <a:t>Id       : 58fk3fly9</a:t>
-            </a:r>
-          </a:p>
-          <a:p>
-            <a:r>
-              <a:rPr lang="en-IN" dirty="0"/>
-              <a:t>Size    : 341 MB</a:t>
-            </a:r>
-          </a:p>
-        </p:txBody>
-      </p:sp>
-      <p:sp>
-        <p:nvSpPr>
-          <p:cNvPr id="20" name="TextBox 19">
-            <a:extLst>
-              <a:ext uri="{FF2B5EF4-FFF2-40B4-BE49-F238E27FC236}">
-                <a16:creationId xmlns:a16="http://schemas.microsoft.com/office/drawing/2014/main" id="{542A0921-0B47-48D7-94AB-CE448E87925C}"/>
-              </a:ext>
-            </a:extLst>
-          </p:cNvPr>
-          <p:cNvSpPr txBox="1"/>
-          <p:nvPr/>
-        </p:nvSpPr>
-        <p:spPr>
-          <a:xfrm>
-            <a:off x="4387273" y="849745"/>
-            <a:ext cx="910827" cy="369332"/>
-          </a:xfrm>
-          <a:prstGeom prst="rect">
-            <a:avLst/>
-          </a:prstGeom>
-          <a:noFill/>
-        </p:spPr>
-        <p:txBody>
-          <a:bodyPr wrap="none" rtlCol="0">
-            <a:spAutoFit/>
-          </a:bodyPr>
-          <a:lstStyle/>
-          <a:p>
-            <a:r>
-              <a:rPr lang="en-IN" dirty="0"/>
-              <a:t>358 MB</a:t>
+              <a:t>70</a:t>
             </a:r>
           </a:p>
         </p:txBody>
@@ -11585,7 +13014,7 @@
     </p:spTree>
     <p:extLst>
       <p:ext uri="{BB962C8B-B14F-4D97-AF65-F5344CB8AC3E}">
-        <p14:creationId xmlns:p14="http://schemas.microsoft.com/office/powerpoint/2010/main" val="1573414215"/>
+        <p14:creationId xmlns:p14="http://schemas.microsoft.com/office/powerpoint/2010/main" val="2326489484"/>
       </p:ext>
     </p:extLst>
   </p:cSld>
@@ -11614,140 +13043,722 @@
       </p:grpSpPr>
       <p:sp>
         <p:nvSpPr>
-          <p:cNvPr id="2" name="Title 1">
-            <a:extLst>
-              <a:ext uri="{FF2B5EF4-FFF2-40B4-BE49-F238E27FC236}">
-                <a16:creationId xmlns:a16="http://schemas.microsoft.com/office/drawing/2014/main" id="{EE9D8D70-1B22-4138-8105-3C8CF4CEC125}"/>
-              </a:ext>
-            </a:extLst>
-          </p:cNvPr>
-          <p:cNvSpPr>
-            <a:spLocks noGrp="1"/>
-          </p:cNvSpPr>
-          <p:nvPr>
-            <p:ph type="title"/>
-          </p:nvPr>
-        </p:nvSpPr>
-        <p:spPr/>
-        <p:txBody>
-          <a:bodyPr/>
-          <a:lstStyle/>
-          <a:p>
-            <a:r>
-              <a:rPr lang="en-IN" dirty="0"/>
-              <a:t>Image Repositories</a:t>
-            </a:r>
-          </a:p>
-        </p:txBody>
-      </p:sp>
-      <p:sp>
-        <p:nvSpPr>
-          <p:cNvPr id="3" name="Content Placeholder 2">
-            <a:extLst>
-              <a:ext uri="{FF2B5EF4-FFF2-40B4-BE49-F238E27FC236}">
-                <a16:creationId xmlns:a16="http://schemas.microsoft.com/office/drawing/2014/main" id="{4418531E-B2C9-49E9-A4CF-56032B3D88EE}"/>
-              </a:ext>
-            </a:extLst>
-          </p:cNvPr>
-          <p:cNvSpPr>
-            <a:spLocks noGrp="1"/>
-          </p:cNvSpPr>
-          <p:nvPr>
-            <p:ph idx="1"/>
-          </p:nvPr>
-        </p:nvSpPr>
-        <p:spPr/>
-        <p:txBody>
-          <a:bodyPr/>
-          <a:lstStyle/>
-          <a:p>
-            <a:r>
-              <a:rPr lang="en-IN" dirty="0"/>
-              <a:t>Location to store the docker images.</a:t>
-            </a:r>
-          </a:p>
-          <a:p>
-            <a:r>
-              <a:rPr lang="en-IN" dirty="0"/>
-              <a:t>Local repository</a:t>
-            </a:r>
-          </a:p>
-          <a:p>
-            <a:pPr lvl="1"/>
-            <a:r>
-              <a:rPr lang="en-IN" dirty="0"/>
-              <a:t>Repository exists in the local machine (Dev machine/ prod machine)</a:t>
-            </a:r>
-          </a:p>
-          <a:p>
-            <a:r>
-              <a:rPr lang="en-IN" dirty="0"/>
-              <a:t>Cloud repository</a:t>
-            </a:r>
-          </a:p>
-          <a:p>
-            <a:pPr lvl="1"/>
-            <a:r>
-              <a:rPr lang="en-IN" dirty="0"/>
-              <a:t>A Common cloud storage to store images.</a:t>
-            </a:r>
-          </a:p>
-          <a:p>
-            <a:pPr lvl="1"/>
-            <a:r>
-              <a:rPr lang="en-IN" dirty="0"/>
-              <a:t>Commonly accessible to multiple users</a:t>
-            </a:r>
-          </a:p>
-          <a:p>
-            <a:pPr lvl="2"/>
-            <a:r>
-              <a:rPr lang="en-IN" dirty="0"/>
-              <a:t>Public repository</a:t>
-            </a:r>
-          </a:p>
-          <a:p>
-            <a:pPr lvl="3"/>
-            <a:r>
-              <a:rPr lang="en-IN" dirty="0"/>
-              <a:t>Accessible to all without authentication , </a:t>
-            </a:r>
+          <p:cNvPr id="4" name="Rectangle 3">
+            <a:extLst>
+              <a:ext uri="{FF2B5EF4-FFF2-40B4-BE49-F238E27FC236}">
+                <a16:creationId xmlns:a16="http://schemas.microsoft.com/office/drawing/2014/main" id="{1D196B6D-623E-4D2C-BFFD-3678453EED9A}"/>
+              </a:ext>
+            </a:extLst>
+          </p:cNvPr>
+          <p:cNvSpPr/>
+          <p:nvPr/>
+        </p:nvSpPr>
+        <p:spPr>
+          <a:xfrm>
+            <a:off x="822036" y="4922982"/>
+            <a:ext cx="8192654" cy="434109"/>
+          </a:xfrm>
+          <a:prstGeom prst="rect">
+            <a:avLst/>
+          </a:prstGeom>
+        </p:spPr>
+        <p:style>
+          <a:lnRef idx="2">
+            <a:schemeClr val="accent1">
+              <a:shade val="50000"/>
+            </a:schemeClr>
+          </a:lnRef>
+          <a:fillRef idx="1">
+            <a:schemeClr val="accent1"/>
+          </a:fillRef>
+          <a:effectRef idx="0">
+            <a:schemeClr val="accent1"/>
+          </a:effectRef>
+          <a:fontRef idx="minor">
+            <a:schemeClr val="lt1"/>
+          </a:fontRef>
+        </p:style>
+        <p:txBody>
+          <a:bodyPr rtlCol="0" anchor="ctr"/>
+          <a:lstStyle/>
+          <a:p>
+            <a:pPr algn="ctr"/>
+            <a:r>
+              <a:rPr lang="en-IN" dirty="0"/>
+              <a:t>OS Agent : 1234 (100MB)</a:t>
+            </a:r>
+          </a:p>
+        </p:txBody>
+      </p:sp>
+      <p:sp>
+        <p:nvSpPr>
+          <p:cNvPr id="5" name="Rectangle 4">
+            <a:extLst>
+              <a:ext uri="{FF2B5EF4-FFF2-40B4-BE49-F238E27FC236}">
+                <a16:creationId xmlns:a16="http://schemas.microsoft.com/office/drawing/2014/main" id="{7C3F0234-5A7D-4DD0-9B3D-4E9770B93098}"/>
+              </a:ext>
+            </a:extLst>
+          </p:cNvPr>
+          <p:cNvSpPr/>
+          <p:nvPr/>
+        </p:nvSpPr>
+        <p:spPr>
+          <a:xfrm>
+            <a:off x="822036" y="4412673"/>
+            <a:ext cx="8192653" cy="434109"/>
+          </a:xfrm>
+          <a:prstGeom prst="rect">
+            <a:avLst/>
+          </a:prstGeom>
+        </p:spPr>
+        <p:style>
+          <a:lnRef idx="2">
+            <a:schemeClr val="accent1">
+              <a:shade val="50000"/>
+            </a:schemeClr>
+          </a:lnRef>
+          <a:fillRef idx="1">
+            <a:schemeClr val="accent1"/>
+          </a:fillRef>
+          <a:effectRef idx="0">
+            <a:schemeClr val="accent1"/>
+          </a:effectRef>
+          <a:fontRef idx="minor">
+            <a:schemeClr val="lt1"/>
+          </a:fontRef>
+        </p:style>
+        <p:txBody>
+          <a:bodyPr rtlCol="0" anchor="ctr"/>
+          <a:lstStyle/>
+          <a:p>
+            <a:pPr algn="ctr"/>
+            <a:r>
+              <a:rPr lang="en-IN" dirty="0"/>
+              <a:t>.NET Core Framework : 5678 (200MB)</a:t>
+            </a:r>
+          </a:p>
+        </p:txBody>
+      </p:sp>
+      <p:sp>
+        <p:nvSpPr>
+          <p:cNvPr id="6" name="Rectangle 5">
+            <a:extLst>
+              <a:ext uri="{FF2B5EF4-FFF2-40B4-BE49-F238E27FC236}">
+                <a16:creationId xmlns:a16="http://schemas.microsoft.com/office/drawing/2014/main" id="{F66508DC-EB79-49AC-BBE5-64A3808CE17B}"/>
+              </a:ext>
+            </a:extLst>
+          </p:cNvPr>
+          <p:cNvSpPr/>
+          <p:nvPr/>
+        </p:nvSpPr>
+        <p:spPr>
+          <a:xfrm>
+            <a:off x="822037" y="3902364"/>
+            <a:ext cx="8192652" cy="434109"/>
+          </a:xfrm>
+          <a:prstGeom prst="rect">
+            <a:avLst/>
+          </a:prstGeom>
+        </p:spPr>
+        <p:style>
+          <a:lnRef idx="2">
+            <a:schemeClr val="accent1">
+              <a:shade val="50000"/>
+            </a:schemeClr>
+          </a:lnRef>
+          <a:fillRef idx="1">
+            <a:schemeClr val="accent1"/>
+          </a:fillRef>
+          <a:effectRef idx="0">
+            <a:schemeClr val="accent1"/>
+          </a:effectRef>
+          <a:fontRef idx="minor">
+            <a:schemeClr val="lt1"/>
+          </a:fontRef>
+        </p:style>
+        <p:txBody>
+          <a:bodyPr rtlCol="0" anchor="ctr"/>
+          <a:lstStyle/>
+          <a:p>
+            <a:pPr algn="ctr"/>
             <a:r>
               <a:rPr lang="en-IN" dirty="0" err="1"/>
-              <a:t>eg</a:t>
-            </a:r>
-            <a:r>
-              <a:rPr lang="en-IN" dirty="0"/>
-              <a:t>: Docker Hub</a:t>
-            </a:r>
-          </a:p>
-          <a:p>
-            <a:pPr lvl="2"/>
-            <a:r>
-              <a:rPr lang="en-IN" dirty="0"/>
-              <a:t>Private repository</a:t>
-            </a:r>
-          </a:p>
-          <a:p>
-            <a:pPr lvl="3"/>
-            <a:r>
-              <a:rPr lang="en-IN" dirty="0"/>
-              <a:t>Accessible to only authenticated users.</a:t>
-            </a:r>
-          </a:p>
-          <a:p>
-            <a:pPr lvl="3"/>
-            <a:r>
-              <a:rPr lang="en-IN" dirty="0"/>
-              <a:t>Secure storage of images. (</a:t>
+              <a:t>Nuget</a:t>
+            </a:r>
+            <a:r>
+              <a:rPr lang="en-IN" dirty="0"/>
+              <a:t> </a:t>
             </a:r>
             <a:r>
               <a:rPr lang="en-IN" dirty="0" err="1"/>
-              <a:t>eg</a:t>
-            </a:r>
-            <a:r>
-              <a:rPr lang="en-IN" dirty="0"/>
-              <a:t>: Azure ACR, AWS ECR, Google GCR)</a:t>
+              <a:t>Pkg</a:t>
+            </a:r>
+            <a:r>
+              <a:rPr lang="en-IN" dirty="0"/>
+              <a:t> X : 1357 (4 MB)</a:t>
+            </a:r>
+          </a:p>
+        </p:txBody>
+      </p:sp>
+      <p:sp>
+        <p:nvSpPr>
+          <p:cNvPr id="7" name="Rectangle 6">
+            <a:extLst>
+              <a:ext uri="{FF2B5EF4-FFF2-40B4-BE49-F238E27FC236}">
+                <a16:creationId xmlns:a16="http://schemas.microsoft.com/office/drawing/2014/main" id="{E6F711D4-8F73-41F9-AC0C-2E6A2EE4826C}"/>
+              </a:ext>
+            </a:extLst>
+          </p:cNvPr>
+          <p:cNvSpPr/>
+          <p:nvPr/>
+        </p:nvSpPr>
+        <p:spPr>
+          <a:xfrm>
+            <a:off x="822037" y="3392055"/>
+            <a:ext cx="3971636" cy="434109"/>
+          </a:xfrm>
+          <a:prstGeom prst="rect">
+            <a:avLst/>
+          </a:prstGeom>
+        </p:spPr>
+        <p:style>
+          <a:lnRef idx="2">
+            <a:schemeClr val="accent1">
+              <a:shade val="50000"/>
+            </a:schemeClr>
+          </a:lnRef>
+          <a:fillRef idx="1">
+            <a:schemeClr val="accent1"/>
+          </a:fillRef>
+          <a:effectRef idx="0">
+            <a:schemeClr val="accent1"/>
+          </a:effectRef>
+          <a:fontRef idx="minor">
+            <a:schemeClr val="lt1"/>
+          </a:fontRef>
+        </p:style>
+        <p:txBody>
+          <a:bodyPr rtlCol="0" anchor="ctr"/>
+          <a:lstStyle/>
+          <a:p>
+            <a:pPr algn="ctr"/>
+            <a:r>
+              <a:rPr lang="en-IN" dirty="0" err="1"/>
+              <a:t>Nuget</a:t>
+            </a:r>
+            <a:r>
+              <a:rPr lang="en-IN" dirty="0"/>
+              <a:t> </a:t>
+            </a:r>
+            <a:r>
+              <a:rPr lang="en-IN" dirty="0" err="1"/>
+              <a:t>Pkg</a:t>
+            </a:r>
+            <a:r>
+              <a:rPr lang="en-IN" dirty="0"/>
+              <a:t> Y: 5838 (5 MB)</a:t>
+            </a:r>
+          </a:p>
+        </p:txBody>
+      </p:sp>
+      <p:sp>
+        <p:nvSpPr>
+          <p:cNvPr id="8" name="Rectangle 7">
+            <a:extLst>
+              <a:ext uri="{FF2B5EF4-FFF2-40B4-BE49-F238E27FC236}">
+                <a16:creationId xmlns:a16="http://schemas.microsoft.com/office/drawing/2014/main" id="{81432570-DCDB-4437-BD7B-E3C263656CFB}"/>
+              </a:ext>
+            </a:extLst>
+          </p:cNvPr>
+          <p:cNvSpPr/>
+          <p:nvPr/>
+        </p:nvSpPr>
+        <p:spPr>
+          <a:xfrm>
+            <a:off x="822037" y="2881746"/>
+            <a:ext cx="3971636" cy="434109"/>
+          </a:xfrm>
+          <a:prstGeom prst="rect">
+            <a:avLst/>
+          </a:prstGeom>
+        </p:spPr>
+        <p:style>
+          <a:lnRef idx="2">
+            <a:schemeClr val="accent1">
+              <a:shade val="50000"/>
+            </a:schemeClr>
+          </a:lnRef>
+          <a:fillRef idx="1">
+            <a:schemeClr val="accent1"/>
+          </a:fillRef>
+          <a:effectRef idx="0">
+            <a:schemeClr val="accent1"/>
+          </a:effectRef>
+          <a:fontRef idx="minor">
+            <a:schemeClr val="lt1"/>
+          </a:fontRef>
+        </p:style>
+        <p:txBody>
+          <a:bodyPr rtlCol="0" anchor="ctr"/>
+          <a:lstStyle/>
+          <a:p>
+            <a:pPr algn="ctr"/>
+            <a:r>
+              <a:rPr lang="en-IN" dirty="0" err="1"/>
+              <a:t>Nuget</a:t>
+            </a:r>
+            <a:r>
+              <a:rPr lang="en-IN" dirty="0"/>
+              <a:t> </a:t>
+            </a:r>
+            <a:r>
+              <a:rPr lang="en-IN" dirty="0" err="1"/>
+              <a:t>Pkg</a:t>
+            </a:r>
+            <a:r>
+              <a:rPr lang="en-IN" dirty="0"/>
+              <a:t> Z: 7583 (2 MB)</a:t>
+            </a:r>
+          </a:p>
+        </p:txBody>
+      </p:sp>
+      <p:sp>
+        <p:nvSpPr>
+          <p:cNvPr id="9" name="Rectangle 8">
+            <a:extLst>
+              <a:ext uri="{FF2B5EF4-FFF2-40B4-BE49-F238E27FC236}">
+                <a16:creationId xmlns:a16="http://schemas.microsoft.com/office/drawing/2014/main" id="{131B92A0-1184-4F40-A56D-C5B85A8882CB}"/>
+              </a:ext>
+            </a:extLst>
+          </p:cNvPr>
+          <p:cNvSpPr/>
+          <p:nvPr/>
+        </p:nvSpPr>
+        <p:spPr>
+          <a:xfrm>
+            <a:off x="822037" y="2371437"/>
+            <a:ext cx="3971636" cy="434109"/>
+          </a:xfrm>
+          <a:prstGeom prst="rect">
+            <a:avLst/>
+          </a:prstGeom>
+          <a:solidFill>
+            <a:schemeClr val="accent4">
+              <a:lumMod val="40000"/>
+              <a:lumOff val="60000"/>
+            </a:schemeClr>
+          </a:solidFill>
+        </p:spPr>
+        <p:style>
+          <a:lnRef idx="2">
+            <a:schemeClr val="accent1">
+              <a:shade val="50000"/>
+            </a:schemeClr>
+          </a:lnRef>
+          <a:fillRef idx="1">
+            <a:schemeClr val="accent1"/>
+          </a:fillRef>
+          <a:effectRef idx="0">
+            <a:schemeClr val="accent1"/>
+          </a:effectRef>
+          <a:fontRef idx="minor">
+            <a:schemeClr val="lt1"/>
+          </a:fontRef>
+        </p:style>
+        <p:txBody>
+          <a:bodyPr rtlCol="0" anchor="ctr"/>
+          <a:lstStyle/>
+          <a:p>
+            <a:pPr algn="ctr"/>
+            <a:r>
+              <a:rPr lang="en-IN" dirty="0"/>
+              <a:t>MVC App : 958484 (10 MB)</a:t>
+            </a:r>
+          </a:p>
+        </p:txBody>
+      </p:sp>
+      <p:sp>
+        <p:nvSpPr>
+          <p:cNvPr id="10" name="TextBox 9">
+            <a:extLst>
+              <a:ext uri="{FF2B5EF4-FFF2-40B4-BE49-F238E27FC236}">
+                <a16:creationId xmlns:a16="http://schemas.microsoft.com/office/drawing/2014/main" id="{F5926A85-9802-4FBA-ABBC-5B5E9FFFA2EE}"/>
+              </a:ext>
+            </a:extLst>
+          </p:cNvPr>
+          <p:cNvSpPr txBox="1"/>
+          <p:nvPr/>
+        </p:nvSpPr>
+        <p:spPr>
+          <a:xfrm>
+            <a:off x="1163782" y="5442527"/>
+            <a:ext cx="3288146" cy="1200329"/>
+          </a:xfrm>
+          <a:prstGeom prst="rect">
+            <a:avLst/>
+          </a:prstGeom>
+          <a:noFill/>
+        </p:spPr>
+        <p:txBody>
+          <a:bodyPr wrap="square" rtlCol="0">
+            <a:spAutoFit/>
+          </a:bodyPr>
+          <a:lstStyle/>
+          <a:p>
+            <a:r>
+              <a:rPr lang="en-IN" dirty="0"/>
+              <a:t>MVC App Image: </a:t>
+            </a:r>
+          </a:p>
+          <a:p>
+            <a:r>
+              <a:rPr lang="en-IN" dirty="0"/>
+              <a:t>Name: </a:t>
+            </a:r>
+            <a:r>
+              <a:rPr lang="en-IN" dirty="0" err="1"/>
+              <a:t>SampleApp</a:t>
+            </a:r>
+            <a:endParaRPr lang="en-IN" dirty="0"/>
+          </a:p>
+          <a:p>
+            <a:r>
+              <a:rPr lang="en-IN" dirty="0"/>
+              <a:t>Id       : 5648kfj303</a:t>
+            </a:r>
+          </a:p>
+          <a:p>
+            <a:r>
+              <a:rPr lang="en-IN" dirty="0"/>
+              <a:t>Size    : 321 MB</a:t>
+            </a:r>
+          </a:p>
+        </p:txBody>
+      </p:sp>
+      <p:sp>
+        <p:nvSpPr>
+          <p:cNvPr id="14" name="Rectangle 13">
+            <a:extLst>
+              <a:ext uri="{FF2B5EF4-FFF2-40B4-BE49-F238E27FC236}">
+                <a16:creationId xmlns:a16="http://schemas.microsoft.com/office/drawing/2014/main" id="{40BEA593-FBE6-4C96-BA62-C978C8B7DCD5}"/>
+              </a:ext>
+            </a:extLst>
+          </p:cNvPr>
+          <p:cNvSpPr/>
+          <p:nvPr/>
+        </p:nvSpPr>
+        <p:spPr>
+          <a:xfrm>
+            <a:off x="5043055" y="3392053"/>
+            <a:ext cx="3971636" cy="434109"/>
+          </a:xfrm>
+          <a:prstGeom prst="rect">
+            <a:avLst/>
+          </a:prstGeom>
+        </p:spPr>
+        <p:style>
+          <a:lnRef idx="2">
+            <a:schemeClr val="accent1">
+              <a:shade val="50000"/>
+            </a:schemeClr>
+          </a:lnRef>
+          <a:fillRef idx="1">
+            <a:schemeClr val="accent1"/>
+          </a:fillRef>
+          <a:effectRef idx="0">
+            <a:schemeClr val="accent1"/>
+          </a:effectRef>
+          <a:fontRef idx="minor">
+            <a:schemeClr val="lt1"/>
+          </a:fontRef>
+        </p:style>
+        <p:txBody>
+          <a:bodyPr rtlCol="0" anchor="ctr"/>
+          <a:lstStyle/>
+          <a:p>
+            <a:pPr algn="ctr"/>
+            <a:r>
+              <a:rPr lang="en-IN" dirty="0" err="1"/>
+              <a:t>Nuget</a:t>
+            </a:r>
+            <a:r>
+              <a:rPr lang="en-IN" dirty="0"/>
+              <a:t> </a:t>
+            </a:r>
+            <a:r>
+              <a:rPr lang="en-IN" dirty="0" err="1"/>
+              <a:t>Pkg</a:t>
+            </a:r>
+            <a:r>
+              <a:rPr lang="en-IN" dirty="0"/>
+              <a:t> A: AHFMB44 (9 MB)</a:t>
+            </a:r>
+          </a:p>
+        </p:txBody>
+      </p:sp>
+      <p:sp>
+        <p:nvSpPr>
+          <p:cNvPr id="15" name="Rectangle 14">
+            <a:extLst>
+              <a:ext uri="{FF2B5EF4-FFF2-40B4-BE49-F238E27FC236}">
+                <a16:creationId xmlns:a16="http://schemas.microsoft.com/office/drawing/2014/main" id="{BF516617-A457-4227-96E1-D7955B56EA2A}"/>
+              </a:ext>
+            </a:extLst>
+          </p:cNvPr>
+          <p:cNvSpPr/>
+          <p:nvPr/>
+        </p:nvSpPr>
+        <p:spPr>
+          <a:xfrm>
+            <a:off x="5043055" y="2881745"/>
+            <a:ext cx="3971636" cy="434109"/>
+          </a:xfrm>
+          <a:prstGeom prst="rect">
+            <a:avLst/>
+          </a:prstGeom>
+        </p:spPr>
+        <p:style>
+          <a:lnRef idx="2">
+            <a:schemeClr val="accent1">
+              <a:shade val="50000"/>
+            </a:schemeClr>
+          </a:lnRef>
+          <a:fillRef idx="1">
+            <a:schemeClr val="accent1"/>
+          </a:fillRef>
+          <a:effectRef idx="0">
+            <a:schemeClr val="accent1"/>
+          </a:effectRef>
+          <a:fontRef idx="minor">
+            <a:schemeClr val="lt1"/>
+          </a:fontRef>
+        </p:style>
+        <p:txBody>
+          <a:bodyPr rtlCol="0" anchor="ctr"/>
+          <a:lstStyle/>
+          <a:p>
+            <a:pPr algn="ctr"/>
+            <a:r>
+              <a:rPr lang="en-IN" dirty="0" err="1"/>
+              <a:t>Nuget</a:t>
+            </a:r>
+            <a:r>
+              <a:rPr lang="en-IN" dirty="0"/>
+              <a:t> </a:t>
+            </a:r>
+            <a:r>
+              <a:rPr lang="en-IN" dirty="0" err="1"/>
+              <a:t>Pkg</a:t>
+            </a:r>
+            <a:r>
+              <a:rPr lang="en-IN" dirty="0"/>
+              <a:t> K: 948F (2 MB)</a:t>
+            </a:r>
+          </a:p>
+        </p:txBody>
+      </p:sp>
+      <p:sp>
+        <p:nvSpPr>
+          <p:cNvPr id="16" name="Rectangle 15">
+            <a:extLst>
+              <a:ext uri="{FF2B5EF4-FFF2-40B4-BE49-F238E27FC236}">
+                <a16:creationId xmlns:a16="http://schemas.microsoft.com/office/drawing/2014/main" id="{9D351633-5B70-4E60-BA1B-755DE138AA5B}"/>
+              </a:ext>
+            </a:extLst>
+          </p:cNvPr>
+          <p:cNvSpPr/>
+          <p:nvPr/>
+        </p:nvSpPr>
+        <p:spPr>
+          <a:xfrm>
+            <a:off x="5043055" y="2371436"/>
+            <a:ext cx="3971636" cy="434109"/>
+          </a:xfrm>
+          <a:prstGeom prst="rect">
+            <a:avLst/>
+          </a:prstGeom>
+        </p:spPr>
+        <p:style>
+          <a:lnRef idx="2">
+            <a:schemeClr val="accent1">
+              <a:shade val="50000"/>
+            </a:schemeClr>
+          </a:lnRef>
+          <a:fillRef idx="1">
+            <a:schemeClr val="accent1"/>
+          </a:fillRef>
+          <a:effectRef idx="0">
+            <a:schemeClr val="accent1"/>
+          </a:effectRef>
+          <a:fontRef idx="minor">
+            <a:schemeClr val="lt1"/>
+          </a:fontRef>
+        </p:style>
+        <p:txBody>
+          <a:bodyPr rtlCol="0" anchor="ctr"/>
+          <a:lstStyle/>
+          <a:p>
+            <a:pPr algn="ctr"/>
+            <a:r>
+              <a:rPr lang="en-IN" dirty="0" err="1"/>
+              <a:t>Nuget</a:t>
+            </a:r>
+            <a:r>
+              <a:rPr lang="en-IN" dirty="0"/>
+              <a:t> </a:t>
+            </a:r>
+            <a:r>
+              <a:rPr lang="en-IN" dirty="0" err="1"/>
+              <a:t>Pkg</a:t>
+            </a:r>
+            <a:r>
+              <a:rPr lang="en-IN" dirty="0"/>
+              <a:t> M: KFDFK5 (6 MB)</a:t>
+            </a:r>
+          </a:p>
+        </p:txBody>
+      </p:sp>
+      <p:sp>
+        <p:nvSpPr>
+          <p:cNvPr id="17" name="Rectangle 16">
+            <a:extLst>
+              <a:ext uri="{FF2B5EF4-FFF2-40B4-BE49-F238E27FC236}">
+                <a16:creationId xmlns:a16="http://schemas.microsoft.com/office/drawing/2014/main" id="{D04F8A8D-6704-4144-8C17-48C7AD81880A}"/>
+              </a:ext>
+            </a:extLst>
+          </p:cNvPr>
+          <p:cNvSpPr/>
+          <p:nvPr/>
+        </p:nvSpPr>
+        <p:spPr>
+          <a:xfrm>
+            <a:off x="5043055" y="1861126"/>
+            <a:ext cx="3971636" cy="434109"/>
+          </a:xfrm>
+          <a:prstGeom prst="rect">
+            <a:avLst/>
+          </a:prstGeom>
+          <a:solidFill>
+            <a:schemeClr val="accent6"/>
+          </a:solidFill>
+        </p:spPr>
+        <p:style>
+          <a:lnRef idx="2">
+            <a:schemeClr val="accent1">
+              <a:shade val="50000"/>
+            </a:schemeClr>
+          </a:lnRef>
+          <a:fillRef idx="1">
+            <a:schemeClr val="accent1"/>
+          </a:fillRef>
+          <a:effectRef idx="0">
+            <a:schemeClr val="accent1"/>
+          </a:effectRef>
+          <a:fontRef idx="minor">
+            <a:schemeClr val="lt1"/>
+          </a:fontRef>
+        </p:style>
+        <p:txBody>
+          <a:bodyPr rtlCol="0" anchor="ctr"/>
+          <a:lstStyle/>
+          <a:p>
+            <a:pPr algn="ctr"/>
+            <a:r>
+              <a:rPr lang="en-IN" dirty="0"/>
+              <a:t>Web API App : 5klf (20 MB)</a:t>
+            </a:r>
+          </a:p>
+        </p:txBody>
+      </p:sp>
+      <p:sp>
+        <p:nvSpPr>
+          <p:cNvPr id="18" name="TextBox 17">
+            <a:extLst>
+              <a:ext uri="{FF2B5EF4-FFF2-40B4-BE49-F238E27FC236}">
+                <a16:creationId xmlns:a16="http://schemas.microsoft.com/office/drawing/2014/main" id="{A48D9974-119A-48B2-8A85-2EF8B3A2FE94}"/>
+              </a:ext>
+            </a:extLst>
+          </p:cNvPr>
+          <p:cNvSpPr txBox="1"/>
+          <p:nvPr/>
+        </p:nvSpPr>
+        <p:spPr>
+          <a:xfrm>
+            <a:off x="5241637" y="5442527"/>
+            <a:ext cx="3288146" cy="1200329"/>
+          </a:xfrm>
+          <a:prstGeom prst="rect">
+            <a:avLst/>
+          </a:prstGeom>
+          <a:noFill/>
+        </p:spPr>
+        <p:txBody>
+          <a:bodyPr wrap="square" rtlCol="0">
+            <a:spAutoFit/>
+          </a:bodyPr>
+          <a:lstStyle/>
+          <a:p>
+            <a:r>
+              <a:rPr lang="en-IN" dirty="0"/>
+              <a:t>Web API App Image: </a:t>
+            </a:r>
+          </a:p>
+          <a:p>
+            <a:r>
+              <a:rPr lang="en-IN" dirty="0"/>
+              <a:t>Name: </a:t>
+            </a:r>
+            <a:r>
+              <a:rPr lang="en-IN" dirty="0" err="1"/>
+              <a:t>CatalogService</a:t>
+            </a:r>
+            <a:endParaRPr lang="en-IN" dirty="0"/>
+          </a:p>
+          <a:p>
+            <a:r>
+              <a:rPr lang="en-IN" dirty="0"/>
+              <a:t>Id       : 58fk3fly9</a:t>
+            </a:r>
+          </a:p>
+          <a:p>
+            <a:r>
+              <a:rPr lang="en-IN" dirty="0"/>
+              <a:t>Size    : 341 MB</a:t>
+            </a:r>
+          </a:p>
+        </p:txBody>
+      </p:sp>
+      <p:sp>
+        <p:nvSpPr>
+          <p:cNvPr id="20" name="TextBox 19">
+            <a:extLst>
+              <a:ext uri="{FF2B5EF4-FFF2-40B4-BE49-F238E27FC236}">
+                <a16:creationId xmlns:a16="http://schemas.microsoft.com/office/drawing/2014/main" id="{542A0921-0B47-48D7-94AB-CE448E87925C}"/>
+              </a:ext>
+            </a:extLst>
+          </p:cNvPr>
+          <p:cNvSpPr txBox="1"/>
+          <p:nvPr/>
+        </p:nvSpPr>
+        <p:spPr>
+          <a:xfrm>
+            <a:off x="4387273" y="849745"/>
+            <a:ext cx="910827" cy="369332"/>
+          </a:xfrm>
+          <a:prstGeom prst="rect">
+            <a:avLst/>
+          </a:prstGeom>
+          <a:noFill/>
+        </p:spPr>
+        <p:txBody>
+          <a:bodyPr wrap="none" rtlCol="0">
+            <a:spAutoFit/>
+          </a:bodyPr>
+          <a:lstStyle/>
+          <a:p>
+            <a:r>
+              <a:rPr lang="en-IN" dirty="0"/>
+              <a:t>358 MB</a:t>
             </a:r>
           </a:p>
         </p:txBody>
@@ -11755,7 +13766,7 @@
     </p:spTree>
     <p:extLst>
       <p:ext uri="{BB962C8B-B14F-4D97-AF65-F5344CB8AC3E}">
-        <p14:creationId xmlns:p14="http://schemas.microsoft.com/office/powerpoint/2010/main" val="4289608729"/>
+        <p14:creationId xmlns:p14="http://schemas.microsoft.com/office/powerpoint/2010/main" val="1573414215"/>
       </p:ext>
     </p:extLst>
   </p:cSld>
@@ -11787,7 +13798,7 @@
           <p:cNvPr id="2" name="Title 1">
             <a:extLst>
               <a:ext uri="{FF2B5EF4-FFF2-40B4-BE49-F238E27FC236}">
-                <a16:creationId xmlns:a16="http://schemas.microsoft.com/office/drawing/2014/main" id="{0228FC66-E2B6-47DD-8335-236216D6264E}"/>
+                <a16:creationId xmlns:a16="http://schemas.microsoft.com/office/drawing/2014/main" id="{EE9D8D70-1B22-4138-8105-3C8CF4CEC125}"/>
               </a:ext>
             </a:extLst>
           </p:cNvPr>
@@ -11805,7 +13816,7 @@
           <a:p>
             <a:r>
               <a:rPr lang="en-IN" dirty="0"/>
-              <a:t>Image name </a:t>
+              <a:t>Image Repositories</a:t>
             </a:r>
           </a:p>
         </p:txBody>
@@ -11815,7 +13826,7 @@
           <p:cNvPr id="3" name="Content Placeholder 2">
             <a:extLst>
               <a:ext uri="{FF2B5EF4-FFF2-40B4-BE49-F238E27FC236}">
-                <a16:creationId xmlns:a16="http://schemas.microsoft.com/office/drawing/2014/main" id="{86466A68-7ABA-46D8-9F1C-1ABFB008270B}"/>
+                <a16:creationId xmlns:a16="http://schemas.microsoft.com/office/drawing/2014/main" id="{4418531E-B2C9-49E9-A4CF-56032B3D88EE}"/>
               </a:ext>
             </a:extLst>
           </p:cNvPr>
@@ -11828,10 +13839,14 @@
         </p:nvSpPr>
         <p:spPr/>
         <p:txBody>
-          <a:bodyPr>
-            <a:normAutofit lnSpcReduction="10000"/>
-          </a:bodyPr>
-          <a:lstStyle/>
+          <a:bodyPr/>
+          <a:lstStyle/>
+          <a:p>
+            <a:r>
+              <a:rPr lang="en-IN" dirty="0"/>
+              <a:t>Location to store the docker images.</a:t>
+            </a:r>
+          </a:p>
           <a:p>
             <a:r>
               <a:rPr lang="en-IN" dirty="0"/>
@@ -11842,97 +13857,78 @@
             <a:pPr lvl="1"/>
             <a:r>
               <a:rPr lang="en-IN" dirty="0"/>
-              <a:t>Any name for image ( name must be unique)</a:t>
+              <a:t>Repository exists in the local machine (Dev machine/ prod machine)</a:t>
+            </a:r>
+          </a:p>
+          <a:p>
+            <a:r>
+              <a:rPr lang="en-IN" dirty="0"/>
+              <a:t>Cloud repository</a:t>
             </a:r>
           </a:p>
           <a:p>
             <a:pPr lvl="1"/>
             <a:r>
               <a:rPr lang="en-IN" dirty="0"/>
-              <a:t>&lt;</a:t>
+              <a:t>A Common cloud storage to store images.</a:t>
+            </a:r>
+          </a:p>
+          <a:p>
+            <a:pPr lvl="1"/>
+            <a:r>
+              <a:rPr lang="en-IN" dirty="0"/>
+              <a:t>Commonly accessible to multiple users</a:t>
+            </a:r>
+          </a:p>
+          <a:p>
+            <a:pPr lvl="2"/>
+            <a:r>
+              <a:rPr lang="en-IN" dirty="0"/>
+              <a:t>Public repository</a:t>
+            </a:r>
+          </a:p>
+          <a:p>
+            <a:pPr lvl="3"/>
+            <a:r>
+              <a:rPr lang="en-IN" dirty="0"/>
+              <a:t>Accessible to all without authentication , </a:t>
             </a:r>
             <a:r>
               <a:rPr lang="en-IN" dirty="0" err="1"/>
-              <a:t>imagename</a:t>
-            </a:r>
-            <a:r>
-              <a:rPr lang="en-IN" dirty="0"/>
-              <a:t>&gt;:&lt;tag&gt; format</a:t>
-            </a:r>
-          </a:p>
-          <a:p>
-            <a:pPr lvl="1"/>
-            <a:r>
-              <a:rPr lang="en-IN" dirty="0"/>
-              <a:t>Tag could be a version identifier, platform identifier, revision number</a:t>
-            </a:r>
-          </a:p>
-          <a:p>
-            <a:pPr lvl="1"/>
+              <a:t>eg</a:t>
+            </a:r>
+            <a:r>
+              <a:rPr lang="en-IN" dirty="0"/>
+              <a:t>: Docker Hub</a:t>
+            </a:r>
+          </a:p>
+          <a:p>
+            <a:pPr lvl="2"/>
+            <a:r>
+              <a:rPr lang="en-IN" dirty="0"/>
+              <a:t>Private repository</a:t>
+            </a:r>
+          </a:p>
+          <a:p>
+            <a:pPr lvl="3"/>
+            <a:r>
+              <a:rPr lang="en-IN" dirty="0"/>
+              <a:t>Accessible to only authenticated users.</a:t>
+            </a:r>
+          </a:p>
+          <a:p>
+            <a:pPr lvl="3"/>
+            <a:r>
+              <a:rPr lang="en-IN" dirty="0"/>
+              <a:t>Secure storage of images. (</a:t>
+            </a:r>
             <a:r>
               <a:rPr lang="en-IN" dirty="0" err="1"/>
-              <a:t>Eg</a:t>
-            </a:r>
-            <a:r>
-              <a:rPr lang="en-IN" dirty="0"/>
-              <a:t>: eshopweb:v1, eshopweb:1.0, </a:t>
-            </a:r>
-            <a:r>
-              <a:rPr lang="en-IN" dirty="0" err="1"/>
-              <a:t>eshopweb:alpha</a:t>
-            </a:r>
-            <a:endParaRPr lang="en-IN" dirty="0"/>
-          </a:p>
-          <a:p>
-            <a:r>
-              <a:rPr lang="en-IN" dirty="0"/>
-              <a:t>Cloud Repository</a:t>
-            </a:r>
-          </a:p>
-          <a:p>
-            <a:pPr lvl="1"/>
-            <a:r>
-              <a:rPr lang="en-IN" dirty="0"/>
-              <a:t>Naming format should be &lt;</a:t>
-            </a:r>
-            <a:r>
-              <a:rPr lang="en-IN" dirty="0" err="1"/>
-              <a:t>accountname</a:t>
-            </a:r>
-            <a:r>
-              <a:rPr lang="en-IN" dirty="0"/>
-              <a:t>/</a:t>
-            </a:r>
-            <a:r>
-              <a:rPr lang="en-IN" dirty="0" err="1"/>
-              <a:t>imagename</a:t>
-            </a:r>
-            <a:r>
-              <a:rPr lang="en-IN" dirty="0"/>
-              <a:t>&gt;:&lt;tag&gt;</a:t>
-            </a:r>
-          </a:p>
-          <a:p>
-            <a:pPr lvl="1"/>
-            <a:r>
-              <a:rPr lang="en-IN" dirty="0" err="1"/>
-              <a:t>Eg</a:t>
-            </a:r>
-            <a:r>
-              <a:rPr lang="en-IN" dirty="0"/>
-              <a:t>: sonusathyadas/eshopweb:v1, aditya1990/eshopweb:1.0</a:t>
-            </a:r>
-          </a:p>
-          <a:p>
-            <a:r>
-              <a:rPr lang="en-IN" dirty="0"/>
-              <a:t>Tag value is not mandatory.</a:t>
-            </a:r>
-          </a:p>
-          <a:p>
-            <a:r>
-              <a:rPr lang="en-IN" dirty="0"/>
-              <a:t>By default the tag value will be “latest”</a:t>
+              <a:t>eg</a:t>
+            </a:r>
+            <a:r>
+              <a:rPr lang="en-IN" dirty="0"/>
+              <a:t>: Azure ACR, AWS ECR, Google GCR)</a:t>
             </a:r>
           </a:p>
         </p:txBody>
@@ -11940,7 +13936,7 @@
     </p:spTree>
     <p:extLst>
       <p:ext uri="{BB962C8B-B14F-4D97-AF65-F5344CB8AC3E}">
-        <p14:creationId xmlns:p14="http://schemas.microsoft.com/office/powerpoint/2010/main" val="3204495915"/>
+        <p14:creationId xmlns:p14="http://schemas.microsoft.com/office/powerpoint/2010/main" val="4289608729"/>
       </p:ext>
     </p:extLst>
   </p:cSld>
@@ -11972,7 +13968,7 @@
           <p:cNvPr id="2" name="Title 1">
             <a:extLst>
               <a:ext uri="{FF2B5EF4-FFF2-40B4-BE49-F238E27FC236}">
-                <a16:creationId xmlns:a16="http://schemas.microsoft.com/office/drawing/2014/main" id="{3C79592F-E145-49AD-B4C5-5FCAA119D89B}"/>
+                <a16:creationId xmlns:a16="http://schemas.microsoft.com/office/drawing/2014/main" id="{0228FC66-E2B6-47DD-8335-236216D6264E}"/>
               </a:ext>
             </a:extLst>
           </p:cNvPr>
@@ -11990,7 +13986,7 @@
           <a:p>
             <a:r>
               <a:rPr lang="en-IN" dirty="0"/>
-              <a:t>Uploading and downloading images</a:t>
+              <a:t>Image name </a:t>
             </a:r>
           </a:p>
         </p:txBody>
@@ -12000,7 +13996,7 @@
           <p:cNvPr id="3" name="Content Placeholder 2">
             <a:extLst>
               <a:ext uri="{FF2B5EF4-FFF2-40B4-BE49-F238E27FC236}">
-                <a16:creationId xmlns:a16="http://schemas.microsoft.com/office/drawing/2014/main" id="{45E639D0-DDCF-4197-BDD2-E32CDAE15927}"/>
+                <a16:creationId xmlns:a16="http://schemas.microsoft.com/office/drawing/2014/main" id="{86466A68-7ABA-46D8-9F1C-1ABFB008270B}"/>
               </a:ext>
             </a:extLst>
           </p:cNvPr>
@@ -12020,90 +14016,104 @@
           <a:p>
             <a:r>
               <a:rPr lang="en-IN" dirty="0"/>
-              <a:t>Build an image</a:t>
+              <a:t>Local repository</a:t>
             </a:r>
           </a:p>
           <a:p>
             <a:pPr lvl="1"/>
             <a:r>
               <a:rPr lang="en-IN" dirty="0"/>
-              <a:t>docker build –t &lt;</a:t>
+              <a:t>Any name for image ( name must be unique)</a:t>
+            </a:r>
+          </a:p>
+          <a:p>
+            <a:pPr lvl="1"/>
+            <a:r>
+              <a:rPr lang="en-IN" dirty="0"/>
+              <a:t>&lt;</a:t>
             </a:r>
             <a:r>
               <a:rPr lang="en-IN" dirty="0" err="1"/>
-              <a:t>imagename:tag</a:t>
-            </a:r>
-            <a:r>
-              <a:rPr lang="en-IN" dirty="0"/>
-              <a:t>&gt; .</a:t>
-            </a:r>
-          </a:p>
-          <a:p>
-            <a:r>
-              <a:rPr lang="en-IN" dirty="0"/>
-              <a:t>Upload the image to Docker Hub</a:t>
+              <a:t>imagename</a:t>
+            </a:r>
+            <a:r>
+              <a:rPr lang="en-IN" dirty="0"/>
+              <a:t>&gt;:&lt;tag&gt; format</a:t>
             </a:r>
           </a:p>
           <a:p>
             <a:pPr lvl="1"/>
             <a:r>
               <a:rPr lang="en-IN" dirty="0"/>
-              <a:t>docker push &lt;</a:t>
-            </a:r>
+              <a:t>Tag could be a version identifier, platform identifier, revision number</a:t>
+            </a:r>
+          </a:p>
+          <a:p>
+            <a:pPr lvl="1"/>
             <a:r>
               <a:rPr lang="en-IN" dirty="0" err="1"/>
-              <a:t>imagename:tag</a:t>
-            </a:r>
-            <a:r>
-              <a:rPr lang="en-IN" dirty="0"/>
-              <a:t>&gt;</a:t>
-            </a:r>
-          </a:p>
-          <a:p>
-            <a:r>
-              <a:rPr lang="en-IN" dirty="0"/>
-              <a:t>Downloading image to local machine</a:t>
+              <a:t>Eg</a:t>
+            </a:r>
+            <a:r>
+              <a:rPr lang="en-IN" dirty="0"/>
+              <a:t>: eshopweb:v1, eshopweb:1.0, </a:t>
+            </a:r>
+            <a:r>
+              <a:rPr lang="en-IN" dirty="0" err="1"/>
+              <a:t>eshopweb:alpha</a:t>
+            </a:r>
+            <a:endParaRPr lang="en-IN" dirty="0"/>
+          </a:p>
+          <a:p>
+            <a:r>
+              <a:rPr lang="en-IN" dirty="0"/>
+              <a:t>Cloud Repository</a:t>
             </a:r>
           </a:p>
           <a:p>
             <a:pPr lvl="1"/>
             <a:r>
               <a:rPr lang="en-IN" dirty="0"/>
-              <a:t>docker pull &lt;</a:t>
+              <a:t>Naming format should be &lt;</a:t>
             </a:r>
             <a:r>
               <a:rPr lang="en-IN" dirty="0" err="1"/>
-              <a:t>imagename:tag</a:t>
-            </a:r>
-            <a:r>
-              <a:rPr lang="en-IN" dirty="0"/>
-              <a:t>&gt;</a:t>
-            </a:r>
-          </a:p>
-          <a:p>
-            <a:r>
-              <a:rPr lang="en-IN" dirty="0"/>
-              <a:t>Creating alias name for images</a:t>
+              <a:t>accountname</a:t>
+            </a:r>
+            <a:r>
+              <a:rPr lang="en-IN" dirty="0"/>
+              <a:t>/</a:t>
+            </a:r>
+            <a:r>
+              <a:rPr lang="en-IN" dirty="0" err="1"/>
+              <a:t>imagename</a:t>
+            </a:r>
+            <a:r>
+              <a:rPr lang="en-IN" dirty="0"/>
+              <a:t>&gt;:&lt;tag&gt;</a:t>
             </a:r>
           </a:p>
           <a:p>
             <a:pPr lvl="1"/>
             <a:r>
-              <a:rPr lang="en-IN" dirty="0"/>
-              <a:t>docker tag &lt;old-name&gt; &lt;new-name&gt;</a:t>
-            </a:r>
-          </a:p>
-          <a:p>
-            <a:r>
-              <a:rPr lang="en-IN" dirty="0"/>
-              <a:t>List images in local repository</a:t>
-            </a:r>
-          </a:p>
-          <a:p>
-            <a:pPr lvl="1"/>
-            <a:r>
-              <a:rPr lang="en-IN" dirty="0"/>
-              <a:t>docker images</a:t>
+              <a:rPr lang="en-IN" dirty="0" err="1"/>
+              <a:t>Eg</a:t>
+            </a:r>
+            <a:r>
+              <a:rPr lang="en-IN" dirty="0"/>
+              <a:t>: sonusathyadas/eshopweb:v1, aditya1990/eshopweb:1.0</a:t>
+            </a:r>
+          </a:p>
+          <a:p>
+            <a:r>
+              <a:rPr lang="en-IN" dirty="0"/>
+              <a:t>Tag value is not mandatory.</a:t>
+            </a:r>
+          </a:p>
+          <a:p>
+            <a:r>
+              <a:rPr lang="en-IN" dirty="0"/>
+              <a:t>By default the tag value will be “latest”</a:t>
             </a:r>
           </a:p>
         </p:txBody>
@@ -12111,7 +14121,7 @@
     </p:spTree>
     <p:extLst>
       <p:ext uri="{BB962C8B-B14F-4D97-AF65-F5344CB8AC3E}">
-        <p14:creationId xmlns:p14="http://schemas.microsoft.com/office/powerpoint/2010/main" val="1549858817"/>
+        <p14:creationId xmlns:p14="http://schemas.microsoft.com/office/powerpoint/2010/main" val="3204495915"/>
       </p:ext>
     </p:extLst>
   </p:cSld>
@@ -12143,7 +14153,7 @@
           <p:cNvPr id="2" name="Title 1">
             <a:extLst>
               <a:ext uri="{FF2B5EF4-FFF2-40B4-BE49-F238E27FC236}">
-                <a16:creationId xmlns:a16="http://schemas.microsoft.com/office/drawing/2014/main" id="{E3B88EC3-CDDB-4A89-A5A4-E4CF978C48BF}"/>
+                <a16:creationId xmlns:a16="http://schemas.microsoft.com/office/drawing/2014/main" id="{3C79592F-E145-49AD-B4C5-5FCAA119D89B}"/>
               </a:ext>
             </a:extLst>
           </p:cNvPr>
@@ -12161,1061 +14171,128 @@
           <a:p>
             <a:r>
               <a:rPr lang="en-IN" dirty="0"/>
-              <a:t>Docker Networking</a:t>
-            </a:r>
-          </a:p>
-        </p:txBody>
-      </p:sp>
-      <p:sp>
-        <p:nvSpPr>
-          <p:cNvPr id="4" name="Rectangle 3">
-            <a:extLst>
-              <a:ext uri="{FF2B5EF4-FFF2-40B4-BE49-F238E27FC236}">
-                <a16:creationId xmlns:a16="http://schemas.microsoft.com/office/drawing/2014/main" id="{9A9A5BE6-2409-4AFE-87BA-35EAC315A2E1}"/>
-              </a:ext>
-            </a:extLst>
-          </p:cNvPr>
-          <p:cNvSpPr/>
-          <p:nvPr/>
-        </p:nvSpPr>
-        <p:spPr>
-          <a:xfrm>
-            <a:off x="701964" y="1801092"/>
-            <a:ext cx="10898909" cy="3796144"/>
-          </a:xfrm>
-          <a:prstGeom prst="rect">
-            <a:avLst/>
-          </a:prstGeom>
-          <a:noFill/>
-        </p:spPr>
-        <p:style>
-          <a:lnRef idx="2">
-            <a:schemeClr val="accent1">
-              <a:shade val="50000"/>
-            </a:schemeClr>
-          </a:lnRef>
-          <a:fillRef idx="1">
-            <a:schemeClr val="accent1"/>
-          </a:fillRef>
-          <a:effectRef idx="0">
-            <a:schemeClr val="accent1"/>
-          </a:effectRef>
-          <a:fontRef idx="minor">
-            <a:schemeClr val="lt1"/>
-          </a:fontRef>
-        </p:style>
-        <p:txBody>
-          <a:bodyPr rtlCol="0" anchor="ctr"/>
-          <a:lstStyle/>
-          <a:p>
-            <a:pPr algn="ctr"/>
-            <a:endParaRPr lang="en-IN"/>
-          </a:p>
-        </p:txBody>
-      </p:sp>
-      <p:sp>
-        <p:nvSpPr>
-          <p:cNvPr id="5" name="TextBox 4">
-            <a:extLst>
-              <a:ext uri="{FF2B5EF4-FFF2-40B4-BE49-F238E27FC236}">
-                <a16:creationId xmlns:a16="http://schemas.microsoft.com/office/drawing/2014/main" id="{105A1314-4BF6-4222-960C-AD5CD80DE8D3}"/>
-              </a:ext>
-            </a:extLst>
-          </p:cNvPr>
-          <p:cNvSpPr txBox="1"/>
-          <p:nvPr/>
-        </p:nvSpPr>
-        <p:spPr>
-          <a:xfrm>
-            <a:off x="6326880" y="5537261"/>
-            <a:ext cx="1071447" cy="369332"/>
-          </a:xfrm>
-          <a:prstGeom prst="rect">
-            <a:avLst/>
-          </a:prstGeom>
-          <a:noFill/>
-        </p:spPr>
-        <p:txBody>
-          <a:bodyPr wrap="none" rtlCol="0">
-            <a:spAutoFit/>
+              <a:t>Uploading and downloading images</a:t>
+            </a:r>
+          </a:p>
+        </p:txBody>
+      </p:sp>
+      <p:sp>
+        <p:nvSpPr>
+          <p:cNvPr id="3" name="Content Placeholder 2">
+            <a:extLst>
+              <a:ext uri="{FF2B5EF4-FFF2-40B4-BE49-F238E27FC236}">
+                <a16:creationId xmlns:a16="http://schemas.microsoft.com/office/drawing/2014/main" id="{45E639D0-DDCF-4197-BDD2-E32CDAE15927}"/>
+              </a:ext>
+            </a:extLst>
+          </p:cNvPr>
+          <p:cNvSpPr>
+            <a:spLocks noGrp="1"/>
+          </p:cNvSpPr>
+          <p:nvPr>
+            <p:ph idx="1"/>
+          </p:nvPr>
+        </p:nvSpPr>
+        <p:spPr/>
+        <p:txBody>
+          <a:bodyPr>
+            <a:normAutofit lnSpcReduction="10000"/>
           </a:bodyPr>
           <a:lstStyle/>
           <a:p>
             <a:r>
               <a:rPr lang="en-IN" dirty="0"/>
-              <a:t>Localhost</a:t>
-            </a:r>
-          </a:p>
-        </p:txBody>
-      </p:sp>
-      <p:sp>
-        <p:nvSpPr>
-          <p:cNvPr id="6" name="Rectangle: Rounded Corners 5">
-            <a:extLst>
-              <a:ext uri="{FF2B5EF4-FFF2-40B4-BE49-F238E27FC236}">
-                <a16:creationId xmlns:a16="http://schemas.microsoft.com/office/drawing/2014/main" id="{9D3139C9-74DB-4668-AF60-72210195CE78}"/>
-              </a:ext>
-            </a:extLst>
-          </p:cNvPr>
-          <p:cNvSpPr/>
-          <p:nvPr/>
-        </p:nvSpPr>
-        <p:spPr>
-          <a:xfrm>
-            <a:off x="951344" y="2364509"/>
-            <a:ext cx="10402455" cy="1727200"/>
-          </a:xfrm>
-          <a:prstGeom prst="roundRect">
-            <a:avLst/>
-          </a:prstGeom>
-          <a:solidFill>
-            <a:schemeClr val="accent1">
-              <a:lumMod val="20000"/>
-              <a:lumOff val="80000"/>
-            </a:schemeClr>
-          </a:solidFill>
-        </p:spPr>
-        <p:style>
-          <a:lnRef idx="2">
-            <a:schemeClr val="accent1">
-              <a:shade val="50000"/>
-            </a:schemeClr>
-          </a:lnRef>
-          <a:fillRef idx="1">
-            <a:schemeClr val="accent1"/>
-          </a:fillRef>
-          <a:effectRef idx="0">
-            <a:schemeClr val="accent1"/>
-          </a:effectRef>
-          <a:fontRef idx="minor">
-            <a:schemeClr val="lt1"/>
-          </a:fontRef>
-        </p:style>
-        <p:txBody>
-          <a:bodyPr rtlCol="0" anchor="ctr"/>
-          <a:lstStyle/>
-          <a:p>
-            <a:pPr algn="ctr"/>
-            <a:endParaRPr lang="en-IN" dirty="0"/>
-          </a:p>
-        </p:txBody>
-      </p:sp>
-      <p:sp>
-        <p:nvSpPr>
-          <p:cNvPr id="7" name="Rectangle 6">
-            <a:extLst>
-              <a:ext uri="{FF2B5EF4-FFF2-40B4-BE49-F238E27FC236}">
-                <a16:creationId xmlns:a16="http://schemas.microsoft.com/office/drawing/2014/main" id="{762F9A23-6834-4814-AC27-0BB3F8E082AB}"/>
-              </a:ext>
-            </a:extLst>
-          </p:cNvPr>
-          <p:cNvSpPr/>
-          <p:nvPr/>
-        </p:nvSpPr>
-        <p:spPr>
-          <a:xfrm>
-            <a:off x="1339273" y="2927927"/>
-            <a:ext cx="1579418" cy="600364"/>
-          </a:xfrm>
-          <a:prstGeom prst="rect">
-            <a:avLst/>
-          </a:prstGeom>
-        </p:spPr>
-        <p:style>
-          <a:lnRef idx="2">
-            <a:schemeClr val="accent1">
-              <a:shade val="50000"/>
-            </a:schemeClr>
-          </a:lnRef>
-          <a:fillRef idx="1">
-            <a:schemeClr val="accent1"/>
-          </a:fillRef>
-          <a:effectRef idx="0">
-            <a:schemeClr val="accent1"/>
-          </a:effectRef>
-          <a:fontRef idx="minor">
-            <a:schemeClr val="lt1"/>
-          </a:fontRef>
-        </p:style>
-        <p:txBody>
-          <a:bodyPr rtlCol="0" anchor="ctr"/>
-          <a:lstStyle/>
-          <a:p>
-            <a:pPr algn="ctr"/>
+              <a:t>Build an image</a:t>
+            </a:r>
+          </a:p>
+          <a:p>
+            <a:pPr lvl="1"/>
+            <a:r>
+              <a:rPr lang="en-IN" dirty="0"/>
+              <a:t>docker build –t &lt;</a:t>
+            </a:r>
             <a:r>
               <a:rPr lang="en-IN" dirty="0" err="1"/>
-              <a:t>mvc</a:t>
-            </a:r>
-            <a:r>
-              <a:rPr lang="en-IN" dirty="0"/>
-              <a:t> :80</a:t>
-            </a:r>
-          </a:p>
-        </p:txBody>
-      </p:sp>
-      <p:sp>
-        <p:nvSpPr>
-          <p:cNvPr id="8" name="Rectangle 7">
-            <a:extLst>
-              <a:ext uri="{FF2B5EF4-FFF2-40B4-BE49-F238E27FC236}">
-                <a16:creationId xmlns:a16="http://schemas.microsoft.com/office/drawing/2014/main" id="{2E9EF1B2-F086-4CD2-82EA-B48EB2B9277D}"/>
-              </a:ext>
-            </a:extLst>
-          </p:cNvPr>
-          <p:cNvSpPr/>
-          <p:nvPr/>
-        </p:nvSpPr>
-        <p:spPr>
-          <a:xfrm>
-            <a:off x="4572000" y="4341091"/>
-            <a:ext cx="1681017" cy="757382"/>
-          </a:xfrm>
-          <a:prstGeom prst="rect">
-            <a:avLst/>
-          </a:prstGeom>
-        </p:spPr>
-        <p:style>
-          <a:lnRef idx="2">
-            <a:schemeClr val="accent1">
-              <a:shade val="50000"/>
-            </a:schemeClr>
-          </a:lnRef>
-          <a:fillRef idx="1">
-            <a:schemeClr val="accent1"/>
-          </a:fillRef>
-          <a:effectRef idx="0">
-            <a:schemeClr val="accent1"/>
-          </a:effectRef>
-          <a:fontRef idx="minor">
-            <a:schemeClr val="lt1"/>
-          </a:fontRef>
-        </p:style>
-        <p:txBody>
-          <a:bodyPr rtlCol="0" anchor="ctr"/>
-          <a:lstStyle/>
-          <a:p>
-            <a:pPr algn="ctr"/>
-            <a:r>
-              <a:rPr lang="en-IN" dirty="0"/>
-              <a:t>IIS:80</a:t>
-            </a:r>
-          </a:p>
-        </p:txBody>
-      </p:sp>
-      <p:sp>
-        <p:nvSpPr>
-          <p:cNvPr id="11" name="Rectangle 10">
-            <a:extLst>
-              <a:ext uri="{FF2B5EF4-FFF2-40B4-BE49-F238E27FC236}">
-                <a16:creationId xmlns:a16="http://schemas.microsoft.com/office/drawing/2014/main" id="{85DF8365-4679-4E37-A5EC-0074495540BC}"/>
-              </a:ext>
-            </a:extLst>
-          </p:cNvPr>
-          <p:cNvSpPr/>
-          <p:nvPr/>
-        </p:nvSpPr>
-        <p:spPr>
-          <a:xfrm>
-            <a:off x="2309091" y="6188364"/>
-            <a:ext cx="3713018" cy="387927"/>
-          </a:xfrm>
-          <a:prstGeom prst="rect">
-            <a:avLst/>
-          </a:prstGeom>
-        </p:spPr>
-        <p:style>
-          <a:lnRef idx="2">
-            <a:schemeClr val="accent1">
-              <a:shade val="50000"/>
-            </a:schemeClr>
-          </a:lnRef>
-          <a:fillRef idx="1">
-            <a:schemeClr val="accent1"/>
-          </a:fillRef>
-          <a:effectRef idx="0">
-            <a:schemeClr val="accent1"/>
-          </a:effectRef>
-          <a:fontRef idx="minor">
-            <a:schemeClr val="lt1"/>
-          </a:fontRef>
-        </p:style>
-        <p:txBody>
-          <a:bodyPr rtlCol="0" anchor="ctr"/>
-          <a:lstStyle/>
-          <a:p>
-            <a:pPr algn="ctr"/>
-            <a:r>
-              <a:rPr lang="en-IN" dirty="0"/>
-              <a:t>Chrome</a:t>
-            </a:r>
-          </a:p>
-        </p:txBody>
-      </p:sp>
-      <p:cxnSp>
-        <p:nvCxnSpPr>
-          <p:cNvPr id="10" name="Straight Arrow Connector 9">
-            <a:extLst>
-              <a:ext uri="{FF2B5EF4-FFF2-40B4-BE49-F238E27FC236}">
-                <a16:creationId xmlns:a16="http://schemas.microsoft.com/office/drawing/2014/main" id="{0D73CF2B-8A33-41E7-A6EE-0FCDE0E2DB30}"/>
-              </a:ext>
-            </a:extLst>
-          </p:cNvPr>
-          <p:cNvCxnSpPr/>
-          <p:nvPr/>
-        </p:nvCxnSpPr>
-        <p:spPr>
-          <a:xfrm flipV="1">
-            <a:off x="5883563" y="4959927"/>
-            <a:ext cx="0" cy="1459346"/>
-          </a:xfrm>
-          <a:prstGeom prst="straightConnector1">
-            <a:avLst/>
-          </a:prstGeom>
-          <a:ln w="57150">
-            <a:solidFill>
-              <a:schemeClr val="accent2">
-                <a:lumMod val="75000"/>
-              </a:schemeClr>
-            </a:solidFill>
-            <a:tailEnd type="triangle"/>
-          </a:ln>
-        </p:spPr>
-        <p:style>
-          <a:lnRef idx="1">
-            <a:schemeClr val="accent1"/>
-          </a:lnRef>
-          <a:fillRef idx="0">
-            <a:schemeClr val="accent1"/>
-          </a:fillRef>
-          <a:effectRef idx="0">
-            <a:schemeClr val="accent1"/>
-          </a:effectRef>
-          <a:fontRef idx="minor">
-            <a:schemeClr val="tx1"/>
-          </a:fontRef>
-        </p:style>
-      </p:cxnSp>
-      <p:cxnSp>
-        <p:nvCxnSpPr>
-          <p:cNvPr id="12" name="Straight Arrow Connector 11">
-            <a:extLst>
-              <a:ext uri="{FF2B5EF4-FFF2-40B4-BE49-F238E27FC236}">
-                <a16:creationId xmlns:a16="http://schemas.microsoft.com/office/drawing/2014/main" id="{6647F6B6-BCD9-4C36-9C39-352D06BA2D91}"/>
-              </a:ext>
-            </a:extLst>
-          </p:cNvPr>
-          <p:cNvCxnSpPr>
-            <a:cxnSpLocks/>
-          </p:cNvCxnSpPr>
-          <p:nvPr/>
-        </p:nvCxnSpPr>
-        <p:spPr>
-          <a:xfrm flipV="1">
-            <a:off x="2544618" y="4091709"/>
-            <a:ext cx="0" cy="2327564"/>
-          </a:xfrm>
-          <a:prstGeom prst="straightConnector1">
-            <a:avLst/>
-          </a:prstGeom>
-          <a:ln w="57150">
-            <a:solidFill>
-              <a:schemeClr val="accent2">
-                <a:lumMod val="75000"/>
-              </a:schemeClr>
-            </a:solidFill>
-            <a:tailEnd type="triangle"/>
-          </a:ln>
-        </p:spPr>
-        <p:style>
-          <a:lnRef idx="1">
-            <a:schemeClr val="accent1"/>
-          </a:lnRef>
-          <a:fillRef idx="0">
-            <a:schemeClr val="accent1"/>
-          </a:fillRef>
-          <a:effectRef idx="0">
-            <a:schemeClr val="accent1"/>
-          </a:effectRef>
-          <a:fontRef idx="minor">
-            <a:schemeClr val="tx1"/>
-          </a:fontRef>
-        </p:style>
-      </p:cxnSp>
-      <p:sp>
-        <p:nvSpPr>
-          <p:cNvPr id="14" name="TextBox 13">
-            <a:extLst>
-              <a:ext uri="{FF2B5EF4-FFF2-40B4-BE49-F238E27FC236}">
-                <a16:creationId xmlns:a16="http://schemas.microsoft.com/office/drawing/2014/main" id="{64892E46-6DB7-4469-B15B-4186F065F59B}"/>
-              </a:ext>
-            </a:extLst>
-          </p:cNvPr>
-          <p:cNvSpPr txBox="1"/>
-          <p:nvPr/>
-        </p:nvSpPr>
-        <p:spPr>
-          <a:xfrm>
-            <a:off x="1657927" y="2604655"/>
-            <a:ext cx="1773382" cy="369332"/>
-          </a:xfrm>
-          <a:prstGeom prst="rect">
-            <a:avLst/>
-          </a:prstGeom>
-          <a:noFill/>
-        </p:spPr>
-        <p:txBody>
-          <a:bodyPr wrap="square" rtlCol="0">
-            <a:spAutoFit/>
-          </a:bodyPr>
-          <a:lstStyle/>
-          <a:p>
-            <a:r>
-              <a:rPr lang="en-IN" dirty="0"/>
-              <a:t>172.17.0.6</a:t>
-            </a:r>
-          </a:p>
-        </p:txBody>
-      </p:sp>
-      <p:sp>
-        <p:nvSpPr>
-          <p:cNvPr id="15" name="TextBox 14">
-            <a:extLst>
-              <a:ext uri="{FF2B5EF4-FFF2-40B4-BE49-F238E27FC236}">
-                <a16:creationId xmlns:a16="http://schemas.microsoft.com/office/drawing/2014/main" id="{2ABEC808-4E3D-40FA-BEED-ECD624D13547}"/>
-              </a:ext>
-            </a:extLst>
-          </p:cNvPr>
-          <p:cNvSpPr txBox="1"/>
-          <p:nvPr/>
-        </p:nvSpPr>
-        <p:spPr>
-          <a:xfrm>
-            <a:off x="2918691" y="2313709"/>
-            <a:ext cx="2623127" cy="369332"/>
-          </a:xfrm>
-          <a:prstGeom prst="rect">
-            <a:avLst/>
-          </a:prstGeom>
-          <a:noFill/>
-        </p:spPr>
-        <p:txBody>
-          <a:bodyPr wrap="square" rtlCol="0">
-            <a:spAutoFit/>
-          </a:bodyPr>
-          <a:lstStyle/>
-          <a:p>
-            <a:r>
-              <a:rPr lang="en-IN" dirty="0"/>
-              <a:t>Docker Bridge network</a:t>
-            </a:r>
-          </a:p>
-        </p:txBody>
-      </p:sp>
-      <p:sp>
-        <p:nvSpPr>
-          <p:cNvPr id="16" name="TextBox 15">
-            <a:extLst>
-              <a:ext uri="{FF2B5EF4-FFF2-40B4-BE49-F238E27FC236}">
-                <a16:creationId xmlns:a16="http://schemas.microsoft.com/office/drawing/2014/main" id="{1FEA14B7-B41C-45BB-9626-27051E42BB3C}"/>
-              </a:ext>
-            </a:extLst>
-          </p:cNvPr>
-          <p:cNvSpPr txBox="1"/>
-          <p:nvPr/>
-        </p:nvSpPr>
-        <p:spPr>
-          <a:xfrm>
-            <a:off x="2207491" y="3800886"/>
-            <a:ext cx="780473" cy="369332"/>
-          </a:xfrm>
-          <a:prstGeom prst="rect">
-            <a:avLst/>
-          </a:prstGeom>
-          <a:noFill/>
-        </p:spPr>
-        <p:txBody>
-          <a:bodyPr wrap="square" rtlCol="0">
-            <a:spAutoFit/>
-          </a:bodyPr>
-          <a:lstStyle/>
-          <a:p>
-            <a:r>
-              <a:rPr lang="en-IN" dirty="0"/>
-              <a:t>8080</a:t>
-            </a:r>
-          </a:p>
-        </p:txBody>
-      </p:sp>
-      <p:cxnSp>
-        <p:nvCxnSpPr>
-          <p:cNvPr id="17" name="Straight Arrow Connector 16">
-            <a:extLst>
-              <a:ext uri="{FF2B5EF4-FFF2-40B4-BE49-F238E27FC236}">
-                <a16:creationId xmlns:a16="http://schemas.microsoft.com/office/drawing/2014/main" id="{254F3770-8ED2-41F7-A95D-956577D86775}"/>
-              </a:ext>
-            </a:extLst>
-          </p:cNvPr>
-          <p:cNvCxnSpPr>
-            <a:cxnSpLocks/>
-          </p:cNvCxnSpPr>
-          <p:nvPr/>
-        </p:nvCxnSpPr>
-        <p:spPr>
-          <a:xfrm flipV="1">
-            <a:off x="2526145" y="3362036"/>
-            <a:ext cx="0" cy="438850"/>
-          </a:xfrm>
-          <a:prstGeom prst="straightConnector1">
-            <a:avLst/>
-          </a:prstGeom>
-          <a:ln w="57150">
-            <a:solidFill>
-              <a:schemeClr val="accent2">
-                <a:lumMod val="75000"/>
-              </a:schemeClr>
-            </a:solidFill>
-            <a:tailEnd type="triangle"/>
-          </a:ln>
-        </p:spPr>
-        <p:style>
-          <a:lnRef idx="1">
-            <a:schemeClr val="accent1"/>
-          </a:lnRef>
-          <a:fillRef idx="0">
-            <a:schemeClr val="accent1"/>
-          </a:fillRef>
-          <a:effectRef idx="0">
-            <a:schemeClr val="accent1"/>
-          </a:effectRef>
-          <a:fontRef idx="minor">
-            <a:schemeClr val="tx1"/>
-          </a:fontRef>
-        </p:style>
-      </p:cxnSp>
-      <p:sp>
-        <p:nvSpPr>
-          <p:cNvPr id="19" name="Rectangle 18">
-            <a:extLst>
-              <a:ext uri="{FF2B5EF4-FFF2-40B4-BE49-F238E27FC236}">
-                <a16:creationId xmlns:a16="http://schemas.microsoft.com/office/drawing/2014/main" id="{BF88AEF3-A8E8-4CA1-829D-9F7A1EF03644}"/>
-              </a:ext>
-            </a:extLst>
-          </p:cNvPr>
-          <p:cNvSpPr/>
-          <p:nvPr/>
-        </p:nvSpPr>
-        <p:spPr>
-          <a:xfrm>
-            <a:off x="951345" y="5721927"/>
-            <a:ext cx="1062167" cy="854364"/>
-          </a:xfrm>
-          <a:prstGeom prst="rect">
-            <a:avLst/>
-          </a:prstGeom>
-        </p:spPr>
-        <p:style>
-          <a:lnRef idx="2">
-            <a:schemeClr val="accent1">
-              <a:shade val="50000"/>
-            </a:schemeClr>
-          </a:lnRef>
-          <a:fillRef idx="1">
-            <a:schemeClr val="accent1"/>
-          </a:fillRef>
-          <a:effectRef idx="0">
-            <a:schemeClr val="accent1"/>
-          </a:effectRef>
-          <a:fontRef idx="minor">
-            <a:schemeClr val="lt1"/>
-          </a:fontRef>
-        </p:style>
-        <p:txBody>
-          <a:bodyPr rtlCol="0" anchor="ctr"/>
-          <a:lstStyle/>
-          <a:p>
-            <a:pPr algn="ctr"/>
+              <a:t>imagename:tag</a:t>
+            </a:r>
+            <a:r>
+              <a:rPr lang="en-IN" dirty="0"/>
+              <a:t>&gt; .</a:t>
+            </a:r>
+          </a:p>
+          <a:p>
+            <a:r>
+              <a:rPr lang="en-IN" dirty="0"/>
+              <a:t>Upload the image to Docker Hub</a:t>
+            </a:r>
+          </a:p>
+          <a:p>
+            <a:pPr lvl="1"/>
+            <a:r>
+              <a:rPr lang="en-IN" dirty="0"/>
+              <a:t>docker push &lt;</a:t>
+            </a:r>
             <a:r>
               <a:rPr lang="en-IN" dirty="0" err="1"/>
-              <a:t>Cmd</a:t>
-            </a:r>
-            <a:endParaRPr lang="en-IN" dirty="0"/>
-          </a:p>
-          <a:p>
-            <a:pPr algn="ctr"/>
-            <a:r>
-              <a:rPr lang="en-IN" dirty="0"/>
-              <a:t>prompt</a:t>
-            </a:r>
-          </a:p>
-        </p:txBody>
-      </p:sp>
-      <p:sp>
-        <p:nvSpPr>
-          <p:cNvPr id="23" name="Rectangle 22">
-            <a:extLst>
-              <a:ext uri="{FF2B5EF4-FFF2-40B4-BE49-F238E27FC236}">
-                <a16:creationId xmlns:a16="http://schemas.microsoft.com/office/drawing/2014/main" id="{749D482F-8AFE-472A-8ABA-D4823B2B0F51}"/>
-              </a:ext>
-            </a:extLst>
-          </p:cNvPr>
-          <p:cNvSpPr/>
-          <p:nvPr/>
-        </p:nvSpPr>
-        <p:spPr>
-          <a:xfrm>
-            <a:off x="3038763" y="2932484"/>
-            <a:ext cx="1579418" cy="600364"/>
-          </a:xfrm>
-          <a:prstGeom prst="rect">
-            <a:avLst/>
-          </a:prstGeom>
-        </p:spPr>
-        <p:style>
-          <a:lnRef idx="2">
-            <a:schemeClr val="accent1">
-              <a:shade val="50000"/>
-            </a:schemeClr>
-          </a:lnRef>
-          <a:fillRef idx="1">
-            <a:schemeClr val="accent1"/>
-          </a:fillRef>
-          <a:effectRef idx="0">
-            <a:schemeClr val="accent1"/>
-          </a:effectRef>
-          <a:fontRef idx="minor">
-            <a:schemeClr val="lt1"/>
-          </a:fontRef>
-        </p:style>
-        <p:txBody>
-          <a:bodyPr rtlCol="0" anchor="ctr"/>
-          <a:lstStyle/>
-          <a:p>
-            <a:pPr algn="ctr"/>
+              <a:t>imagename:tag</a:t>
+            </a:r>
+            <a:r>
+              <a:rPr lang="en-IN" dirty="0"/>
+              <a:t>&gt;</a:t>
+            </a:r>
+          </a:p>
+          <a:p>
+            <a:r>
+              <a:rPr lang="en-IN" dirty="0"/>
+              <a:t>Downloading image to local machine</a:t>
+            </a:r>
+          </a:p>
+          <a:p>
+            <a:pPr lvl="1"/>
+            <a:r>
+              <a:rPr lang="en-IN" dirty="0"/>
+              <a:t>docker pull &lt;</a:t>
+            </a:r>
             <a:r>
               <a:rPr lang="en-IN" dirty="0" err="1"/>
-              <a:t>sqlserver</a:t>
-            </a:r>
-            <a:r>
-              <a:rPr lang="en-IN" dirty="0"/>
-              <a:t> :1433</a:t>
-            </a:r>
-          </a:p>
-        </p:txBody>
-      </p:sp>
-      <p:sp>
-        <p:nvSpPr>
-          <p:cNvPr id="24" name="TextBox 23">
-            <a:extLst>
-              <a:ext uri="{FF2B5EF4-FFF2-40B4-BE49-F238E27FC236}">
-                <a16:creationId xmlns:a16="http://schemas.microsoft.com/office/drawing/2014/main" id="{FE5CC915-C02D-4F83-86AA-048AF99EF2D7}"/>
-              </a:ext>
-            </a:extLst>
-          </p:cNvPr>
-          <p:cNvSpPr txBox="1"/>
-          <p:nvPr/>
-        </p:nvSpPr>
-        <p:spPr>
-          <a:xfrm>
-            <a:off x="2964873" y="2611521"/>
-            <a:ext cx="1773382" cy="369332"/>
-          </a:xfrm>
-          <a:prstGeom prst="rect">
-            <a:avLst/>
-          </a:prstGeom>
-          <a:noFill/>
-        </p:spPr>
-        <p:txBody>
-          <a:bodyPr wrap="square" rtlCol="0">
-            <a:spAutoFit/>
-          </a:bodyPr>
-          <a:lstStyle/>
-          <a:p>
-            <a:r>
-              <a:rPr lang="en-IN" dirty="0"/>
-              <a:t>172.17.0.7</a:t>
-            </a:r>
-          </a:p>
-        </p:txBody>
-      </p:sp>
-      <p:cxnSp>
-        <p:nvCxnSpPr>
-          <p:cNvPr id="25" name="Straight Arrow Connector 24">
-            <a:extLst>
-              <a:ext uri="{FF2B5EF4-FFF2-40B4-BE49-F238E27FC236}">
-                <a16:creationId xmlns:a16="http://schemas.microsoft.com/office/drawing/2014/main" id="{D8A58ACE-AEE2-4E5E-8AD9-CB016FF2D5FB}"/>
-              </a:ext>
-            </a:extLst>
-          </p:cNvPr>
-          <p:cNvCxnSpPr>
-            <a:cxnSpLocks/>
-          </p:cNvCxnSpPr>
-          <p:nvPr/>
-        </p:nvCxnSpPr>
-        <p:spPr>
-          <a:xfrm flipV="1">
-            <a:off x="3537527" y="4091709"/>
-            <a:ext cx="0" cy="2327564"/>
-          </a:xfrm>
-          <a:prstGeom prst="straightConnector1">
-            <a:avLst/>
-          </a:prstGeom>
-          <a:ln w="57150">
-            <a:solidFill>
-              <a:schemeClr val="accent2">
-                <a:lumMod val="75000"/>
-              </a:schemeClr>
-            </a:solidFill>
-            <a:tailEnd type="triangle"/>
-          </a:ln>
-        </p:spPr>
-        <p:style>
-          <a:lnRef idx="1">
-            <a:schemeClr val="accent1"/>
-          </a:lnRef>
-          <a:fillRef idx="0">
-            <a:schemeClr val="accent1"/>
-          </a:fillRef>
-          <a:effectRef idx="0">
-            <a:schemeClr val="accent1"/>
-          </a:effectRef>
-          <a:fontRef idx="minor">
-            <a:schemeClr val="tx1"/>
-          </a:fontRef>
-        </p:style>
-      </p:cxnSp>
-      <p:sp>
-        <p:nvSpPr>
-          <p:cNvPr id="26" name="TextBox 25">
-            <a:extLst>
-              <a:ext uri="{FF2B5EF4-FFF2-40B4-BE49-F238E27FC236}">
-                <a16:creationId xmlns:a16="http://schemas.microsoft.com/office/drawing/2014/main" id="{DE225E2E-D352-4D04-9698-0D745A5C2787}"/>
-              </a:ext>
-            </a:extLst>
-          </p:cNvPr>
-          <p:cNvSpPr txBox="1"/>
-          <p:nvPr/>
-        </p:nvSpPr>
-        <p:spPr>
-          <a:xfrm>
-            <a:off x="3225799" y="3813708"/>
-            <a:ext cx="780473" cy="369332"/>
-          </a:xfrm>
-          <a:prstGeom prst="rect">
-            <a:avLst/>
-          </a:prstGeom>
-          <a:noFill/>
-        </p:spPr>
-        <p:txBody>
-          <a:bodyPr wrap="square" rtlCol="0">
-            <a:spAutoFit/>
-          </a:bodyPr>
-          <a:lstStyle/>
-          <a:p>
-            <a:r>
-              <a:rPr lang="en-IN" dirty="0"/>
-              <a:t>8090</a:t>
-            </a:r>
-          </a:p>
-        </p:txBody>
-      </p:sp>
-      <p:cxnSp>
-        <p:nvCxnSpPr>
-          <p:cNvPr id="27" name="Straight Arrow Connector 26">
-            <a:extLst>
-              <a:ext uri="{FF2B5EF4-FFF2-40B4-BE49-F238E27FC236}">
-                <a16:creationId xmlns:a16="http://schemas.microsoft.com/office/drawing/2014/main" id="{1785FCCF-AB9F-4515-BE48-CEC88A923B2D}"/>
-              </a:ext>
-            </a:extLst>
-          </p:cNvPr>
-          <p:cNvCxnSpPr>
-            <a:cxnSpLocks/>
-          </p:cNvCxnSpPr>
-          <p:nvPr/>
-        </p:nvCxnSpPr>
-        <p:spPr>
-          <a:xfrm flipV="1">
-            <a:off x="3544453" y="3374858"/>
-            <a:ext cx="0" cy="438850"/>
-          </a:xfrm>
-          <a:prstGeom prst="straightConnector1">
-            <a:avLst/>
-          </a:prstGeom>
-          <a:ln w="57150">
-            <a:solidFill>
-              <a:schemeClr val="accent2">
-                <a:lumMod val="75000"/>
-              </a:schemeClr>
-            </a:solidFill>
-            <a:tailEnd type="triangle"/>
-          </a:ln>
-        </p:spPr>
-        <p:style>
-          <a:lnRef idx="1">
-            <a:schemeClr val="accent1"/>
-          </a:lnRef>
-          <a:fillRef idx="0">
-            <a:schemeClr val="accent1"/>
-          </a:fillRef>
-          <a:effectRef idx="0">
-            <a:schemeClr val="accent1"/>
-          </a:effectRef>
-          <a:fontRef idx="minor">
-            <a:schemeClr val="tx1"/>
-          </a:fontRef>
-        </p:style>
-      </p:cxnSp>
-      <p:sp>
-        <p:nvSpPr>
-          <p:cNvPr id="28" name="Rectangle 27">
-            <a:extLst>
-              <a:ext uri="{FF2B5EF4-FFF2-40B4-BE49-F238E27FC236}">
-                <a16:creationId xmlns:a16="http://schemas.microsoft.com/office/drawing/2014/main" id="{4821DA56-7D2F-4DFA-AFE7-914077EB57D8}"/>
-              </a:ext>
-            </a:extLst>
-          </p:cNvPr>
-          <p:cNvSpPr/>
-          <p:nvPr/>
-        </p:nvSpPr>
-        <p:spPr>
-          <a:xfrm>
-            <a:off x="6086184" y="2927927"/>
-            <a:ext cx="1579418" cy="600364"/>
-          </a:xfrm>
-          <a:prstGeom prst="rect">
-            <a:avLst/>
-          </a:prstGeom>
-        </p:spPr>
-        <p:style>
-          <a:lnRef idx="2">
-            <a:schemeClr val="accent1">
-              <a:shade val="50000"/>
-            </a:schemeClr>
-          </a:lnRef>
-          <a:fillRef idx="1">
-            <a:schemeClr val="accent1"/>
-          </a:fillRef>
-          <a:effectRef idx="0">
-            <a:schemeClr val="accent1"/>
-          </a:effectRef>
-          <a:fontRef idx="minor">
-            <a:schemeClr val="lt1"/>
-          </a:fontRef>
-        </p:style>
-        <p:txBody>
-          <a:bodyPr rtlCol="0" anchor="ctr"/>
-          <a:lstStyle/>
-          <a:p>
-            <a:pPr algn="ctr"/>
-            <a:r>
-              <a:rPr lang="en-IN" dirty="0"/>
-              <a:t>Alpine1</a:t>
-            </a:r>
-          </a:p>
-        </p:txBody>
-      </p:sp>
-      <p:sp>
-        <p:nvSpPr>
-          <p:cNvPr id="29" name="Rectangle 28">
-            <a:extLst>
-              <a:ext uri="{FF2B5EF4-FFF2-40B4-BE49-F238E27FC236}">
-                <a16:creationId xmlns:a16="http://schemas.microsoft.com/office/drawing/2014/main" id="{4C219C5E-EAF4-4F30-8212-E8E3DB77C18F}"/>
-              </a:ext>
-            </a:extLst>
-          </p:cNvPr>
-          <p:cNvSpPr/>
-          <p:nvPr/>
-        </p:nvSpPr>
-        <p:spPr>
-          <a:xfrm>
-            <a:off x="9240981" y="2925433"/>
-            <a:ext cx="1579418" cy="600364"/>
-          </a:xfrm>
-          <a:prstGeom prst="rect">
-            <a:avLst/>
-          </a:prstGeom>
-        </p:spPr>
-        <p:style>
-          <a:lnRef idx="2">
-            <a:schemeClr val="accent1">
-              <a:shade val="50000"/>
-            </a:schemeClr>
-          </a:lnRef>
-          <a:fillRef idx="1">
-            <a:schemeClr val="accent1"/>
-          </a:fillRef>
-          <a:effectRef idx="0">
-            <a:schemeClr val="accent1"/>
-          </a:effectRef>
-          <a:fontRef idx="minor">
-            <a:schemeClr val="lt1"/>
-          </a:fontRef>
-        </p:style>
-        <p:txBody>
-          <a:bodyPr rtlCol="0" anchor="ctr"/>
-          <a:lstStyle/>
-          <a:p>
-            <a:pPr algn="ctr"/>
-            <a:r>
-              <a:rPr lang="en-IN" dirty="0"/>
-              <a:t>Alpine2</a:t>
-            </a:r>
-          </a:p>
-        </p:txBody>
-      </p:sp>
-      <p:sp>
-        <p:nvSpPr>
-          <p:cNvPr id="30" name="TextBox 29">
-            <a:extLst>
-              <a:ext uri="{FF2B5EF4-FFF2-40B4-BE49-F238E27FC236}">
-                <a16:creationId xmlns:a16="http://schemas.microsoft.com/office/drawing/2014/main" id="{7419C08A-E611-4FE7-AF60-8E736CA43F8D}"/>
-              </a:ext>
-            </a:extLst>
-          </p:cNvPr>
-          <p:cNvSpPr txBox="1"/>
-          <p:nvPr/>
-        </p:nvSpPr>
-        <p:spPr>
-          <a:xfrm>
-            <a:off x="6035960" y="2602284"/>
-            <a:ext cx="1773382" cy="369332"/>
-          </a:xfrm>
-          <a:prstGeom prst="rect">
-            <a:avLst/>
-          </a:prstGeom>
-          <a:noFill/>
-        </p:spPr>
-        <p:txBody>
-          <a:bodyPr wrap="square" rtlCol="0">
-            <a:spAutoFit/>
-          </a:bodyPr>
-          <a:lstStyle/>
-          <a:p>
-            <a:r>
-              <a:rPr lang="en-IN" dirty="0"/>
-              <a:t>172.17.0.2</a:t>
-            </a:r>
-          </a:p>
-        </p:txBody>
-      </p:sp>
-      <p:sp>
-        <p:nvSpPr>
-          <p:cNvPr id="31" name="TextBox 30">
-            <a:extLst>
-              <a:ext uri="{FF2B5EF4-FFF2-40B4-BE49-F238E27FC236}">
-                <a16:creationId xmlns:a16="http://schemas.microsoft.com/office/drawing/2014/main" id="{96E12D04-4649-46AD-8357-3C8BD024DB1F}"/>
-              </a:ext>
-            </a:extLst>
-          </p:cNvPr>
-          <p:cNvSpPr txBox="1"/>
-          <p:nvPr/>
-        </p:nvSpPr>
-        <p:spPr>
-          <a:xfrm>
-            <a:off x="9191331" y="2602284"/>
-            <a:ext cx="1773382" cy="369332"/>
-          </a:xfrm>
-          <a:prstGeom prst="rect">
-            <a:avLst/>
-          </a:prstGeom>
-          <a:noFill/>
-        </p:spPr>
-        <p:txBody>
-          <a:bodyPr wrap="square" rtlCol="0">
-            <a:spAutoFit/>
-          </a:bodyPr>
-          <a:lstStyle/>
-          <a:p>
-            <a:r>
-              <a:rPr lang="en-IN" dirty="0"/>
-              <a:t>172.17.0.3</a:t>
-            </a:r>
-          </a:p>
-        </p:txBody>
-      </p:sp>
-      <p:cxnSp>
-        <p:nvCxnSpPr>
-          <p:cNvPr id="33" name="Straight Arrow Connector 32">
-            <a:extLst>
-              <a:ext uri="{FF2B5EF4-FFF2-40B4-BE49-F238E27FC236}">
-                <a16:creationId xmlns:a16="http://schemas.microsoft.com/office/drawing/2014/main" id="{5A072308-4D5F-4748-BF97-FCC3357195E3}"/>
-              </a:ext>
-            </a:extLst>
-          </p:cNvPr>
-          <p:cNvCxnSpPr/>
-          <p:nvPr/>
-        </p:nvCxnSpPr>
-        <p:spPr>
-          <a:xfrm>
-            <a:off x="7675418" y="3091842"/>
-            <a:ext cx="1597891" cy="0"/>
-          </a:xfrm>
-          <a:prstGeom prst="straightConnector1">
-            <a:avLst/>
-          </a:prstGeom>
-          <a:ln w="28575">
-            <a:tailEnd type="triangle"/>
-          </a:ln>
-        </p:spPr>
-        <p:style>
-          <a:lnRef idx="1">
-            <a:schemeClr val="accent1"/>
-          </a:lnRef>
-          <a:fillRef idx="0">
-            <a:schemeClr val="accent1"/>
-          </a:fillRef>
-          <a:effectRef idx="0">
-            <a:schemeClr val="accent1"/>
-          </a:effectRef>
-          <a:fontRef idx="minor">
-            <a:schemeClr val="tx1"/>
-          </a:fontRef>
-        </p:style>
-      </p:cxnSp>
-      <p:cxnSp>
-        <p:nvCxnSpPr>
-          <p:cNvPr id="34" name="Straight Arrow Connector 33">
-            <a:extLst>
-              <a:ext uri="{FF2B5EF4-FFF2-40B4-BE49-F238E27FC236}">
-                <a16:creationId xmlns:a16="http://schemas.microsoft.com/office/drawing/2014/main" id="{DA22BCB9-2FD4-4305-AB22-E0F95783E371}"/>
-              </a:ext>
-            </a:extLst>
-          </p:cNvPr>
-          <p:cNvCxnSpPr>
-            <a:cxnSpLocks/>
-          </p:cNvCxnSpPr>
-          <p:nvPr/>
-        </p:nvCxnSpPr>
-        <p:spPr>
-          <a:xfrm flipH="1">
-            <a:off x="7690427" y="3362036"/>
-            <a:ext cx="1550554" cy="0"/>
-          </a:xfrm>
-          <a:prstGeom prst="straightConnector1">
-            <a:avLst/>
-          </a:prstGeom>
-          <a:ln w="28575">
-            <a:tailEnd type="triangle"/>
-          </a:ln>
-        </p:spPr>
-        <p:style>
-          <a:lnRef idx="1">
-            <a:schemeClr val="accent1"/>
-          </a:lnRef>
-          <a:fillRef idx="0">
-            <a:schemeClr val="accent1"/>
-          </a:fillRef>
-          <a:effectRef idx="0">
-            <a:schemeClr val="accent1"/>
-          </a:effectRef>
-          <a:fontRef idx="minor">
-            <a:schemeClr val="tx1"/>
-          </a:fontRef>
-        </p:style>
-      </p:cxnSp>
+              <a:t>imagename:tag</a:t>
+            </a:r>
+            <a:r>
+              <a:rPr lang="en-IN" dirty="0"/>
+              <a:t>&gt;</a:t>
+            </a:r>
+          </a:p>
+          <a:p>
+            <a:r>
+              <a:rPr lang="en-IN" dirty="0"/>
+              <a:t>Creating alias name for images</a:t>
+            </a:r>
+          </a:p>
+          <a:p>
+            <a:pPr lvl="1"/>
+            <a:r>
+              <a:rPr lang="en-IN" dirty="0"/>
+              <a:t>docker tag &lt;old-name&gt; &lt;new-name&gt;</a:t>
+            </a:r>
+          </a:p>
+          <a:p>
+            <a:r>
+              <a:rPr lang="en-IN" dirty="0"/>
+              <a:t>List images in local repository</a:t>
+            </a:r>
+          </a:p>
+          <a:p>
+            <a:pPr lvl="1"/>
+            <a:r>
+              <a:rPr lang="en-IN" dirty="0"/>
+              <a:t>docker images</a:t>
+            </a:r>
+          </a:p>
+        </p:txBody>
+      </p:sp>
     </p:spTree>
     <p:extLst>
       <p:ext uri="{BB962C8B-B14F-4D97-AF65-F5344CB8AC3E}">
-        <p14:creationId xmlns:p14="http://schemas.microsoft.com/office/powerpoint/2010/main" val="824846571"/>
+        <p14:creationId xmlns:p14="http://schemas.microsoft.com/office/powerpoint/2010/main" val="1549858817"/>
       </p:ext>
     </p:extLst>
   </p:cSld>
